--- a/branches/Plus-2.0/doc/overview/PlusOverview.pptx
+++ b/branches/Plus-2.0/doc/overview/PlusOverview.pptx
@@ -5,7 +5,7 @@
     <p:sldMasterId id="2147483648" r:id="rId1"/>
   </p:sldMasterIdLst>
   <p:notesMasterIdLst>
-    <p:notesMasterId r:id="rId22"/>
+    <p:notesMasterId r:id="rId24"/>
   </p:notesMasterIdLst>
   <p:sldIdLst>
     <p:sldId id="256" r:id="rId2"/>
@@ -24,10 +24,12 @@
     <p:sldId id="413" r:id="rId15"/>
     <p:sldId id="415" r:id="rId16"/>
     <p:sldId id="386" r:id="rId17"/>
-    <p:sldId id="280" r:id="rId18"/>
-    <p:sldId id="307" r:id="rId19"/>
-    <p:sldId id="332" r:id="rId20"/>
-    <p:sldId id="416" r:id="rId21"/>
+    <p:sldId id="418" r:id="rId18"/>
+    <p:sldId id="419" r:id="rId19"/>
+    <p:sldId id="420" r:id="rId20"/>
+    <p:sldId id="280" r:id="rId21"/>
+    <p:sldId id="307" r:id="rId22"/>
+    <p:sldId id="416" r:id="rId23"/>
   </p:sldIdLst>
   <p:sldSz cx="9144000" cy="6858000" type="screen4x3"/>
   <p:notesSz cx="6858000" cy="9144000"/>
@@ -212,7 +214,7 @@
             <a:fld id="{A6E16264-6225-448A-8F6B-37C607BF693C}" type="datetimeFigureOut">
               <a:rPr lang="en-CA" smtClean="0"/>
               <a:pPr/>
-              <a:t>2012-12-19</a:t>
+              <a:t>03/05/2013</a:t>
             </a:fld>
             <a:endParaRPr lang="en-CA"/>
           </a:p>
@@ -479,6 +481,297 @@
     </a:lvl9pPr>
   </p:notesStyle>
 </p:notesMaster>
+</file>
+
+<file path=ppt/notesSlides/notesSlide1.xml><?xml version="1.0" encoding="utf-8"?>
+<p:notes xmlns:a="http://schemas.openxmlformats.org/drawingml/2006/main" xmlns:r="http://schemas.openxmlformats.org/officeDocument/2006/relationships" xmlns:p="http://schemas.openxmlformats.org/presentationml/2006/main">
+  <p:cSld>
+    <p:spTree>
+      <p:nvGrpSpPr>
+        <p:cNvPr id="1" name=""/>
+        <p:cNvGrpSpPr/>
+        <p:nvPr/>
+      </p:nvGrpSpPr>
+      <p:grpSpPr>
+        <a:xfrm>
+          <a:off x="0" y="0"/>
+          <a:ext cx="0" cy="0"/>
+          <a:chOff x="0" y="0"/>
+          <a:chExt cx="0" cy="0"/>
+        </a:xfrm>
+      </p:grpSpPr>
+      <p:sp>
+        <p:nvSpPr>
+          <p:cNvPr id="2" name="Slide Image Placeholder 1"/>
+          <p:cNvSpPr>
+            <a:spLocks noGrp="1" noRot="1" noChangeAspect="1"/>
+          </p:cNvSpPr>
+          <p:nvPr>
+            <p:ph type="sldImg"/>
+          </p:nvPr>
+        </p:nvSpPr>
+        <p:spPr/>
+      </p:sp>
+      <p:sp>
+        <p:nvSpPr>
+          <p:cNvPr id="3" name="Notes Placeholder 2"/>
+          <p:cNvSpPr>
+            <a:spLocks noGrp="1"/>
+          </p:cNvSpPr>
+          <p:nvPr>
+            <p:ph type="body" idx="1"/>
+          </p:nvPr>
+        </p:nvSpPr>
+        <p:spPr/>
+        <p:txBody>
+          <a:bodyPr/>
+          <a:lstStyle/>
+          <a:p>
+            <a:r>
+              <a:rPr lang="en-US" dirty="0" smtClean="0"/>
+              <a:t>what our research lab is doing</a:t>
+            </a:r>
+            <a:r>
+              <a:rPr lang="en-US" baseline="0" dirty="0" smtClean="0"/>
+              <a:t> from a software development perspective</a:t>
+            </a:r>
+            <a:endParaRPr lang="en-US" dirty="0"/>
+          </a:p>
+        </p:txBody>
+      </p:sp>
+      <p:sp>
+        <p:nvSpPr>
+          <p:cNvPr id="4" name="Slide Number Placeholder 3"/>
+          <p:cNvSpPr>
+            <a:spLocks noGrp="1"/>
+          </p:cNvSpPr>
+          <p:nvPr>
+            <p:ph type="sldNum" sz="quarter" idx="10"/>
+          </p:nvPr>
+        </p:nvSpPr>
+        <p:spPr/>
+        <p:txBody>
+          <a:bodyPr/>
+          <a:lstStyle/>
+          <a:p>
+            <a:pPr>
+              <a:defRPr/>
+            </a:pPr>
+            <a:fld id="{7D5EC535-FC31-4244-9C64-EE05A8ED5E60}" type="slidenum">
+              <a:rPr lang="en-US" smtClean="0"/>
+              <a:pPr>
+                <a:defRPr/>
+              </a:pPr>
+              <a:t>17</a:t>
+            </a:fld>
+            <a:endParaRPr lang="en-US"/>
+          </a:p>
+        </p:txBody>
+      </p:sp>
+    </p:spTree>
+    <p:extLst>
+      <p:ext uri="{BB962C8B-B14F-4D97-AF65-F5344CB8AC3E}">
+        <p14:creationId xmlns:p14="http://schemas.microsoft.com/office/powerpoint/2010/main" val="3077919326"/>
+      </p:ext>
+    </p:extLst>
+  </p:cSld>
+  <p:clrMapOvr>
+    <a:masterClrMapping/>
+  </p:clrMapOvr>
+</p:notes>
+</file>
+
+<file path=ppt/notesSlides/notesSlide2.xml><?xml version="1.0" encoding="utf-8"?>
+<p:notes xmlns:a="http://schemas.openxmlformats.org/drawingml/2006/main" xmlns:r="http://schemas.openxmlformats.org/officeDocument/2006/relationships" xmlns:p="http://schemas.openxmlformats.org/presentationml/2006/main">
+  <p:cSld>
+    <p:spTree>
+      <p:nvGrpSpPr>
+        <p:cNvPr id="1" name=""/>
+        <p:cNvGrpSpPr/>
+        <p:nvPr/>
+      </p:nvGrpSpPr>
+      <p:grpSpPr>
+        <a:xfrm>
+          <a:off x="0" y="0"/>
+          <a:ext cx="0" cy="0"/>
+          <a:chOff x="0" y="0"/>
+          <a:chExt cx="0" cy="0"/>
+        </a:xfrm>
+      </p:grpSpPr>
+      <p:sp>
+        <p:nvSpPr>
+          <p:cNvPr id="2" name="Slide Image Placeholder 1"/>
+          <p:cNvSpPr>
+            <a:spLocks noGrp="1" noRot="1" noChangeAspect="1"/>
+          </p:cNvSpPr>
+          <p:nvPr>
+            <p:ph type="sldImg"/>
+          </p:nvPr>
+        </p:nvSpPr>
+        <p:spPr/>
+      </p:sp>
+      <p:sp>
+        <p:nvSpPr>
+          <p:cNvPr id="3" name="Notes Placeholder 2"/>
+          <p:cNvSpPr>
+            <a:spLocks noGrp="1"/>
+          </p:cNvSpPr>
+          <p:nvPr>
+            <p:ph type="body" idx="1"/>
+          </p:nvPr>
+        </p:nvSpPr>
+        <p:spPr/>
+        <p:txBody>
+          <a:bodyPr/>
+          <a:lstStyle/>
+          <a:p>
+            <a:r>
+              <a:rPr lang="en-US" dirty="0" smtClean="0"/>
+              <a:t>This shows a layered approach</a:t>
+            </a:r>
+            <a:r>
+              <a:rPr lang="en-US" baseline="0" dirty="0" smtClean="0"/>
+              <a:t> to what depends on what</a:t>
+            </a:r>
+          </a:p>
+          <a:p>
+            <a:r>
+              <a:rPr lang="en-US" baseline="0" dirty="0" smtClean="0"/>
+              <a:t>SDK – software development kit, functions to interact with a specific piece of hardware</a:t>
+            </a:r>
+          </a:p>
+        </p:txBody>
+      </p:sp>
+      <p:sp>
+        <p:nvSpPr>
+          <p:cNvPr id="4" name="Slide Number Placeholder 3"/>
+          <p:cNvSpPr>
+            <a:spLocks noGrp="1"/>
+          </p:cNvSpPr>
+          <p:nvPr>
+            <p:ph type="sldNum" sz="quarter" idx="10"/>
+          </p:nvPr>
+        </p:nvSpPr>
+        <p:spPr/>
+        <p:txBody>
+          <a:bodyPr/>
+          <a:lstStyle/>
+          <a:p>
+            <a:pPr>
+              <a:defRPr/>
+            </a:pPr>
+            <a:fld id="{7D5EC535-FC31-4244-9C64-EE05A8ED5E60}" type="slidenum">
+              <a:rPr lang="en-US" smtClean="0"/>
+              <a:pPr>
+                <a:defRPr/>
+              </a:pPr>
+              <a:t>18</a:t>
+            </a:fld>
+            <a:endParaRPr lang="en-US"/>
+          </a:p>
+        </p:txBody>
+      </p:sp>
+    </p:spTree>
+    <p:extLst>
+      <p:ext uri="{BB962C8B-B14F-4D97-AF65-F5344CB8AC3E}">
+        <p14:creationId xmlns:p14="http://schemas.microsoft.com/office/powerpoint/2010/main" val="3077919326"/>
+      </p:ext>
+    </p:extLst>
+  </p:cSld>
+  <p:clrMapOvr>
+    <a:masterClrMapping/>
+  </p:clrMapOvr>
+</p:notes>
+</file>
+
+<file path=ppt/notesSlides/notesSlide3.xml><?xml version="1.0" encoding="utf-8"?>
+<p:notes xmlns:a="http://schemas.openxmlformats.org/drawingml/2006/main" xmlns:r="http://schemas.openxmlformats.org/officeDocument/2006/relationships" xmlns:p="http://schemas.openxmlformats.org/presentationml/2006/main">
+  <p:cSld>
+    <p:spTree>
+      <p:nvGrpSpPr>
+        <p:cNvPr id="1" name=""/>
+        <p:cNvGrpSpPr/>
+        <p:nvPr/>
+      </p:nvGrpSpPr>
+      <p:grpSpPr>
+        <a:xfrm>
+          <a:off x="0" y="0"/>
+          <a:ext cx="0" cy="0"/>
+          <a:chOff x="0" y="0"/>
+          <a:chExt cx="0" cy="0"/>
+        </a:xfrm>
+      </p:grpSpPr>
+      <p:sp>
+        <p:nvSpPr>
+          <p:cNvPr id="2" name="Slide Image Placeholder 1"/>
+          <p:cNvSpPr>
+            <a:spLocks noGrp="1" noRot="1" noChangeAspect="1"/>
+          </p:cNvSpPr>
+          <p:nvPr>
+            <p:ph type="sldImg"/>
+          </p:nvPr>
+        </p:nvSpPr>
+        <p:spPr/>
+      </p:sp>
+      <p:sp>
+        <p:nvSpPr>
+          <p:cNvPr id="3" name="Notes Placeholder 2"/>
+          <p:cNvSpPr>
+            <a:spLocks noGrp="1"/>
+          </p:cNvSpPr>
+          <p:nvPr>
+            <p:ph type="body" idx="1"/>
+          </p:nvPr>
+        </p:nvSpPr>
+        <p:spPr/>
+        <p:txBody>
+          <a:bodyPr/>
+          <a:lstStyle/>
+          <a:p>
+            <a:endParaRPr lang="en-US" dirty="0"/>
+          </a:p>
+        </p:txBody>
+      </p:sp>
+      <p:sp>
+        <p:nvSpPr>
+          <p:cNvPr id="4" name="Slide Number Placeholder 3"/>
+          <p:cNvSpPr>
+            <a:spLocks noGrp="1"/>
+          </p:cNvSpPr>
+          <p:nvPr>
+            <p:ph type="sldNum" sz="quarter" idx="10"/>
+          </p:nvPr>
+        </p:nvSpPr>
+        <p:spPr/>
+        <p:txBody>
+          <a:bodyPr/>
+          <a:lstStyle/>
+          <a:p>
+            <a:pPr>
+              <a:defRPr/>
+            </a:pPr>
+            <a:fld id="{7D5EC535-FC31-4244-9C64-EE05A8ED5E60}" type="slidenum">
+              <a:rPr lang="en-US" smtClean="0"/>
+              <a:pPr>
+                <a:defRPr/>
+              </a:pPr>
+              <a:t>19</a:t>
+            </a:fld>
+            <a:endParaRPr lang="en-US"/>
+          </a:p>
+        </p:txBody>
+      </p:sp>
+    </p:spTree>
+    <p:extLst>
+      <p:ext uri="{BB962C8B-B14F-4D97-AF65-F5344CB8AC3E}">
+        <p14:creationId xmlns:p14="http://schemas.microsoft.com/office/powerpoint/2010/main" val="3077919326"/>
+      </p:ext>
+    </p:extLst>
+  </p:cSld>
+  <p:clrMapOvr>
+    <a:masterClrMapping/>
+  </p:clrMapOvr>
+</p:notes>
 </file>
 
 <file path=ppt/slideLayouts/slideLayout1.xml><?xml version="1.0" encoding="utf-8"?>
@@ -663,7 +956,7 @@
             <a:fld id="{E843F943-FC4A-4610-812B-19459293E20B}" type="datetime1">
               <a:rPr lang="en-CA" smtClean="0"/>
               <a:pPr/>
-              <a:t>2012-12-19</a:t>
+              <a:t>03/05/2013</a:t>
             </a:fld>
             <a:endParaRPr lang="en-CA" dirty="0"/>
           </a:p>
@@ -962,7 +1255,7 @@
             <a:fld id="{7EC20259-AFA4-42BB-B1F2-1723D3175E09}" type="datetime1">
               <a:rPr lang="en-CA" smtClean="0"/>
               <a:pPr/>
-              <a:t>2012-12-19</a:t>
+              <a:t>03/05/2013</a:t>
             </a:fld>
             <a:endParaRPr lang="en-CA"/>
           </a:p>
@@ -1166,7 +1459,7 @@
             <a:fld id="{7EC20259-AFA4-42BB-B1F2-1723D3175E09}" type="datetime1">
               <a:rPr lang="en-CA" smtClean="0"/>
               <a:pPr/>
-              <a:t>2012-12-19</a:t>
+              <a:t>03/05/2013</a:t>
             </a:fld>
             <a:endParaRPr lang="en-CA"/>
           </a:p>
@@ -1448,7 +1741,7 @@
             <a:fld id="{0B273A97-7724-4AE7-A6F1-5A1F5D1DB72A}" type="datetime1">
               <a:rPr lang="en-CA" smtClean="0"/>
               <a:pPr/>
-              <a:t>2012-12-19</a:t>
+              <a:t>03/05/2013</a:t>
             </a:fld>
             <a:endParaRPr lang="en-CA"/>
           </a:p>
@@ -1944,7 +2237,23 @@
                   <a:schemeClr val="tx1"/>
                 </a:solidFill>
               </a:rPr>
-              <a:t>Andras Lasso, Tamas Heffter, Csaba Pinter, Tamas Ungi, and Gabor Fichtinger</a:t>
+              <a:t>Andras Lasso, Tamas Heffter, Csaba Pinter, Tamas Ungi, </a:t>
+            </a:r>
+            <a:r>
+              <a:rPr lang="sv-SE" sz="2400" dirty="0" smtClean="0">
+                <a:solidFill>
+                  <a:schemeClr val="tx1"/>
+                </a:solidFill>
+              </a:rPr>
+              <a:t>Adam Rankin and </a:t>
+            </a:r>
+            <a:r>
+              <a:rPr lang="sv-SE" sz="2400" dirty="0">
+                <a:solidFill>
+                  <a:schemeClr val="tx1"/>
+                </a:solidFill>
+              </a:rPr>
+              <a:t>Gabor Fichtinger</a:t>
             </a:r>
             <a:endParaRPr lang="en-CA" sz="2400" dirty="0" smtClean="0">
               <a:solidFill>
@@ -4014,7 +4323,51 @@
               <a:rPr lang="en-US" dirty="0" smtClean="0"/>
               <a:t>(e.g., to 3D Slicer)</a:t>
             </a:r>
-            <a:endParaRPr lang="en-US" sz="2800" dirty="0" smtClean="0"/>
+          </a:p>
+          <a:p>
+            <a:pPr>
+              <a:spcBef>
+                <a:spcPts val="0"/>
+              </a:spcBef>
+              <a:spcAft>
+                <a:spcPts val="0"/>
+              </a:spcAft>
+              <a:defRPr/>
+            </a:pPr>
+            <a:r>
+              <a:rPr lang="en-US" dirty="0" smtClean="0"/>
+              <a:t>Remote control access</a:t>
+            </a:r>
+          </a:p>
+          <a:p>
+            <a:pPr lvl="1">
+              <a:spcBef>
+                <a:spcPts val="0"/>
+              </a:spcBef>
+              <a:spcAft>
+                <a:spcPts val="0"/>
+              </a:spcAft>
+              <a:defRPr/>
+            </a:pPr>
+            <a:r>
+              <a:rPr lang="en-US" dirty="0" smtClean="0"/>
+              <a:t>Control data recording</a:t>
+            </a:r>
+          </a:p>
+          <a:p>
+            <a:pPr lvl="1">
+              <a:spcBef>
+                <a:spcPts val="0"/>
+              </a:spcBef>
+              <a:spcAft>
+                <a:spcPts val="0"/>
+              </a:spcAft>
+              <a:defRPr/>
+            </a:pPr>
+            <a:r>
+              <a:rPr lang="en-US" dirty="0" smtClean="0"/>
+              <a:t>Request volume reconstruction</a:t>
+            </a:r>
           </a:p>
         </p:txBody>
       </p:sp>
@@ -4035,8 +4388,8 @@
         </p:blipFill>
         <p:spPr bwMode="auto">
           <a:xfrm>
-            <a:off x="3491880" y="2563633"/>
-            <a:ext cx="5328592" cy="3745687"/>
+            <a:off x="4932040" y="2632041"/>
+            <a:ext cx="4104456" cy="2885191"/>
           </a:xfrm>
           <a:prstGeom prst="rect">
             <a:avLst/>
@@ -4796,6 +5149,215 @@
       </p:grpSpPr>
       <p:sp>
         <p:nvSpPr>
+          <p:cNvPr id="120" name="Title 1"/>
+          <p:cNvSpPr txBox="1">
+            <a:spLocks/>
+          </p:cNvSpPr>
+          <p:nvPr/>
+        </p:nvSpPr>
+        <p:spPr bwMode="auto">
+          <a:xfrm>
+            <a:off x="0" y="0"/>
+            <a:ext cx="9144000" cy="1035968"/>
+          </a:xfrm>
+          <a:prstGeom prst="rect">
+            <a:avLst/>
+          </a:prstGeom>
+          <a:noFill/>
+          <a:ln w="9525">
+            <a:noFill/>
+            <a:miter lim="800000"/>
+            <a:headEnd/>
+            <a:tailEnd/>
+          </a:ln>
+        </p:spPr>
+        <p:txBody>
+          <a:bodyPr vert="horz" wrap="square" lIns="91440" tIns="45720" rIns="91440" bIns="45720" numCol="1" anchor="ctr" anchorCtr="0" compatLnSpc="1">
+            <a:prstTxWarp prst="textNoShape">
+              <a:avLst/>
+            </a:prstTxWarp>
+          </a:bodyPr>
+          <a:lstStyle>
+            <a:lvl1pPr algn="ctr" rtl="0" eaLnBrk="0" fontAlgn="base" hangingPunct="0">
+              <a:spcBef>
+                <a:spcPct val="0"/>
+              </a:spcBef>
+              <a:spcAft>
+                <a:spcPct val="0"/>
+              </a:spcAft>
+              <a:defRPr sz="4400" kern="1200">
+                <a:solidFill>
+                  <a:schemeClr val="tx1"/>
+                </a:solidFill>
+                <a:latin typeface="+mj-lt"/>
+                <a:ea typeface="+mj-ea"/>
+                <a:cs typeface="+mj-cs"/>
+              </a:defRPr>
+            </a:lvl1pPr>
+            <a:lvl2pPr algn="ctr" rtl="0" eaLnBrk="0" fontAlgn="base" hangingPunct="0">
+              <a:spcBef>
+                <a:spcPct val="0"/>
+              </a:spcBef>
+              <a:spcAft>
+                <a:spcPct val="0"/>
+              </a:spcAft>
+              <a:defRPr sz="4400">
+                <a:solidFill>
+                  <a:schemeClr val="tx1"/>
+                </a:solidFill>
+                <a:latin typeface="Calibri" pitchFamily="34" charset="0"/>
+              </a:defRPr>
+            </a:lvl2pPr>
+            <a:lvl3pPr algn="ctr" rtl="0" eaLnBrk="0" fontAlgn="base" hangingPunct="0">
+              <a:spcBef>
+                <a:spcPct val="0"/>
+              </a:spcBef>
+              <a:spcAft>
+                <a:spcPct val="0"/>
+              </a:spcAft>
+              <a:defRPr sz="4400">
+                <a:solidFill>
+                  <a:schemeClr val="tx1"/>
+                </a:solidFill>
+                <a:latin typeface="Calibri" pitchFamily="34" charset="0"/>
+              </a:defRPr>
+            </a:lvl3pPr>
+            <a:lvl4pPr algn="ctr" rtl="0" eaLnBrk="0" fontAlgn="base" hangingPunct="0">
+              <a:spcBef>
+                <a:spcPct val="0"/>
+              </a:spcBef>
+              <a:spcAft>
+                <a:spcPct val="0"/>
+              </a:spcAft>
+              <a:defRPr sz="4400">
+                <a:solidFill>
+                  <a:schemeClr val="tx1"/>
+                </a:solidFill>
+                <a:latin typeface="Calibri" pitchFamily="34" charset="0"/>
+              </a:defRPr>
+            </a:lvl4pPr>
+            <a:lvl5pPr algn="ctr" rtl="0" eaLnBrk="0" fontAlgn="base" hangingPunct="0">
+              <a:spcBef>
+                <a:spcPct val="0"/>
+              </a:spcBef>
+              <a:spcAft>
+                <a:spcPct val="0"/>
+              </a:spcAft>
+              <a:defRPr sz="4400">
+                <a:solidFill>
+                  <a:schemeClr val="tx1"/>
+                </a:solidFill>
+                <a:latin typeface="Calibri" pitchFamily="34" charset="0"/>
+              </a:defRPr>
+            </a:lvl5pPr>
+            <a:lvl6pPr marL="457200" algn="ctr" rtl="0" fontAlgn="base">
+              <a:spcBef>
+                <a:spcPct val="0"/>
+              </a:spcBef>
+              <a:spcAft>
+                <a:spcPct val="0"/>
+              </a:spcAft>
+              <a:defRPr sz="4400">
+                <a:solidFill>
+                  <a:schemeClr val="tx1"/>
+                </a:solidFill>
+                <a:latin typeface="Calibri" pitchFamily="34" charset="0"/>
+              </a:defRPr>
+            </a:lvl6pPr>
+            <a:lvl7pPr marL="914400" algn="ctr" rtl="0" fontAlgn="base">
+              <a:spcBef>
+                <a:spcPct val="0"/>
+              </a:spcBef>
+              <a:spcAft>
+                <a:spcPct val="0"/>
+              </a:spcAft>
+              <a:defRPr sz="4400">
+                <a:solidFill>
+                  <a:schemeClr val="tx1"/>
+                </a:solidFill>
+                <a:latin typeface="Calibri" pitchFamily="34" charset="0"/>
+              </a:defRPr>
+            </a:lvl7pPr>
+            <a:lvl8pPr marL="1371600" algn="ctr" rtl="0" fontAlgn="base">
+              <a:spcBef>
+                <a:spcPct val="0"/>
+              </a:spcBef>
+              <a:spcAft>
+                <a:spcPct val="0"/>
+              </a:spcAft>
+              <a:defRPr sz="4400">
+                <a:solidFill>
+                  <a:schemeClr val="tx1"/>
+                </a:solidFill>
+                <a:latin typeface="Calibri" pitchFamily="34" charset="0"/>
+              </a:defRPr>
+            </a:lvl8pPr>
+            <a:lvl9pPr marL="1828800" algn="ctr" rtl="0" fontAlgn="base">
+              <a:spcBef>
+                <a:spcPct val="0"/>
+              </a:spcBef>
+              <a:spcAft>
+                <a:spcPct val="0"/>
+              </a:spcAft>
+              <a:defRPr sz="4400">
+                <a:solidFill>
+                  <a:schemeClr val="tx1"/>
+                </a:solidFill>
+                <a:latin typeface="Calibri" pitchFamily="34" charset="0"/>
+              </a:defRPr>
+            </a:lvl9pPr>
+          </a:lstStyle>
+          <a:p>
+            <a:r>
+              <a:rPr lang="en-CA" b="1" dirty="0">
+                <a:solidFill>
+                  <a:srgbClr val="800000"/>
+                </a:solidFill>
+              </a:rPr>
+              <a:t>System overview</a:t>
+            </a:r>
+          </a:p>
+        </p:txBody>
+      </p:sp>
+      <p:sp>
+        <p:nvSpPr>
+          <p:cNvPr id="4" name="Slide Number Placeholder 3"/>
+          <p:cNvSpPr>
+            <a:spLocks noGrp="1"/>
+          </p:cNvSpPr>
+          <p:nvPr>
+            <p:ph type="sldNum" sz="quarter" idx="10"/>
+          </p:nvPr>
+        </p:nvSpPr>
+        <p:spPr/>
+        <p:txBody>
+          <a:bodyPr/>
+          <a:lstStyle/>
+          <a:p>
+            <a:pPr algn="ctr">
+              <a:defRPr/>
+            </a:pPr>
+            <a:r>
+              <a:rPr lang="en-US" smtClean="0"/>
+              <a:t>- </a:t>
+            </a:r>
+            <a:fld id="{CF70E430-998E-4908-836F-E9BC2B613AC2}" type="slidenum">
+              <a:rPr lang="en-US" smtClean="0"/>
+              <a:pPr algn="ctr">
+                <a:defRPr/>
+              </a:pPr>
+              <a:t>17</a:t>
+            </a:fld>
+            <a:r>
+              <a:rPr lang="en-US" smtClean="0"/>
+              <a:t> -</a:t>
+            </a:r>
+            <a:endParaRPr lang="en-US" dirty="0"/>
+          </a:p>
+        </p:txBody>
+      </p:sp>
+      <p:sp>
+        <p:nvSpPr>
           <p:cNvPr id="5" name="Footer Placeholder 4"/>
           <p:cNvSpPr>
             <a:spLocks noGrp="1"/>
@@ -4809,529 +5371,247 @@
           <a:bodyPr/>
           <a:lstStyle/>
           <a:p>
-            <a:r>
-              <a:rPr lang="en-US" dirty="0" smtClean="0"/>
-              <a:t>Laboratory for Percutaneous Surgery (The Perk Lab) – Copyright © Queen’s University, 2012</a:t>
-            </a:r>
-          </a:p>
-        </p:txBody>
-      </p:sp>
-      <p:sp>
-        <p:nvSpPr>
-          <p:cNvPr id="7" name="TextBox 6"/>
-          <p:cNvSpPr txBox="1"/>
-          <p:nvPr/>
-        </p:nvSpPr>
-        <p:spPr>
-          <a:xfrm>
-            <a:off x="611560" y="3379926"/>
-            <a:ext cx="7842403" cy="2923877"/>
-          </a:xfrm>
-          <a:prstGeom prst="rect">
-            <a:avLst/>
-          </a:prstGeom>
-          <a:noFill/>
-        </p:spPr>
-        <p:txBody>
-          <a:bodyPr wrap="none">
-            <a:spAutoFit/>
-          </a:bodyPr>
-          <a:lstStyle/>
-          <a:p>
             <a:pPr>
-              <a:spcBef>
-                <a:spcPts val="600"/>
-              </a:spcBef>
-              <a:spcAft>
-                <a:spcPts val="600"/>
-              </a:spcAft>
-              <a:tabLst>
-                <a:tab pos="1257300" algn="l"/>
-              </a:tabLst>
               <a:defRPr/>
             </a:pPr>
             <a:r>
-              <a:rPr lang="en-US" sz="2400" b="1" dirty="0" smtClean="0"/>
-              <a:t>PLUS: </a:t>
-            </a:r>
-            <a:r>
-              <a:rPr lang="en-US" sz="2400" b="1" dirty="0"/>
-              <a:t>	</a:t>
-            </a:r>
-            <a:r>
-              <a:rPr lang="en-US" sz="2400" b="1" dirty="0" smtClean="0"/>
-              <a:t>	</a:t>
-            </a:r>
-            <a:r>
-              <a:rPr lang="en-CA" sz="2400" b="1" dirty="0" smtClean="0">
-                <a:hlinkClick r:id="rId2"/>
-              </a:rPr>
-              <a:t>https</a:t>
-            </a:r>
-            <a:r>
-              <a:rPr lang="en-CA" sz="2400" b="1" dirty="0">
-                <a:hlinkClick r:id="rId2"/>
-              </a:rPr>
-              <a:t>://</a:t>
-            </a:r>
-            <a:r>
-              <a:rPr lang="en-CA" sz="2400" b="1" dirty="0" smtClean="0">
-                <a:hlinkClick r:id="rId2"/>
-              </a:rPr>
-              <a:t>www.assembla.com/spaces/plus</a:t>
-            </a:r>
-            <a:r>
-              <a:rPr lang="en-CA" sz="2400" dirty="0"/>
-              <a:t> </a:t>
-            </a:r>
-            <a:endParaRPr lang="en-CA" sz="2400" dirty="0" smtClean="0"/>
-          </a:p>
-          <a:p>
-            <a:pPr>
-              <a:spcBef>
-                <a:spcPts val="600"/>
-              </a:spcBef>
-              <a:spcAft>
-                <a:spcPts val="600"/>
-              </a:spcAft>
-              <a:tabLst>
-                <a:tab pos="1257300" algn="l"/>
-              </a:tabLst>
-              <a:defRPr/>
-            </a:pPr>
-            <a:r>
-              <a:rPr lang="en-CA" sz="2400" dirty="0" smtClean="0"/>
-              <a:t>Source code, binary releases, documentations, tutorials, etc.</a:t>
-            </a:r>
-          </a:p>
-          <a:p>
-            <a:pPr>
-              <a:spcBef>
-                <a:spcPts val="600"/>
-              </a:spcBef>
-              <a:spcAft>
-                <a:spcPts val="600"/>
-              </a:spcAft>
-              <a:tabLst>
-                <a:tab pos="1257300" algn="l"/>
-              </a:tabLst>
-              <a:defRPr/>
-            </a:pPr>
-            <a:r>
-              <a:rPr lang="en-US" sz="2400" b="1" dirty="0" smtClean="0"/>
-              <a:t>Slicer IGT: 	</a:t>
-            </a:r>
-            <a:r>
-              <a:rPr lang="en-CA" sz="2400" b="1" dirty="0" smtClean="0">
-                <a:hlinkClick r:id="rId3"/>
-              </a:rPr>
-              <a:t>https</a:t>
-            </a:r>
-            <a:r>
-              <a:rPr lang="en-CA" sz="2400" b="1" dirty="0">
-                <a:hlinkClick r:id="rId3"/>
-              </a:rPr>
-              <a:t>://</a:t>
-            </a:r>
-            <a:r>
-              <a:rPr lang="en-CA" sz="2400" b="1" dirty="0" smtClean="0">
-                <a:hlinkClick r:id="rId3"/>
-              </a:rPr>
-              <a:t>www.assembla.com/spaces/SlicerIGT</a:t>
-            </a:r>
-            <a:endParaRPr lang="en-CA" sz="2400" b="1" dirty="0" smtClean="0"/>
-          </a:p>
-          <a:p>
-            <a:pPr>
-              <a:spcBef>
-                <a:spcPts val="600"/>
-              </a:spcBef>
-              <a:spcAft>
-                <a:spcPts val="600"/>
-              </a:spcAft>
-              <a:tabLst>
-                <a:tab pos="1257300" algn="l"/>
-              </a:tabLst>
-              <a:defRPr/>
-            </a:pPr>
-            <a:r>
-              <a:rPr lang="en-CA" sz="2400" dirty="0" smtClean="0"/>
-              <a:t>3D Slicer extensions for additional visualization and analysis.</a:t>
-            </a:r>
-            <a:r>
-              <a:rPr lang="en-CA" sz="2400" b="1" dirty="0" smtClean="0"/>
-              <a:t> </a:t>
-            </a:r>
-            <a:endParaRPr lang="en-US" sz="2400" b="1" dirty="0" smtClean="0"/>
-          </a:p>
-          <a:p>
-            <a:pPr>
-              <a:spcBef>
-                <a:spcPts val="600"/>
-              </a:spcBef>
-              <a:spcAft>
-                <a:spcPts val="600"/>
-              </a:spcAft>
-              <a:tabLst>
-                <a:tab pos="1257300" algn="l"/>
-              </a:tabLst>
-              <a:defRPr/>
-            </a:pPr>
-            <a:r>
-              <a:rPr lang="en-US" sz="2400" b="1" dirty="0" smtClean="0"/>
-              <a:t>Contact</a:t>
-            </a:r>
-            <a:r>
-              <a:rPr lang="en-US" sz="2400" dirty="0" smtClean="0"/>
-              <a:t>:</a:t>
-            </a:r>
-            <a:r>
-              <a:rPr lang="en-US" sz="2400" dirty="0"/>
-              <a:t>	</a:t>
-            </a:r>
-            <a:r>
-              <a:rPr lang="en-US" sz="2400" dirty="0" smtClean="0"/>
-              <a:t>	Andras Lasso (lasso@cs.queensu.ca)</a:t>
-            </a:r>
-            <a:br>
-              <a:rPr lang="en-US" sz="2400" dirty="0" smtClean="0"/>
-            </a:br>
-            <a:r>
-              <a:rPr lang="en-US" sz="2400" dirty="0" smtClean="0"/>
-              <a:t>		</a:t>
-            </a:r>
-            <a:r>
-              <a:rPr lang="en-US" sz="2400" b="1" dirty="0" smtClean="0">
-                <a:hlinkClick r:id="rId4"/>
-              </a:rPr>
-              <a:t>http</a:t>
-            </a:r>
-            <a:r>
-              <a:rPr lang="en-US" sz="2400" b="1" dirty="0">
-                <a:hlinkClick r:id="rId4"/>
-              </a:rPr>
-              <a:t>://</a:t>
-            </a:r>
-            <a:r>
-              <a:rPr lang="en-US" sz="2400" b="1" dirty="0" smtClean="0">
-                <a:hlinkClick r:id="rId4"/>
-              </a:rPr>
-              <a:t>perk.cs.queensu.ca</a:t>
-            </a:r>
-            <a:endParaRPr lang="en-US" sz="2400" b="1" dirty="0"/>
-          </a:p>
-        </p:txBody>
-      </p:sp>
-      <p:sp>
-        <p:nvSpPr>
-          <p:cNvPr id="8" name="Title 1"/>
-          <p:cNvSpPr txBox="1">
-            <a:spLocks/>
-          </p:cNvSpPr>
-          <p:nvPr/>
-        </p:nvSpPr>
-        <p:spPr>
-          <a:xfrm>
-            <a:off x="457200" y="260648"/>
-            <a:ext cx="8229600" cy="922114"/>
-          </a:xfrm>
-          <a:prstGeom prst="rect">
-            <a:avLst/>
-          </a:prstGeom>
-        </p:spPr>
-        <p:txBody>
-          <a:bodyPr/>
-          <a:lstStyle>
-            <a:lvl1pPr algn="ctr" defTabSz="914400" rtl="0" eaLnBrk="1" latinLnBrk="0" hangingPunct="1">
-              <a:spcBef>
-                <a:spcPct val="0"/>
-              </a:spcBef>
-              <a:buNone/>
-              <a:defRPr sz="4400" kern="1200">
-                <a:solidFill>
-                  <a:srgbClr val="800000"/>
-                </a:solidFill>
-                <a:latin typeface="+mj-lt"/>
-                <a:ea typeface="+mj-ea"/>
-                <a:cs typeface="+mj-cs"/>
-              </a:defRPr>
-            </a:lvl1pPr>
-          </a:lstStyle>
-          <a:p>
-            <a:r>
-              <a:rPr lang="en-CA" dirty="0" smtClean="0"/>
-              <a:t>Thank you!</a:t>
-            </a:r>
-            <a:endParaRPr lang="en-CA" dirty="0"/>
-          </a:p>
-        </p:txBody>
-      </p:sp>
-      <p:pic>
-        <p:nvPicPr>
-          <p:cNvPr id="9" name="Picture 2"/>
-          <p:cNvPicPr>
-            <a:picLocks noChangeAspect="1" noChangeArrowheads="1"/>
-          </p:cNvPicPr>
-          <p:nvPr/>
-        </p:nvPicPr>
-        <p:blipFill rotWithShape="1">
-          <a:blip r:embed="rId5" cstate="print">
-            <a:extLst>
-              <a:ext uri="{28A0092B-C50C-407E-A947-70E740481C1C}">
-                <a14:useLocalDpi xmlns:a14="http://schemas.microsoft.com/office/drawing/2010/main"/>
-              </a:ext>
-            </a:extLst>
-          </a:blip>
-          <a:srcRect/>
-          <a:stretch/>
-        </p:blipFill>
-        <p:spPr bwMode="auto">
-          <a:xfrm>
-            <a:off x="4961497" y="1154116"/>
-            <a:ext cx="3138895" cy="1959956"/>
-          </a:xfrm>
-          <a:prstGeom prst="rect">
-            <a:avLst/>
-          </a:prstGeom>
-          <a:noFill/>
-          <a:effectLst>
-            <a:outerShdw blurRad="50800" dist="38100" dir="2700000" sx="102000" sy="102000" algn="tl" rotWithShape="0">
-              <a:prstClr val="black">
-                <a:alpha val="46000"/>
-              </a:prstClr>
-            </a:outerShdw>
-          </a:effectLst>
-          <a:extLst>
-            <a:ext uri="{909E8E84-426E-40DD-AFC4-6F175D3DCCD1}">
-              <a14:hiddenFill xmlns:a14="http://schemas.microsoft.com/office/drawing/2010/main">
-                <a:solidFill>
-                  <a:schemeClr val="accent1"/>
-                </a:solidFill>
-              </a14:hiddenFill>
-            </a:ext>
-            <a:ext uri="{91240B29-F687-4F45-9708-019B960494DF}">
-              <a14:hiddenLine xmlns:a14="http://schemas.microsoft.com/office/drawing/2010/main" w="9525">
-                <a:solidFill>
-                  <a:schemeClr val="tx1"/>
-                </a:solidFill>
-                <a:miter lim="800000"/>
-                <a:headEnd/>
-                <a:tailEnd/>
-              </a14:hiddenLine>
-            </a:ext>
-          </a:extLst>
-        </p:spPr>
-      </p:pic>
-      <p:pic>
-        <p:nvPicPr>
-          <p:cNvPr id="12" name="Picture 5"/>
-          <p:cNvPicPr>
-            <a:picLocks noChangeAspect="1" noChangeArrowheads="1"/>
-          </p:cNvPicPr>
-          <p:nvPr/>
-        </p:nvPicPr>
-        <p:blipFill>
-          <a:blip r:embed="rId6" cstate="print">
-            <a:extLst>
-              <a:ext uri="{28A0092B-C50C-407E-A947-70E740481C1C}">
-                <a14:useLocalDpi xmlns:a14="http://schemas.microsoft.com/office/drawing/2010/main" val="0"/>
-              </a:ext>
-            </a:extLst>
-          </a:blip>
-          <a:srcRect/>
-          <a:stretch>
-            <a:fillRect/>
-          </a:stretch>
-        </p:blipFill>
-        <p:spPr bwMode="auto">
-          <a:xfrm>
-            <a:off x="891908" y="1154116"/>
-            <a:ext cx="3608084" cy="1957386"/>
-          </a:xfrm>
-          <a:prstGeom prst="rect">
-            <a:avLst/>
-          </a:prstGeom>
-          <a:noFill/>
-          <a:effectLst>
-            <a:outerShdw blurRad="50800" dist="38100" dir="2700000" sx="102000" sy="102000" algn="tl" rotWithShape="0">
-              <a:prstClr val="black">
-                <a:alpha val="46000"/>
-              </a:prstClr>
-            </a:outerShdw>
-          </a:effectLst>
-          <a:extLst>
-            <a:ext uri="{909E8E84-426E-40DD-AFC4-6F175D3DCCD1}">
-              <a14:hiddenFill xmlns:a14="http://schemas.microsoft.com/office/drawing/2010/main">
-                <a:solidFill>
-                  <a:schemeClr val="accent1"/>
-                </a:solidFill>
-              </a14:hiddenFill>
-            </a:ext>
-            <a:ext uri="{91240B29-F687-4F45-9708-019B960494DF}">
-              <a14:hiddenLine xmlns:a14="http://schemas.microsoft.com/office/drawing/2010/main" w="9525">
-                <a:solidFill>
-                  <a:schemeClr val="tx1"/>
-                </a:solidFill>
-                <a:miter lim="800000"/>
-                <a:headEnd/>
-                <a:tailEnd/>
-              </a14:hiddenLine>
-            </a:ext>
-          </a:extLst>
-        </p:spPr>
-      </p:pic>
-    </p:spTree>
-    <p:extLst>
-      <p:ext uri="{BB962C8B-B14F-4D97-AF65-F5344CB8AC3E}">
-        <p14:creationId xmlns:p14="http://schemas.microsoft.com/office/powerpoint/2010/main" val="172801846"/>
-      </p:ext>
-    </p:extLst>
-  </p:cSld>
-  <p:clrMapOvr>
-    <a:masterClrMapping/>
-  </p:clrMapOvr>
-  <p:timing>
-    <p:tnLst>
-      <p:par>
-        <p:cTn id="1" dur="indefinite" restart="never" nodeType="tmRoot"/>
-      </p:par>
-    </p:tnLst>
-  </p:timing>
-</p:sld>
-</file>
-
-<file path=ppt/slides/slide18.xml><?xml version="1.0" encoding="utf-8"?>
-<p:sld xmlns:a="http://schemas.openxmlformats.org/drawingml/2006/main" xmlns:r="http://schemas.openxmlformats.org/officeDocument/2006/relationships" xmlns:p="http://schemas.openxmlformats.org/presentationml/2006/main">
-  <p:cSld>
-    <p:spTree>
-      <p:nvGrpSpPr>
-        <p:cNvPr id="1" name=""/>
-        <p:cNvGrpSpPr/>
-        <p:nvPr/>
-      </p:nvGrpSpPr>
-      <p:grpSpPr>
-        <a:xfrm>
-          <a:off x="0" y="0"/>
-          <a:ext cx="0" cy="0"/>
-          <a:chOff x="0" y="0"/>
-          <a:chExt cx="0" cy="0"/>
-        </a:xfrm>
-      </p:grpSpPr>
-      <p:sp>
-        <p:nvSpPr>
-          <p:cNvPr id="2" name="Title 1"/>
-          <p:cNvSpPr>
-            <a:spLocks noGrp="1"/>
-          </p:cNvSpPr>
-          <p:nvPr>
-            <p:ph type="title"/>
-          </p:nvPr>
-        </p:nvSpPr>
-        <p:spPr/>
-        <p:txBody>
-          <a:bodyPr>
-            <a:normAutofit/>
-          </a:bodyPr>
-          <a:lstStyle/>
-          <a:p>
-            <a:r>
-              <a:rPr lang="en-CA" dirty="0" smtClean="0"/>
-              <a:t>Appendix</a:t>
-            </a:r>
-            <a:endParaRPr lang="en-CA" dirty="0"/>
-          </a:p>
-        </p:txBody>
-      </p:sp>
-    </p:spTree>
-    <p:extLst>
-      <p:ext uri="{BB962C8B-B14F-4D97-AF65-F5344CB8AC3E}">
-        <p14:creationId xmlns:p14="http://schemas.microsoft.com/office/powerpoint/2010/main" val="3998015071"/>
-      </p:ext>
-    </p:extLst>
-  </p:cSld>
-  <p:clrMapOvr>
-    <a:masterClrMapping/>
-  </p:clrMapOvr>
-  <p:timing>
-    <p:tnLst>
-      <p:par>
-        <p:cTn id="1" dur="indefinite" restart="never" nodeType="tmRoot"/>
-      </p:par>
-    </p:tnLst>
-  </p:timing>
-</p:sld>
-</file>
-
-<file path=ppt/slides/slide19.xml><?xml version="1.0" encoding="utf-8"?>
-<p:sld xmlns:a="http://schemas.openxmlformats.org/drawingml/2006/main" xmlns:r="http://schemas.openxmlformats.org/officeDocument/2006/relationships" xmlns:p="http://schemas.openxmlformats.org/presentationml/2006/main">
-  <p:cSld>
-    <p:spTree>
-      <p:nvGrpSpPr>
-        <p:cNvPr id="1" name=""/>
-        <p:cNvGrpSpPr/>
-        <p:nvPr/>
-      </p:nvGrpSpPr>
-      <p:grpSpPr>
-        <a:xfrm>
-          <a:off x="0" y="0"/>
-          <a:ext cx="0" cy="0"/>
-          <a:chOff x="0" y="0"/>
-          <a:chExt cx="0" cy="0"/>
-        </a:xfrm>
-      </p:grpSpPr>
-      <p:sp>
-        <p:nvSpPr>
-          <p:cNvPr id="38" name="Title 1"/>
-          <p:cNvSpPr>
-            <a:spLocks noGrp="1"/>
-          </p:cNvSpPr>
-          <p:nvPr>
-            <p:ph type="title"/>
-          </p:nvPr>
-        </p:nvSpPr>
-        <p:spPr>
-          <a:xfrm>
-            <a:off x="460375" y="76200"/>
-            <a:ext cx="8229600" cy="990600"/>
-          </a:xfrm>
-        </p:spPr>
-        <p:txBody>
-          <a:bodyPr>
-            <a:normAutofit/>
-          </a:bodyPr>
-          <a:lstStyle/>
-          <a:p>
-            <a:r>
-              <a:rPr lang="en-CA" dirty="0" smtClean="0"/>
-              <a:t>System overview</a:t>
-            </a:r>
-            <a:endParaRPr lang="en-CA" dirty="0"/>
+              <a:rPr lang="en-US" smtClean="0"/>
+              <a:t>Laboratory for Percutaneous Surgery – Copyright © Queen’s University, 2013</a:t>
+            </a:r>
+            <a:endParaRPr lang="en-US" dirty="0"/>
           </a:p>
         </p:txBody>
       </p:sp>
       <p:grpSp>
         <p:nvGrpSpPr>
-          <p:cNvPr id="2" name="Group 1"/>
+          <p:cNvPr id="64" name="Group 63"/>
           <p:cNvGrpSpPr/>
           <p:nvPr/>
         </p:nvGrpSpPr>
         <p:grpSpPr>
           <a:xfrm>
-            <a:off x="-27272" y="242342"/>
-            <a:ext cx="8982520" cy="6381965"/>
-            <a:chOff x="-27272" y="242342"/>
-            <a:chExt cx="8982520" cy="6381965"/>
+            <a:off x="54108" y="199134"/>
+            <a:ext cx="8901140" cy="6120373"/>
+            <a:chOff x="54108" y="503934"/>
+            <a:chExt cx="8901140" cy="6120373"/>
           </a:xfrm>
         </p:grpSpPr>
         <p:sp>
           <p:nvSpPr>
-            <p:cNvPr id="72" name="Rectangle 71"/>
+            <p:cNvPr id="115" name="Rectangle 114"/>
             <p:cNvSpPr/>
             <p:nvPr/>
           </p:nvSpPr>
           <p:spPr>
             <a:xfrm>
-              <a:off x="7437496" y="242342"/>
+              <a:off x="4798842" y="6309320"/>
+              <a:ext cx="1574936" cy="314987"/>
+            </a:xfrm>
+            <a:prstGeom prst="rect">
+              <a:avLst/>
+            </a:prstGeom>
+            <a:ln/>
+          </p:spPr>
+          <p:style>
+            <a:lnRef idx="3">
+              <a:schemeClr val="lt1"/>
+            </a:lnRef>
+            <a:fillRef idx="1">
+              <a:schemeClr val="accent5"/>
+            </a:fillRef>
+            <a:effectRef idx="1">
+              <a:schemeClr val="accent5"/>
+            </a:effectRef>
+            <a:fontRef idx="minor">
+              <a:schemeClr val="lt1"/>
+            </a:fontRef>
+          </p:style>
+          <p:txBody>
+            <a:bodyPr rtlCol="0" anchor="ctr"/>
+            <a:lstStyle/>
+            <a:p>
+              <a:pPr algn="ctr"/>
+              <a:r>
+                <a:rPr lang="en-CA" sz="1200" b="1" dirty="0" smtClean="0">
+                  <a:solidFill>
+                    <a:schemeClr val="bg1"/>
+                  </a:solidFill>
+                </a:rPr>
+                <a:t>Custom phantoms</a:t>
+              </a:r>
+              <a:endParaRPr lang="en-CA" sz="1200" b="1" dirty="0">
+                <a:solidFill>
+                  <a:schemeClr val="bg1"/>
+                </a:solidFill>
+              </a:endParaRPr>
+            </a:p>
+          </p:txBody>
+        </p:sp>
+        <p:cxnSp>
+          <p:nvCxnSpPr>
+            <p:cNvPr id="116" name="Straight Connector 115"/>
+            <p:cNvCxnSpPr>
+              <a:stCxn id="115" idx="0"/>
+              <a:endCxn id="74" idx="2"/>
+            </p:cNvCxnSpPr>
+            <p:nvPr/>
+          </p:nvCxnSpPr>
+          <p:spPr>
+            <a:xfrm flipH="1" flipV="1">
+              <a:off x="3257675" y="5949280"/>
+              <a:ext cx="2328635" cy="360040"/>
+            </a:xfrm>
+            <a:prstGeom prst="line">
+              <a:avLst/>
+            </a:prstGeom>
+            <a:ln w="31750">
+              <a:solidFill>
+                <a:schemeClr val="tx1"/>
+              </a:solidFill>
+              <a:prstDash val="solid"/>
+            </a:ln>
+          </p:spPr>
+          <p:style>
+            <a:lnRef idx="1">
+              <a:schemeClr val="accent1"/>
+            </a:lnRef>
+            <a:fillRef idx="0">
+              <a:schemeClr val="accent1"/>
+            </a:fillRef>
+            <a:effectRef idx="0">
+              <a:schemeClr val="accent1"/>
+            </a:effectRef>
+            <a:fontRef idx="minor">
+              <a:schemeClr val="tx1"/>
+            </a:fontRef>
+          </p:style>
+        </p:cxnSp>
+        <p:cxnSp>
+          <p:nvCxnSpPr>
+            <p:cNvPr id="117" name="Straight Connector 116"/>
+            <p:cNvCxnSpPr>
+              <a:stCxn id="115" idx="0"/>
+              <a:endCxn id="106" idx="2"/>
+            </p:cNvCxnSpPr>
+            <p:nvPr/>
+          </p:nvCxnSpPr>
+          <p:spPr>
+            <a:xfrm flipV="1">
+              <a:off x="5586310" y="5949280"/>
+              <a:ext cx="1082436" cy="360040"/>
+            </a:xfrm>
+            <a:prstGeom prst="line">
+              <a:avLst/>
+            </a:prstGeom>
+            <a:ln w="31750">
+              <a:solidFill>
+                <a:schemeClr val="tx1"/>
+              </a:solidFill>
+              <a:prstDash val="solid"/>
+            </a:ln>
+          </p:spPr>
+          <p:style>
+            <a:lnRef idx="1">
+              <a:schemeClr val="accent1"/>
+            </a:lnRef>
+            <a:fillRef idx="0">
+              <a:schemeClr val="accent1"/>
+            </a:fillRef>
+            <a:effectRef idx="0">
+              <a:schemeClr val="accent1"/>
+            </a:effectRef>
+            <a:fontRef idx="minor">
+              <a:schemeClr val="tx1"/>
+            </a:fontRef>
+          </p:style>
+        </p:cxnSp>
+        <p:cxnSp>
+          <p:nvCxnSpPr>
+            <p:cNvPr id="118" name="Straight Connector 117"/>
+            <p:cNvCxnSpPr>
+              <a:stCxn id="115" idx="0"/>
+              <a:endCxn id="76" idx="2"/>
+            </p:cNvCxnSpPr>
+            <p:nvPr/>
+          </p:nvCxnSpPr>
+          <p:spPr>
+            <a:xfrm flipH="1" flipV="1">
+              <a:off x="5093496" y="5949280"/>
+              <a:ext cx="492814" cy="360040"/>
+            </a:xfrm>
+            <a:prstGeom prst="line">
+              <a:avLst/>
+            </a:prstGeom>
+            <a:ln w="31750">
+              <a:solidFill>
+                <a:schemeClr val="tx1"/>
+              </a:solidFill>
+              <a:prstDash val="solid"/>
+            </a:ln>
+          </p:spPr>
+          <p:style>
+            <a:lnRef idx="1">
+              <a:schemeClr val="accent1"/>
+            </a:lnRef>
+            <a:fillRef idx="0">
+              <a:schemeClr val="accent1"/>
+            </a:fillRef>
+            <a:effectRef idx="0">
+              <a:schemeClr val="accent1"/>
+            </a:effectRef>
+            <a:fontRef idx="minor">
+              <a:schemeClr val="tx1"/>
+            </a:fontRef>
+          </p:style>
+        </p:cxnSp>
+        <p:cxnSp>
+          <p:nvCxnSpPr>
+            <p:cNvPr id="119" name="Straight Connector 118"/>
+            <p:cNvCxnSpPr>
+              <a:stCxn id="108" idx="2"/>
+              <a:endCxn id="115" idx="0"/>
+            </p:cNvCxnSpPr>
+            <p:nvPr/>
+          </p:nvCxnSpPr>
+          <p:spPr>
+            <a:xfrm flipH="1">
+              <a:off x="5586310" y="5949280"/>
+              <a:ext cx="2581470" cy="360040"/>
+            </a:xfrm>
+            <a:prstGeom prst="line">
+              <a:avLst/>
+            </a:prstGeom>
+            <a:ln w="31750">
+              <a:solidFill>
+                <a:schemeClr val="tx1"/>
+              </a:solidFill>
+              <a:prstDash val="solid"/>
+            </a:ln>
+          </p:spPr>
+          <p:style>
+            <a:lnRef idx="1">
+              <a:schemeClr val="accent1"/>
+            </a:lnRef>
+            <a:fillRef idx="0">
+              <a:schemeClr val="accent1"/>
+            </a:fillRef>
+            <a:effectRef idx="0">
+              <a:schemeClr val="accent1"/>
+            </a:effectRef>
+            <a:fontRef idx="minor">
+              <a:schemeClr val="tx1"/>
+            </a:fontRef>
+          </p:style>
+        </p:cxnSp>
+        <p:sp>
+          <p:nvSpPr>
+            <p:cNvPr id="65" name="Rectangle 64"/>
+            <p:cNvSpPr/>
+            <p:nvPr/>
+          </p:nvSpPr>
+          <p:spPr>
+            <a:xfrm>
+              <a:off x="7437496" y="503934"/>
               <a:ext cx="1430920" cy="1362394"/>
             </a:xfrm>
             <a:prstGeom prst="rect">
@@ -5373,7 +5653,7 @@
         </p:sp>
         <p:cxnSp>
           <p:nvCxnSpPr>
-            <p:cNvPr id="27" name="Straight Connector 26"/>
+            <p:cNvPr id="66" name="Straight Connector 65"/>
             <p:cNvCxnSpPr/>
             <p:nvPr/>
           </p:nvCxnSpPr>
@@ -5385,7 +5665,7 @@
             <a:prstGeom prst="line">
               <a:avLst/>
             </a:prstGeom>
-            <a:ln w="38100">
+            <a:ln w="31750">
               <a:solidFill>
                 <a:schemeClr val="tx1"/>
               </a:solidFill>
@@ -5409,7 +5689,7 @@
         </p:cxnSp>
         <p:cxnSp>
           <p:nvCxnSpPr>
-            <p:cNvPr id="53" name="Straight Connector 52"/>
+            <p:cNvPr id="67" name="Straight Connector 66"/>
             <p:cNvCxnSpPr/>
             <p:nvPr/>
           </p:nvCxnSpPr>
@@ -5421,7 +5701,7 @@
             <a:prstGeom prst="line">
               <a:avLst/>
             </a:prstGeom>
-            <a:ln w="38100">
+            <a:ln w="31750">
               <a:solidFill>
                 <a:schemeClr val="tx1"/>
               </a:solidFill>
@@ -5445,7 +5725,7 @@
         </p:cxnSp>
         <p:cxnSp>
           <p:nvCxnSpPr>
-            <p:cNvPr id="49" name="Straight Connector 48"/>
+            <p:cNvPr id="68" name="Straight Connector 67"/>
             <p:cNvCxnSpPr/>
             <p:nvPr/>
           </p:nvCxnSpPr>
@@ -5457,7 +5737,7 @@
             <a:prstGeom prst="line">
               <a:avLst/>
             </a:prstGeom>
-            <a:ln w="38100">
+            <a:ln w="31750">
               <a:solidFill>
                 <a:schemeClr val="tx1"/>
               </a:solidFill>
@@ -5481,7 +5761,7 @@
         </p:cxnSp>
         <p:sp>
           <p:nvSpPr>
-            <p:cNvPr id="22" name="Rectangle 21"/>
+            <p:cNvPr id="69" name="Rectangle 68"/>
             <p:cNvSpPr/>
             <p:nvPr/>
           </p:nvSpPr>
@@ -5493,29 +5773,17 @@
             <a:prstGeom prst="rect">
               <a:avLst/>
             </a:prstGeom>
-            <a:solidFill>
-              <a:schemeClr val="accent3">
-                <a:lumMod val="60000"/>
-                <a:lumOff val="40000"/>
-              </a:schemeClr>
-            </a:solidFill>
-            <a:ln>
-              <a:solidFill>
-                <a:schemeClr val="tx1"/>
-              </a:solidFill>
-            </a:ln>
+            <a:ln/>
           </p:spPr>
           <p:style>
-            <a:lnRef idx="2">
-              <a:schemeClr val="accent1">
-                <a:shade val="50000"/>
-              </a:schemeClr>
+            <a:lnRef idx="3">
+              <a:schemeClr val="lt1"/>
             </a:lnRef>
             <a:fillRef idx="1">
-              <a:schemeClr val="accent1"/>
+              <a:schemeClr val="accent5"/>
             </a:fillRef>
-            <a:effectRef idx="0">
-              <a:schemeClr val="accent1"/>
+            <a:effectRef idx="1">
+              <a:schemeClr val="accent5"/>
             </a:effectRef>
             <a:fontRef idx="minor">
               <a:schemeClr val="lt1"/>
@@ -5532,7 +5800,7 @@
         </p:sp>
         <p:sp>
           <p:nvSpPr>
-            <p:cNvPr id="4" name="Rectangle 3"/>
+            <p:cNvPr id="70" name="Rectangle 69"/>
             <p:cNvSpPr/>
             <p:nvPr/>
           </p:nvSpPr>
@@ -5544,29 +5812,17 @@
             <a:prstGeom prst="rect">
               <a:avLst/>
             </a:prstGeom>
-            <a:solidFill>
-              <a:schemeClr val="accent3">
-                <a:lumMod val="60000"/>
-                <a:lumOff val="40000"/>
-              </a:schemeClr>
-            </a:solidFill>
-            <a:ln>
-              <a:solidFill>
-                <a:schemeClr val="tx1"/>
-              </a:solidFill>
-            </a:ln>
+            <a:ln/>
           </p:spPr>
           <p:style>
-            <a:lnRef idx="2">
-              <a:schemeClr val="accent1">
-                <a:shade val="50000"/>
-              </a:schemeClr>
+            <a:lnRef idx="3">
+              <a:schemeClr val="lt1"/>
             </a:lnRef>
             <a:fillRef idx="1">
-              <a:schemeClr val="accent1"/>
+              <a:schemeClr val="accent5"/>
             </a:fillRef>
-            <a:effectRef idx="0">
-              <a:schemeClr val="accent1"/>
+            <a:effectRef idx="1">
+              <a:schemeClr val="accent5"/>
             </a:effectRef>
             <a:fontRef idx="minor">
               <a:schemeClr val="lt1"/>
@@ -5583,13 +5839,13 @@
         </p:sp>
         <p:sp>
           <p:nvSpPr>
-            <p:cNvPr id="5" name="TextBox 4"/>
+            <p:cNvPr id="71" name="TextBox 70"/>
             <p:cNvSpPr txBox="1"/>
             <p:nvPr/>
           </p:nvSpPr>
           <p:spPr>
             <a:xfrm>
-              <a:off x="481100" y="5445547"/>
+              <a:off x="449201" y="5445547"/>
               <a:ext cx="867545" cy="276999"/>
             </a:xfrm>
             <a:prstGeom prst="rect">
@@ -5613,41 +5869,29 @@
         </p:sp>
         <p:sp>
           <p:nvSpPr>
-            <p:cNvPr id="6" name="Rectangle 5"/>
+            <p:cNvPr id="74" name="Rectangle 73"/>
             <p:cNvSpPr/>
             <p:nvPr/>
           </p:nvSpPr>
           <p:spPr>
             <a:xfrm>
-              <a:off x="2600376" y="4883510"/>
-              <a:ext cx="1312448" cy="341236"/>
+              <a:off x="2425210" y="5631474"/>
+              <a:ext cx="1664929" cy="317806"/>
             </a:xfrm>
             <a:prstGeom prst="rect">
               <a:avLst/>
             </a:prstGeom>
-            <a:solidFill>
-              <a:schemeClr val="accent3">
-                <a:lumMod val="40000"/>
-                <a:lumOff val="60000"/>
-              </a:schemeClr>
-            </a:solidFill>
-            <a:ln>
-              <a:solidFill>
-                <a:schemeClr val="tx1"/>
-              </a:solidFill>
-            </a:ln>
+            <a:ln/>
           </p:spPr>
           <p:style>
-            <a:lnRef idx="2">
-              <a:schemeClr val="accent1">
-                <a:shade val="50000"/>
-              </a:schemeClr>
+            <a:lnRef idx="3">
+              <a:schemeClr val="lt1"/>
             </a:lnRef>
             <a:fillRef idx="1">
-              <a:schemeClr val="accent1"/>
+              <a:schemeClr val="accent3"/>
             </a:fillRef>
-            <a:effectRef idx="0">
-              <a:schemeClr val="accent1"/>
+            <a:effectRef idx="1">
+              <a:schemeClr val="accent3"/>
             </a:effectRef>
             <a:fontRef idx="minor">
               <a:schemeClr val="lt1"/>
@@ -5661,22 +5905,22 @@
               <a:r>
                 <a:rPr lang="en-CA" sz="1200" b="1" dirty="0">
                   <a:solidFill>
-                    <a:schemeClr val="tx1"/>
+                    <a:schemeClr val="bg1"/>
                   </a:solidFill>
                 </a:rPr>
-                <a:t>Video </a:t>
+                <a:t>Ultrasound </a:t>
               </a:r>
               <a:r>
                 <a:rPr lang="en-CA" sz="1200" b="1" dirty="0" smtClean="0">
                   <a:solidFill>
-                    <a:schemeClr val="tx1"/>
+                    <a:schemeClr val="bg1"/>
                   </a:solidFill>
                 </a:rPr>
-                <a:t>interface</a:t>
+                <a:t>scanner</a:t>
               </a:r>
               <a:endParaRPr lang="en-CA" sz="1200" b="1" dirty="0">
                 <a:solidFill>
-                  <a:schemeClr val="tx1"/>
+                  <a:schemeClr val="bg1"/>
                 </a:solidFill>
               </a:endParaRPr>
             </a:p>
@@ -5684,148 +5928,7 @@
         </p:sp>
         <p:sp>
           <p:nvSpPr>
-            <p:cNvPr id="7" name="Rectangle 6"/>
-            <p:cNvSpPr/>
-            <p:nvPr/>
-          </p:nvSpPr>
-          <p:spPr>
-            <a:xfrm>
-              <a:off x="4450752" y="4883510"/>
-              <a:ext cx="1413844" cy="341236"/>
-            </a:xfrm>
-            <a:prstGeom prst="rect">
-              <a:avLst/>
-            </a:prstGeom>
-            <a:solidFill>
-              <a:schemeClr val="accent3">
-                <a:lumMod val="40000"/>
-                <a:lumOff val="60000"/>
-              </a:schemeClr>
-            </a:solidFill>
-            <a:ln>
-              <a:solidFill>
-                <a:schemeClr val="tx1"/>
-              </a:solidFill>
-            </a:ln>
-          </p:spPr>
-          <p:style>
-            <a:lnRef idx="2">
-              <a:schemeClr val="accent1">
-                <a:shade val="50000"/>
-              </a:schemeClr>
-            </a:lnRef>
-            <a:fillRef idx="1">
-              <a:schemeClr val="accent1"/>
-            </a:fillRef>
-            <a:effectRef idx="0">
-              <a:schemeClr val="accent1"/>
-            </a:effectRef>
-            <a:fontRef idx="minor">
-              <a:schemeClr val="lt1"/>
-            </a:fontRef>
-          </p:style>
-          <p:txBody>
-            <a:bodyPr rtlCol="0" anchor="ctr"/>
-            <a:lstStyle/>
-            <a:p>
-              <a:pPr algn="ctr"/>
-              <a:r>
-                <a:rPr lang="en-CA" sz="1200" b="1" dirty="0">
-                  <a:solidFill>
-                    <a:schemeClr val="tx1"/>
-                  </a:solidFill>
-                </a:rPr>
-                <a:t>Tracker </a:t>
-              </a:r>
-              <a:r>
-                <a:rPr lang="en-CA" sz="1200" b="1" dirty="0" smtClean="0">
-                  <a:solidFill>
-                    <a:schemeClr val="tx1"/>
-                  </a:solidFill>
-                </a:rPr>
-                <a:t>interface</a:t>
-              </a:r>
-              <a:endParaRPr lang="en-CA" sz="1200" b="1" dirty="0">
-                <a:solidFill>
-                  <a:schemeClr val="tx1"/>
-                </a:solidFill>
-              </a:endParaRPr>
-            </a:p>
-          </p:txBody>
-        </p:sp>
-        <p:sp>
-          <p:nvSpPr>
-            <p:cNvPr id="9" name="Rectangle 8"/>
-            <p:cNvSpPr/>
-            <p:nvPr/>
-          </p:nvSpPr>
-          <p:spPr>
-            <a:xfrm>
-              <a:off x="2425210" y="5631474"/>
-              <a:ext cx="1664929" cy="317806"/>
-            </a:xfrm>
-            <a:prstGeom prst="rect">
-              <a:avLst/>
-            </a:prstGeom>
-            <a:solidFill>
-              <a:schemeClr val="bg1">
-                <a:lumMod val="85000"/>
-              </a:schemeClr>
-            </a:solidFill>
-            <a:ln>
-              <a:solidFill>
-                <a:schemeClr val="tx1"/>
-              </a:solidFill>
-            </a:ln>
-          </p:spPr>
-          <p:style>
-            <a:lnRef idx="2">
-              <a:schemeClr val="accent1">
-                <a:shade val="50000"/>
-              </a:schemeClr>
-            </a:lnRef>
-            <a:fillRef idx="1">
-              <a:schemeClr val="accent1"/>
-            </a:fillRef>
-            <a:effectRef idx="0">
-              <a:schemeClr val="accent1"/>
-            </a:effectRef>
-            <a:fontRef idx="minor">
-              <a:schemeClr val="lt1"/>
-            </a:fontRef>
-          </p:style>
-          <p:txBody>
-            <a:bodyPr rtlCol="0" anchor="ctr"/>
-            <a:lstStyle/>
-            <a:p>
-              <a:pPr algn="ctr"/>
-              <a:r>
-                <a:rPr lang="en-CA" sz="1200" b="1" dirty="0">
-                  <a:solidFill>
-                    <a:schemeClr val="tx1"/>
-                  </a:solidFill>
-                </a:rPr>
-                <a:t>Ultrasound </a:t>
-              </a:r>
-              <a:r>
-                <a:rPr lang="en-CA" sz="1200" b="1" dirty="0" smtClean="0">
-                  <a:solidFill>
-                    <a:schemeClr val="tx1"/>
-                  </a:solidFill>
-                </a:rPr>
-                <a:t>scanner</a:t>
-              </a:r>
-              <a:endParaRPr lang="en-CA" sz="1200" b="1" dirty="0">
-                <a:solidFill>
-                  <a:schemeClr val="tx1"/>
-                </a:solidFill>
-              </a:endParaRPr>
-            </a:p>
-          </p:txBody>
-        </p:sp>
-        <p:sp>
-          <p:nvSpPr>
-            <p:cNvPr id="10" name="Rectangle 9"/>
+            <p:cNvPr id="75" name="Rectangle 74"/>
             <p:cNvSpPr/>
             <p:nvPr/>
           </p:nvSpPr>
@@ -5838,27 +5941,19 @@
               <a:avLst/>
             </a:prstGeom>
             <a:solidFill>
-              <a:schemeClr val="bg1">
-                <a:lumMod val="95000"/>
-              </a:schemeClr>
+              <a:srgbClr val="78953D"/>
             </a:solidFill>
-            <a:ln>
-              <a:solidFill>
-                <a:schemeClr val="tx1"/>
-              </a:solidFill>
-            </a:ln>
+            <a:ln/>
           </p:spPr>
           <p:style>
-            <a:lnRef idx="2">
-              <a:schemeClr val="accent1">
-                <a:shade val="50000"/>
-              </a:schemeClr>
+            <a:lnRef idx="3">
+              <a:schemeClr val="lt1"/>
             </a:lnRef>
             <a:fillRef idx="1">
-              <a:schemeClr val="accent1"/>
+              <a:schemeClr val="accent3"/>
             </a:fillRef>
-            <a:effectRef idx="0">
-              <a:schemeClr val="accent1"/>
+            <a:effectRef idx="1">
+              <a:schemeClr val="accent3"/>
             </a:effectRef>
             <a:fontRef idx="minor">
               <a:schemeClr val="lt1"/>
@@ -5872,14 +5967,14 @@
               <a:r>
                 <a:rPr lang="en-CA" sz="1200" b="1" dirty="0" err="1">
                   <a:solidFill>
-                    <a:schemeClr val="tx1"/>
+                    <a:schemeClr val="bg1"/>
                   </a:solidFill>
                 </a:rPr>
                 <a:t>OpenIGTLink</a:t>
               </a:r>
               <a:endParaRPr lang="en-CA" sz="1200" b="1" dirty="0">
                 <a:solidFill>
-                  <a:schemeClr val="tx1"/>
+                  <a:schemeClr val="bg1"/>
                 </a:solidFill>
               </a:endParaRPr>
             </a:p>
@@ -5887,7 +5982,7 @@
         </p:sp>
         <p:sp>
           <p:nvSpPr>
-            <p:cNvPr id="11" name="Rectangle 10"/>
+            <p:cNvPr id="76" name="Rectangle 75"/>
             <p:cNvSpPr/>
             <p:nvPr/>
           </p:nvSpPr>
@@ -5899,28 +5994,17 @@
             <a:prstGeom prst="rect">
               <a:avLst/>
             </a:prstGeom>
-            <a:solidFill>
-              <a:schemeClr val="bg1">
-                <a:lumMod val="85000"/>
-              </a:schemeClr>
-            </a:solidFill>
-            <a:ln>
-              <a:solidFill>
-                <a:schemeClr val="tx1"/>
-              </a:solidFill>
-            </a:ln>
+            <a:ln/>
           </p:spPr>
           <p:style>
-            <a:lnRef idx="2">
-              <a:schemeClr val="accent1">
-                <a:shade val="50000"/>
-              </a:schemeClr>
+            <a:lnRef idx="3">
+              <a:schemeClr val="lt1"/>
             </a:lnRef>
             <a:fillRef idx="1">
-              <a:schemeClr val="accent1"/>
+              <a:schemeClr val="accent3"/>
             </a:fillRef>
-            <a:effectRef idx="0">
-              <a:schemeClr val="accent1"/>
+            <a:effectRef idx="1">
+              <a:schemeClr val="accent3"/>
             </a:effectRef>
             <a:fontRef idx="minor">
               <a:schemeClr val="lt1"/>
@@ -5934,14 +6018,14 @@
               <a:r>
                 <a:rPr lang="en-CA" sz="1200" b="1" dirty="0" smtClean="0">
                   <a:solidFill>
-                    <a:schemeClr val="tx1"/>
+                    <a:schemeClr val="bg1"/>
                   </a:solidFill>
                 </a:rPr>
                 <a:t>Navigation system</a:t>
               </a:r>
               <a:endParaRPr lang="en-CA" sz="1200" b="1" dirty="0">
                 <a:solidFill>
-                  <a:schemeClr val="tx1"/>
+                  <a:schemeClr val="bg1"/>
                 </a:solidFill>
               </a:endParaRPr>
             </a:p>
@@ -5949,19 +6033,19 @@
         </p:sp>
         <p:cxnSp>
           <p:nvCxnSpPr>
-            <p:cNvPr id="12" name="Straight Connector 11"/>
+            <p:cNvPr id="77" name="Straight Connector 76"/>
             <p:cNvCxnSpPr/>
             <p:nvPr/>
           </p:nvCxnSpPr>
           <p:spPr>
             <a:xfrm>
-              <a:off x="3213088" y="5224746"/>
-              <a:ext cx="1074" cy="406728"/>
+              <a:off x="3779912" y="5224746"/>
+              <a:ext cx="0" cy="405054"/>
             </a:xfrm>
             <a:prstGeom prst="line">
               <a:avLst/>
             </a:prstGeom>
-            <a:ln w="38100">
+            <a:ln w="31750">
               <a:solidFill>
                 <a:schemeClr val="tx1"/>
               </a:solidFill>
@@ -5985,19 +6069,19 @@
         </p:cxnSp>
         <p:cxnSp>
           <p:nvCxnSpPr>
-            <p:cNvPr id="13" name="Straight Connector 12"/>
+            <p:cNvPr id="78" name="Straight Connector 77"/>
             <p:cNvCxnSpPr/>
             <p:nvPr/>
           </p:nvCxnSpPr>
           <p:spPr>
-            <a:xfrm flipH="1">
-              <a:off x="5112654" y="5224746"/>
-              <a:ext cx="1506" cy="409547"/>
+            <a:xfrm>
+              <a:off x="4499060" y="5224746"/>
+              <a:ext cx="14255" cy="405054"/>
             </a:xfrm>
             <a:prstGeom prst="line">
               <a:avLst/>
             </a:prstGeom>
-            <a:ln w="38100">
+            <a:ln w="31750">
               <a:solidFill>
                 <a:schemeClr val="tx1"/>
               </a:solidFill>
@@ -6021,7 +6105,7 @@
         </p:cxnSp>
         <p:sp>
           <p:nvSpPr>
-            <p:cNvPr id="14" name="Rectangle 13"/>
+            <p:cNvPr id="79" name="Rectangle 78"/>
             <p:cNvSpPr/>
             <p:nvPr/>
           </p:nvSpPr>
@@ -6033,28 +6117,17 @@
             <a:prstGeom prst="rect">
               <a:avLst/>
             </a:prstGeom>
-            <a:solidFill>
-              <a:schemeClr val="bg1">
-                <a:lumMod val="85000"/>
-              </a:schemeClr>
-            </a:solidFill>
-            <a:ln>
-              <a:solidFill>
-                <a:schemeClr val="tx1"/>
-              </a:solidFill>
-            </a:ln>
+            <a:ln/>
           </p:spPr>
           <p:style>
-            <a:lnRef idx="2">
-              <a:schemeClr val="accent1">
-                <a:shade val="50000"/>
-              </a:schemeClr>
+            <a:lnRef idx="3">
+              <a:schemeClr val="lt1"/>
             </a:lnRef>
             <a:fillRef idx="1">
-              <a:schemeClr val="accent1"/>
+              <a:schemeClr val="accent3"/>
             </a:fillRef>
-            <a:effectRef idx="0">
-              <a:schemeClr val="accent1"/>
+            <a:effectRef idx="1">
+              <a:schemeClr val="accent3"/>
             </a:effectRef>
             <a:fontRef idx="minor">
               <a:schemeClr val="lt1"/>
@@ -6065,13 +6138,17 @@
             <a:lstStyle/>
             <a:p>
               <a:pPr algn="ctr"/>
-              <a:endParaRPr lang="en-CA" sz="1200"/>
+              <a:endParaRPr lang="en-CA" sz="1200">
+                <a:solidFill>
+                  <a:schemeClr val="bg1"/>
+                </a:solidFill>
+              </a:endParaRPr>
             </a:p>
           </p:txBody>
         </p:sp>
         <p:sp>
           <p:nvSpPr>
-            <p:cNvPr id="15" name="Rectangle 14"/>
+            <p:cNvPr id="80" name="Rectangle 79"/>
             <p:cNvSpPr/>
             <p:nvPr/>
           </p:nvSpPr>
@@ -6084,27 +6161,19 @@
               <a:avLst/>
             </a:prstGeom>
             <a:solidFill>
-              <a:schemeClr val="bg1">
-                <a:lumMod val="95000"/>
-              </a:schemeClr>
+              <a:srgbClr val="78953D"/>
             </a:solidFill>
-            <a:ln>
-              <a:solidFill>
-                <a:schemeClr val="tx1"/>
-              </a:solidFill>
-            </a:ln>
+            <a:ln/>
           </p:spPr>
           <p:style>
-            <a:lnRef idx="2">
-              <a:schemeClr val="accent1">
-                <a:shade val="50000"/>
-              </a:schemeClr>
+            <a:lnRef idx="3">
+              <a:schemeClr val="lt1"/>
             </a:lnRef>
             <a:fillRef idx="1">
-              <a:schemeClr val="accent1"/>
+              <a:schemeClr val="accent3"/>
             </a:fillRef>
-            <a:effectRef idx="0">
-              <a:schemeClr val="accent1"/>
+            <a:effectRef idx="1">
+              <a:schemeClr val="accent3"/>
             </a:effectRef>
             <a:fontRef idx="minor">
               <a:schemeClr val="lt1"/>
@@ -6118,14 +6187,14 @@
               <a:r>
                 <a:rPr lang="en-CA" sz="1200" b="1" dirty="0" err="1">
                   <a:solidFill>
-                    <a:schemeClr val="tx1"/>
+                    <a:schemeClr val="bg1"/>
                   </a:solidFill>
                 </a:rPr>
                 <a:t>OpenIGTLink</a:t>
               </a:r>
               <a:endParaRPr lang="en-CA" sz="1200" b="1" dirty="0">
                 <a:solidFill>
-                  <a:schemeClr val="tx1"/>
+                  <a:schemeClr val="bg1"/>
                 </a:solidFill>
               </a:endParaRPr>
             </a:p>
@@ -6133,22 +6202,22 @@
         </p:sp>
         <p:cxnSp>
           <p:nvCxnSpPr>
-            <p:cNvPr id="16" name="Straight Connector 15"/>
+            <p:cNvPr id="81" name="Straight Connector 80"/>
             <p:cNvCxnSpPr>
-              <a:stCxn id="15" idx="2"/>
-              <a:endCxn id="10" idx="0"/>
+              <a:stCxn id="80" idx="2"/>
+              <a:endCxn id="75" idx="0"/>
             </p:cNvCxnSpPr>
             <p:nvPr/>
           </p:nvCxnSpPr>
           <p:spPr>
             <a:xfrm>
-              <a:off x="5518443" y="4056538"/>
-              <a:ext cx="0" cy="395611"/>
+              <a:off x="5518444" y="4056537"/>
+              <a:ext cx="0" cy="395612"/>
             </a:xfrm>
             <a:prstGeom prst="line">
               <a:avLst/>
             </a:prstGeom>
-            <a:ln w="38100">
+            <a:ln w="31750">
               <a:solidFill>
                 <a:schemeClr val="tx1"/>
               </a:solidFill>
@@ -6172,7 +6241,7 @@
         </p:cxnSp>
         <p:sp>
           <p:nvSpPr>
-            <p:cNvPr id="17" name="Rectangle 16"/>
+            <p:cNvPr id="82" name="Rectangle 81"/>
             <p:cNvSpPr/>
             <p:nvPr/>
           </p:nvSpPr>
@@ -6185,27 +6254,19 @@
               <a:avLst/>
             </a:prstGeom>
             <a:solidFill>
-              <a:schemeClr val="bg1">
-                <a:lumMod val="95000"/>
-              </a:schemeClr>
+              <a:srgbClr val="78953D"/>
             </a:solidFill>
-            <a:ln>
-              <a:solidFill>
-                <a:schemeClr val="tx1"/>
-              </a:solidFill>
-            </a:ln>
+            <a:ln/>
           </p:spPr>
           <p:style>
-            <a:lnRef idx="2">
-              <a:schemeClr val="accent1">
-                <a:shade val="50000"/>
-              </a:schemeClr>
+            <a:lnRef idx="3">
+              <a:schemeClr val="lt1"/>
             </a:lnRef>
             <a:fillRef idx="1">
-              <a:schemeClr val="accent1"/>
+              <a:schemeClr val="accent3"/>
             </a:fillRef>
-            <a:effectRef idx="0">
-              <a:schemeClr val="accent1"/>
+            <a:effectRef idx="1">
+              <a:schemeClr val="accent3"/>
             </a:effectRef>
             <a:fontRef idx="minor">
               <a:schemeClr val="lt1"/>
@@ -6219,14 +6280,14 @@
               <a:r>
                 <a:rPr lang="en-CA" sz="1200" b="1" dirty="0" smtClean="0">
                   <a:solidFill>
-                    <a:schemeClr val="tx1"/>
+                    <a:schemeClr val="bg1"/>
                   </a:solidFill>
                 </a:rPr>
                 <a:t>3D Slicer extension manager</a:t>
               </a:r>
               <a:endParaRPr lang="en-CA" sz="1200" b="1" dirty="0">
                 <a:solidFill>
-                  <a:schemeClr val="tx1"/>
+                  <a:schemeClr val="bg1"/>
                 </a:solidFill>
               </a:endParaRPr>
             </a:p>
@@ -6234,7 +6295,7 @@
         </p:sp>
         <p:sp>
           <p:nvSpPr>
-            <p:cNvPr id="19" name="Rectangle 18"/>
+            <p:cNvPr id="83" name="Rectangle 82"/>
             <p:cNvSpPr/>
             <p:nvPr/>
           </p:nvSpPr>
@@ -6247,27 +6308,19 @@
               <a:avLst/>
             </a:prstGeom>
             <a:solidFill>
-              <a:schemeClr val="bg1">
-                <a:lumMod val="95000"/>
-              </a:schemeClr>
+              <a:srgbClr val="78953D"/>
             </a:solidFill>
-            <a:ln>
-              <a:solidFill>
-                <a:schemeClr val="tx1"/>
-              </a:solidFill>
-            </a:ln>
+            <a:ln/>
           </p:spPr>
           <p:style>
-            <a:lnRef idx="2">
-              <a:schemeClr val="accent1">
-                <a:shade val="50000"/>
-              </a:schemeClr>
+            <a:lnRef idx="3">
+              <a:schemeClr val="lt1"/>
             </a:lnRef>
             <a:fillRef idx="1">
-              <a:schemeClr val="accent1"/>
+              <a:schemeClr val="accent3"/>
             </a:fillRef>
-            <a:effectRef idx="0">
-              <a:schemeClr val="accent1"/>
+            <a:effectRef idx="1">
+              <a:schemeClr val="accent3"/>
             </a:effectRef>
             <a:fontRef idx="minor">
               <a:schemeClr val="lt1"/>
@@ -6281,7 +6334,7 @@
               <a:r>
                 <a:rPr lang="en-CA" sz="1200" b="1" dirty="0">
                   <a:solidFill>
-                    <a:schemeClr val="tx1"/>
+                    <a:schemeClr val="bg1"/>
                   </a:solidFill>
                 </a:rPr>
                 <a:t>Registration</a:t>
@@ -6291,7 +6344,7 @@
         </p:sp>
         <p:sp>
           <p:nvSpPr>
-            <p:cNvPr id="20" name="Rectangle 19"/>
+            <p:cNvPr id="84" name="Rectangle 83"/>
             <p:cNvSpPr/>
             <p:nvPr/>
           </p:nvSpPr>
@@ -6304,27 +6357,19 @@
               <a:avLst/>
             </a:prstGeom>
             <a:solidFill>
-              <a:schemeClr val="bg1">
-                <a:lumMod val="95000"/>
-              </a:schemeClr>
+              <a:srgbClr val="78953D"/>
             </a:solidFill>
-            <a:ln>
-              <a:solidFill>
-                <a:schemeClr val="tx1"/>
-              </a:solidFill>
-            </a:ln>
+            <a:ln/>
           </p:spPr>
           <p:style>
-            <a:lnRef idx="2">
-              <a:schemeClr val="accent1">
-                <a:shade val="50000"/>
-              </a:schemeClr>
+            <a:lnRef idx="3">
+              <a:schemeClr val="lt1"/>
             </a:lnRef>
             <a:fillRef idx="1">
-              <a:schemeClr val="accent1"/>
+              <a:schemeClr val="accent3"/>
             </a:fillRef>
-            <a:effectRef idx="0">
-              <a:schemeClr val="accent1"/>
+            <a:effectRef idx="1">
+              <a:schemeClr val="accent3"/>
             </a:effectRef>
             <a:fontRef idx="minor">
               <a:schemeClr val="lt1"/>
@@ -6338,7 +6383,7 @@
               <a:r>
                 <a:rPr lang="en-CA" sz="1200" b="1" dirty="0">
                   <a:solidFill>
-                    <a:schemeClr val="tx1"/>
+                    <a:schemeClr val="bg1"/>
                   </a:solidFill>
                 </a:rPr>
                 <a:t>Segmentation</a:t>
@@ -6348,7 +6393,7 @@
         </p:sp>
         <p:sp>
           <p:nvSpPr>
-            <p:cNvPr id="23" name="TextBox 22"/>
+            <p:cNvPr id="85" name="TextBox 84"/>
             <p:cNvSpPr txBox="1"/>
             <p:nvPr/>
           </p:nvSpPr>
@@ -6381,14 +6426,14 @@
         </p:sp>
         <p:sp>
           <p:nvSpPr>
-            <p:cNvPr id="26" name="TextBox 25"/>
+            <p:cNvPr id="86" name="TextBox 85"/>
             <p:cNvSpPr txBox="1"/>
             <p:nvPr/>
           </p:nvSpPr>
           <p:spPr>
             <a:xfrm>
-              <a:off x="1354544" y="3244416"/>
-              <a:ext cx="833882" cy="307777"/>
+              <a:off x="1319634" y="3244416"/>
+              <a:ext cx="841897" cy="276999"/>
             </a:xfrm>
             <a:prstGeom prst="rect">
               <a:avLst/>
@@ -6403,7 +6448,7 @@
             <a:p>
               <a:pPr algn="r"/>
               <a:r>
-                <a:rPr lang="en-CA" sz="1400" b="1" dirty="0" smtClean="0"/>
+                <a:rPr lang="en-CA" sz="1200" b="1" dirty="0" smtClean="0"/>
                 <a:t>3D Slicer</a:t>
               </a:r>
             </a:p>
@@ -6411,7 +6456,7 @@
         </p:sp>
         <p:sp>
           <p:nvSpPr>
-            <p:cNvPr id="32" name="Rectangle 31"/>
+            <p:cNvPr id="87" name="Rectangle 86"/>
             <p:cNvSpPr/>
             <p:nvPr/>
           </p:nvSpPr>
@@ -6424,28 +6469,19 @@
               <a:avLst/>
             </a:prstGeom>
             <a:solidFill>
-              <a:schemeClr val="accent3">
-                <a:lumMod val="40000"/>
-                <a:lumOff val="60000"/>
-              </a:schemeClr>
+              <a:srgbClr val="33889F"/>
             </a:solidFill>
-            <a:ln>
-              <a:solidFill>
-                <a:schemeClr val="tx1"/>
-              </a:solidFill>
-            </a:ln>
+            <a:ln/>
           </p:spPr>
           <p:style>
-            <a:lnRef idx="2">
-              <a:schemeClr val="accent1">
-                <a:shade val="50000"/>
-              </a:schemeClr>
+            <a:lnRef idx="3">
+              <a:schemeClr val="lt1"/>
             </a:lnRef>
             <a:fillRef idx="1">
-              <a:schemeClr val="accent1"/>
+              <a:schemeClr val="accent5"/>
             </a:fillRef>
-            <a:effectRef idx="0">
-              <a:schemeClr val="accent1"/>
+            <a:effectRef idx="1">
+              <a:schemeClr val="accent5"/>
             </a:effectRef>
             <a:fontRef idx="minor">
               <a:schemeClr val="lt1"/>
@@ -6459,14 +6495,14 @@
               <a:r>
                 <a:rPr lang="en-CA" sz="1200" b="1" dirty="0" smtClean="0">
                   <a:solidFill>
-                    <a:schemeClr val="tx1"/>
+                    <a:schemeClr val="bg1"/>
                   </a:solidFill>
                 </a:rPr>
                 <a:t>Temporal and spatial calibration</a:t>
               </a:r>
               <a:endParaRPr lang="en-CA" sz="1200" b="1" dirty="0">
                 <a:solidFill>
-                  <a:schemeClr val="tx1"/>
+                  <a:schemeClr val="bg1"/>
                 </a:solidFill>
               </a:endParaRPr>
             </a:p>
@@ -6474,7 +6510,7 @@
         </p:sp>
         <p:sp>
           <p:nvSpPr>
-            <p:cNvPr id="28" name="Rectangle 27"/>
+            <p:cNvPr id="88" name="Rectangle 87"/>
             <p:cNvSpPr/>
             <p:nvPr/>
           </p:nvSpPr>
@@ -6487,27 +6523,19 @@
               <a:avLst/>
             </a:prstGeom>
             <a:solidFill>
-              <a:schemeClr val="bg1">
-                <a:lumMod val="95000"/>
-              </a:schemeClr>
+              <a:srgbClr val="78953D"/>
             </a:solidFill>
-            <a:ln>
-              <a:solidFill>
-                <a:schemeClr val="tx1"/>
-              </a:solidFill>
-            </a:ln>
+            <a:ln/>
           </p:spPr>
           <p:style>
-            <a:lnRef idx="2">
-              <a:schemeClr val="accent1">
-                <a:shade val="50000"/>
-              </a:schemeClr>
+            <a:lnRef idx="3">
+              <a:schemeClr val="lt1"/>
             </a:lnRef>
             <a:fillRef idx="1">
-              <a:schemeClr val="accent1"/>
+              <a:schemeClr val="accent3"/>
             </a:fillRef>
-            <a:effectRef idx="0">
-              <a:schemeClr val="accent1"/>
+            <a:effectRef idx="1">
+              <a:schemeClr val="accent3"/>
             </a:effectRef>
             <a:fontRef idx="minor">
               <a:schemeClr val="lt1"/>
@@ -6521,14 +6549,14 @@
               <a:r>
                 <a:rPr lang="en-CA" sz="1200" b="1" dirty="0" smtClean="0">
                   <a:solidFill>
-                    <a:schemeClr val="tx1"/>
+                    <a:schemeClr val="bg1"/>
                   </a:solidFill>
                 </a:rPr>
                 <a:t>Visualization</a:t>
               </a:r>
               <a:endParaRPr lang="en-CA" sz="1200" b="1" dirty="0">
                 <a:solidFill>
-                  <a:schemeClr val="tx1"/>
+                  <a:schemeClr val="bg1"/>
                 </a:solidFill>
               </a:endParaRPr>
             </a:p>
@@ -6536,7 +6564,7 @@
         </p:sp>
         <p:sp>
           <p:nvSpPr>
-            <p:cNvPr id="30" name="Rectangle 29"/>
+            <p:cNvPr id="89" name="Rectangle 88"/>
             <p:cNvSpPr/>
             <p:nvPr/>
           </p:nvSpPr>
@@ -6548,29 +6576,17 @@
             <a:prstGeom prst="rect">
               <a:avLst/>
             </a:prstGeom>
-            <a:solidFill>
-              <a:schemeClr val="accent3">
-                <a:lumMod val="60000"/>
-                <a:lumOff val="40000"/>
-              </a:schemeClr>
-            </a:solidFill>
-            <a:ln>
-              <a:solidFill>
-                <a:schemeClr val="tx1"/>
-              </a:solidFill>
-            </a:ln>
+            <a:ln/>
           </p:spPr>
           <p:style>
-            <a:lnRef idx="2">
-              <a:schemeClr val="accent1">
-                <a:shade val="50000"/>
-              </a:schemeClr>
+            <a:lnRef idx="3">
+              <a:schemeClr val="lt1"/>
             </a:lnRef>
             <a:fillRef idx="1">
-              <a:schemeClr val="accent1"/>
+              <a:schemeClr val="accent5"/>
             </a:fillRef>
-            <a:effectRef idx="0">
-              <a:schemeClr val="accent1"/>
+            <a:effectRef idx="1">
+              <a:schemeClr val="accent5"/>
             </a:effectRef>
             <a:fontRef idx="minor">
               <a:schemeClr val="lt1"/>
@@ -6587,14 +6603,14 @@
         </p:sp>
         <p:sp>
           <p:nvSpPr>
-            <p:cNvPr id="34" name="TextBox 33"/>
+            <p:cNvPr id="90" name="TextBox 89"/>
             <p:cNvSpPr txBox="1"/>
             <p:nvPr/>
           </p:nvSpPr>
           <p:spPr>
             <a:xfrm>
-              <a:off x="-27272" y="2156188"/>
-              <a:ext cx="947097" cy="307777"/>
+              <a:off x="54108" y="2156188"/>
+              <a:ext cx="856056" cy="276999"/>
             </a:xfrm>
             <a:prstGeom prst="rect">
               <a:avLst/>
@@ -6609,50 +6625,41 @@
             <a:p>
               <a:pPr algn="r"/>
               <a:r>
-                <a:rPr lang="en-CA" sz="1400" b="1" dirty="0" smtClean="0"/>
+                <a:rPr lang="en-CA" sz="1200" b="1" dirty="0" smtClean="0"/>
                 <a:t>SlicerIGT</a:t>
               </a:r>
-              <a:endParaRPr lang="en-CA" sz="1400" b="1" dirty="0"/>
+              <a:endParaRPr lang="en-CA" sz="1200" b="1" dirty="0"/>
             </a:p>
           </p:txBody>
         </p:sp>
         <p:sp>
           <p:nvSpPr>
-            <p:cNvPr id="36" name="Rectangle 35"/>
+            <p:cNvPr id="91" name="Rectangle 90"/>
             <p:cNvSpPr/>
             <p:nvPr/>
           </p:nvSpPr>
           <p:spPr>
             <a:xfrm>
-              <a:off x="2654809" y="2114116"/>
+              <a:off x="2654809" y="2141011"/>
               <a:ext cx="1492585" cy="341198"/>
             </a:xfrm>
             <a:prstGeom prst="rect">
               <a:avLst/>
             </a:prstGeom>
             <a:solidFill>
-              <a:schemeClr val="accent3">
-                <a:lumMod val="40000"/>
-                <a:lumOff val="60000"/>
-              </a:schemeClr>
+              <a:srgbClr val="33889F"/>
             </a:solidFill>
-            <a:ln>
-              <a:solidFill>
-                <a:schemeClr val="tx1"/>
-              </a:solidFill>
-            </a:ln>
+            <a:ln/>
           </p:spPr>
           <p:style>
-            <a:lnRef idx="2">
-              <a:schemeClr val="accent1">
-                <a:shade val="50000"/>
-              </a:schemeClr>
+            <a:lnRef idx="3">
+              <a:schemeClr val="lt1"/>
             </a:lnRef>
             <a:fillRef idx="1">
-              <a:schemeClr val="accent1"/>
+              <a:schemeClr val="accent5"/>
             </a:fillRef>
-            <a:effectRef idx="0">
-              <a:schemeClr val="accent1"/>
+            <a:effectRef idx="1">
+              <a:schemeClr val="accent5"/>
             </a:effectRef>
             <a:fontRef idx="minor">
               <a:schemeClr val="lt1"/>
@@ -6666,14 +6673,14 @@
               <a:r>
                 <a:rPr lang="en-US" sz="1200" b="1" dirty="0" smtClean="0">
                   <a:solidFill>
-                    <a:schemeClr val="tx1"/>
+                    <a:schemeClr val="bg1"/>
                   </a:solidFill>
                 </a:rPr>
                 <a:t>Transform recorder</a:t>
               </a:r>
               <a:endParaRPr lang="en-CA" sz="1200" b="1" dirty="0">
                 <a:solidFill>
-                  <a:schemeClr val="tx1"/>
+                  <a:schemeClr val="bg1"/>
                 </a:solidFill>
               </a:endParaRPr>
             </a:p>
@@ -6681,41 +6688,32 @@
         </p:sp>
         <p:sp>
           <p:nvSpPr>
-            <p:cNvPr id="37" name="Rectangle 36"/>
+            <p:cNvPr id="92" name="Rectangle 91"/>
             <p:cNvSpPr/>
             <p:nvPr/>
           </p:nvSpPr>
           <p:spPr>
             <a:xfrm>
-              <a:off x="1016289" y="2114116"/>
+              <a:off x="1016289" y="2141011"/>
               <a:ext cx="1271688" cy="341198"/>
             </a:xfrm>
             <a:prstGeom prst="rect">
               <a:avLst/>
             </a:prstGeom>
             <a:solidFill>
-              <a:schemeClr val="accent3">
-                <a:lumMod val="40000"/>
-                <a:lumOff val="60000"/>
-              </a:schemeClr>
+              <a:srgbClr val="33889F"/>
             </a:solidFill>
-            <a:ln>
-              <a:solidFill>
-                <a:schemeClr val="tx1"/>
-              </a:solidFill>
-            </a:ln>
+            <a:ln/>
           </p:spPr>
           <p:style>
-            <a:lnRef idx="2">
-              <a:schemeClr val="accent1">
-                <a:shade val="50000"/>
-              </a:schemeClr>
+            <a:lnRef idx="3">
+              <a:schemeClr val="lt1"/>
             </a:lnRef>
             <a:fillRef idx="1">
-              <a:schemeClr val="accent1"/>
+              <a:schemeClr val="accent5"/>
             </a:fillRef>
-            <a:effectRef idx="0">
-              <a:schemeClr val="accent1"/>
+            <a:effectRef idx="1">
+              <a:schemeClr val="accent5"/>
             </a:effectRef>
             <a:fontRef idx="minor">
               <a:schemeClr val="lt1"/>
@@ -6729,7 +6727,7 @@
               <a:r>
                 <a:rPr lang="en-US" sz="1200" b="1" dirty="0" smtClean="0">
                   <a:solidFill>
-                    <a:schemeClr val="tx1"/>
+                    <a:schemeClr val="bg1"/>
                   </a:solidFill>
                 </a:rPr>
                 <a:t>Live </a:t>
@@ -6737,7 +6735,7 @@
               <a:r>
                 <a:rPr lang="en-US" sz="1200" b="1" dirty="0">
                   <a:solidFill>
-                    <a:schemeClr val="tx1"/>
+                    <a:schemeClr val="bg1"/>
                   </a:solidFill>
                 </a:rPr>
                 <a:t>u</a:t>
@@ -6745,14 +6743,14 @@
               <a:r>
                 <a:rPr lang="en-US" sz="1200" b="1" dirty="0" smtClean="0">
                   <a:solidFill>
-                    <a:schemeClr val="tx1"/>
+                    <a:schemeClr val="bg1"/>
                   </a:solidFill>
                 </a:rPr>
                 <a:t>ltrasound</a:t>
               </a:r>
               <a:endParaRPr lang="en-CA" sz="1200" b="1" dirty="0">
                 <a:solidFill>
-                  <a:schemeClr val="tx1"/>
+                  <a:schemeClr val="bg1"/>
                 </a:solidFill>
               </a:endParaRPr>
             </a:p>
@@ -6760,14 +6758,14 @@
         </p:sp>
         <p:sp>
           <p:nvSpPr>
-            <p:cNvPr id="39" name="TextBox 38"/>
+            <p:cNvPr id="93" name="TextBox 92"/>
             <p:cNvSpPr txBox="1"/>
             <p:nvPr/>
           </p:nvSpPr>
           <p:spPr>
             <a:xfrm>
-              <a:off x="1475656" y="4648912"/>
-              <a:ext cx="683271" cy="317018"/>
+              <a:off x="1563892" y="4648912"/>
+              <a:ext cx="595035" cy="276999"/>
             </a:xfrm>
             <a:prstGeom prst="rect">
               <a:avLst/>
@@ -6782,16 +6780,16 @@
             <a:p>
               <a:pPr algn="r"/>
               <a:r>
-                <a:rPr lang="en-CA" sz="1400" b="1" dirty="0" smtClean="0"/>
+                <a:rPr lang="en-CA" sz="1200" b="1" dirty="0" smtClean="0"/>
                 <a:t>PLUS</a:t>
               </a:r>
-              <a:endParaRPr lang="en-CA" sz="1400" b="1" dirty="0"/>
+              <a:endParaRPr lang="en-CA" sz="1200" b="1" dirty="0"/>
             </a:p>
           </p:txBody>
         </p:sp>
         <p:cxnSp>
           <p:nvCxnSpPr>
-            <p:cNvPr id="41" name="Straight Connector 40"/>
+            <p:cNvPr id="94" name="Straight Connector 93"/>
             <p:cNvCxnSpPr/>
             <p:nvPr/>
           </p:nvCxnSpPr>
@@ -6824,7 +6822,7 @@
         </p:cxnSp>
         <p:sp>
           <p:nvSpPr>
-            <p:cNvPr id="35" name="TextBox 34"/>
+            <p:cNvPr id="95" name="TextBox 94"/>
             <p:cNvSpPr txBox="1"/>
             <p:nvPr/>
           </p:nvSpPr>
@@ -6854,7 +6852,7 @@
         </p:sp>
         <p:sp>
           <p:nvSpPr>
-            <p:cNvPr id="42" name="Rectangle 41"/>
+            <p:cNvPr id="96" name="Rectangle 95"/>
             <p:cNvSpPr/>
             <p:nvPr/>
           </p:nvSpPr>
@@ -6866,29 +6864,17 @@
             <a:prstGeom prst="rect">
               <a:avLst/>
             </a:prstGeom>
-            <a:solidFill>
-              <a:schemeClr val="accent3">
-                <a:lumMod val="60000"/>
-                <a:lumOff val="40000"/>
-              </a:schemeClr>
-            </a:solidFill>
-            <a:ln>
-              <a:solidFill>
-                <a:schemeClr val="tx1"/>
-              </a:solidFill>
-            </a:ln>
+            <a:ln/>
           </p:spPr>
           <p:style>
-            <a:lnRef idx="2">
-              <a:schemeClr val="accent1">
-                <a:shade val="50000"/>
-              </a:schemeClr>
+            <a:lnRef idx="3">
+              <a:schemeClr val="lt1"/>
             </a:lnRef>
             <a:fillRef idx="1">
-              <a:schemeClr val="accent1"/>
+              <a:schemeClr val="accent5"/>
             </a:fillRef>
-            <a:effectRef idx="0">
-              <a:schemeClr val="accent1"/>
+            <a:effectRef idx="1">
+              <a:schemeClr val="accent5"/>
             </a:effectRef>
             <a:fontRef idx="minor">
               <a:schemeClr val="lt1"/>
@@ -6905,14 +6891,14 @@
         </p:sp>
         <p:sp>
           <p:nvSpPr>
-            <p:cNvPr id="43" name="TextBox 42"/>
+            <p:cNvPr id="97" name="TextBox 96"/>
             <p:cNvSpPr txBox="1"/>
             <p:nvPr/>
           </p:nvSpPr>
           <p:spPr>
             <a:xfrm>
-              <a:off x="7981658" y="2147537"/>
-              <a:ext cx="776046" cy="307777"/>
+              <a:off x="8041104" y="2147537"/>
+              <a:ext cx="739001" cy="276999"/>
             </a:xfrm>
             <a:prstGeom prst="rect">
               <a:avLst/>
@@ -6927,50 +6913,41 @@
             <a:p>
               <a:pPr algn="r"/>
               <a:r>
-                <a:rPr lang="en-CA" sz="1400" b="1" dirty="0" err="1" smtClean="0"/>
+                <a:rPr lang="en-CA" sz="1200" b="1" dirty="0" err="1" smtClean="0"/>
                 <a:t>SlicerRT</a:t>
               </a:r>
-              <a:endParaRPr lang="en-CA" sz="1400" b="1" dirty="0"/>
+              <a:endParaRPr lang="en-CA" sz="1200" b="1" dirty="0"/>
             </a:p>
           </p:txBody>
         </p:sp>
         <p:sp>
           <p:nvSpPr>
-            <p:cNvPr id="44" name="Rectangle 43"/>
+            <p:cNvPr id="98" name="Rectangle 97"/>
             <p:cNvSpPr/>
             <p:nvPr/>
           </p:nvSpPr>
           <p:spPr>
             <a:xfrm>
-              <a:off x="4897346" y="2132856"/>
+              <a:off x="4897346" y="2141821"/>
               <a:ext cx="1340160" cy="341198"/>
             </a:xfrm>
             <a:prstGeom prst="rect">
               <a:avLst/>
             </a:prstGeom>
             <a:solidFill>
-              <a:schemeClr val="accent3">
-                <a:lumMod val="40000"/>
-                <a:lumOff val="60000"/>
-              </a:schemeClr>
+              <a:srgbClr val="33889F"/>
             </a:solidFill>
-            <a:ln>
-              <a:solidFill>
-                <a:schemeClr val="tx1"/>
-              </a:solidFill>
-            </a:ln>
+            <a:ln/>
           </p:spPr>
           <p:style>
-            <a:lnRef idx="2">
-              <a:schemeClr val="accent1">
-                <a:shade val="50000"/>
-              </a:schemeClr>
+            <a:lnRef idx="3">
+              <a:schemeClr val="lt1"/>
             </a:lnRef>
             <a:fillRef idx="1">
-              <a:schemeClr val="accent1"/>
+              <a:schemeClr val="accent5"/>
             </a:fillRef>
-            <a:effectRef idx="0">
-              <a:schemeClr val="accent1"/>
+            <a:effectRef idx="1">
+              <a:schemeClr val="accent5"/>
             </a:effectRef>
             <a:fontRef idx="minor">
               <a:schemeClr val="lt1"/>
@@ -6984,14 +6961,14 @@
               <a:r>
                 <a:rPr lang="en-US" sz="1200" b="1" dirty="0" smtClean="0">
                   <a:solidFill>
-                    <a:schemeClr val="tx1"/>
+                    <a:schemeClr val="bg1"/>
                   </a:solidFill>
                 </a:rPr>
                 <a:t>DICOM-RT import</a:t>
               </a:r>
               <a:endParaRPr lang="en-CA" sz="1200" b="1" dirty="0">
                 <a:solidFill>
-                  <a:schemeClr val="tx1"/>
+                  <a:schemeClr val="bg1"/>
                 </a:solidFill>
               </a:endParaRPr>
             </a:p>
@@ -6999,41 +6976,32 @@
         </p:sp>
         <p:sp>
           <p:nvSpPr>
-            <p:cNvPr id="45" name="Rectangle 44"/>
+            <p:cNvPr id="99" name="Rectangle 98"/>
             <p:cNvSpPr/>
             <p:nvPr/>
           </p:nvSpPr>
           <p:spPr>
             <a:xfrm>
-              <a:off x="6525456" y="2132856"/>
-              <a:ext cx="1340160" cy="341198"/>
+              <a:off x="6569533" y="2141821"/>
+              <a:ext cx="1287867" cy="341198"/>
             </a:xfrm>
             <a:prstGeom prst="rect">
               <a:avLst/>
             </a:prstGeom>
             <a:solidFill>
-              <a:schemeClr val="accent3">
-                <a:lumMod val="40000"/>
-                <a:lumOff val="60000"/>
-              </a:schemeClr>
+              <a:srgbClr val="33889F"/>
             </a:solidFill>
-            <a:ln>
-              <a:solidFill>
-                <a:schemeClr val="tx1"/>
-              </a:solidFill>
-            </a:ln>
+            <a:ln/>
           </p:spPr>
           <p:style>
-            <a:lnRef idx="2">
-              <a:schemeClr val="accent1">
-                <a:shade val="50000"/>
-              </a:schemeClr>
+            <a:lnRef idx="3">
+              <a:schemeClr val="lt1"/>
             </a:lnRef>
             <a:fillRef idx="1">
-              <a:schemeClr val="accent1"/>
+              <a:schemeClr val="accent5"/>
             </a:fillRef>
-            <a:effectRef idx="0">
-              <a:schemeClr val="accent1"/>
+            <a:effectRef idx="1">
+              <a:schemeClr val="accent5"/>
             </a:effectRef>
             <a:fontRef idx="minor">
               <a:schemeClr val="lt1"/>
@@ -7047,14 +7015,14 @@
               <a:r>
                 <a:rPr lang="en-US" sz="1200" b="1" dirty="0" smtClean="0">
                   <a:solidFill>
-                    <a:schemeClr val="tx1"/>
+                    <a:schemeClr val="bg1"/>
                   </a:solidFill>
                 </a:rPr>
                 <a:t>Dose comparison</a:t>
               </a:r>
               <a:endParaRPr lang="en-CA" sz="1200" b="1" dirty="0">
                 <a:solidFill>
-                  <a:schemeClr val="tx1"/>
+                  <a:schemeClr val="bg1"/>
                 </a:solidFill>
               </a:endParaRPr>
             </a:p>
@@ -7062,7 +7030,7 @@
         </p:sp>
         <p:sp>
           <p:nvSpPr>
-            <p:cNvPr id="46" name="Rectangle 45"/>
+            <p:cNvPr id="100" name="Rectangle 99"/>
             <p:cNvSpPr/>
             <p:nvPr/>
           </p:nvSpPr>
@@ -7075,27 +7043,19 @@
               <a:avLst/>
             </a:prstGeom>
             <a:solidFill>
-              <a:schemeClr val="bg1">
-                <a:lumMod val="95000"/>
-              </a:schemeClr>
+              <a:srgbClr val="78953D"/>
             </a:solidFill>
-            <a:ln>
-              <a:solidFill>
-                <a:schemeClr val="tx1"/>
-              </a:solidFill>
-            </a:ln>
+            <a:ln/>
           </p:spPr>
           <p:style>
-            <a:lnRef idx="2">
-              <a:schemeClr val="accent1">
-                <a:shade val="50000"/>
-              </a:schemeClr>
+            <a:lnRef idx="3">
+              <a:schemeClr val="lt1"/>
             </a:lnRef>
             <a:fillRef idx="1">
-              <a:schemeClr val="accent1"/>
+              <a:schemeClr val="accent3"/>
             </a:fillRef>
-            <a:effectRef idx="0">
-              <a:schemeClr val="accent1"/>
+            <a:effectRef idx="1">
+              <a:schemeClr val="accent3"/>
             </a:effectRef>
             <a:fontRef idx="minor">
               <a:schemeClr val="lt1"/>
@@ -7109,14 +7069,14 @@
               <a:r>
                 <a:rPr lang="en-CA" sz="1200" b="1" dirty="0" smtClean="0">
                   <a:solidFill>
-                    <a:schemeClr val="tx1"/>
+                    <a:schemeClr val="bg1"/>
                   </a:solidFill>
                 </a:rPr>
                 <a:t>VTK, ITK, CTK, QT, DCMTK, …</a:t>
               </a:r>
               <a:endParaRPr lang="en-CA" sz="1200" b="1" dirty="0">
                 <a:solidFill>
-                  <a:schemeClr val="tx1"/>
+                  <a:schemeClr val="bg1"/>
                 </a:solidFill>
               </a:endParaRPr>
             </a:p>
@@ -7124,7 +7084,7 @@
         </p:sp>
         <p:sp>
           <p:nvSpPr>
-            <p:cNvPr id="47" name="TextBox 46"/>
+            <p:cNvPr id="101" name="TextBox 100"/>
             <p:cNvSpPr txBox="1"/>
             <p:nvPr/>
           </p:nvSpPr>
@@ -7157,13 +7117,13 @@
         </p:sp>
         <p:sp>
           <p:nvSpPr>
-            <p:cNvPr id="48" name="TextBox 47"/>
+            <p:cNvPr id="102" name="TextBox 101"/>
             <p:cNvSpPr txBox="1"/>
             <p:nvPr/>
           </p:nvSpPr>
           <p:spPr>
             <a:xfrm>
-              <a:off x="6181458" y="2060848"/>
+              <a:off x="6217318" y="2060848"/>
               <a:ext cx="377026" cy="369332"/>
             </a:xfrm>
             <a:prstGeom prst="rect">
@@ -7190,7 +7150,7 @@
         </p:sp>
         <p:sp>
           <p:nvSpPr>
-            <p:cNvPr id="51" name="Rectangle 50"/>
+            <p:cNvPr id="103" name="Rectangle 102"/>
             <p:cNvSpPr/>
             <p:nvPr/>
           </p:nvSpPr>
@@ -7202,29 +7162,17 @@
             <a:prstGeom prst="rect">
               <a:avLst/>
             </a:prstGeom>
-            <a:solidFill>
-              <a:schemeClr val="accent3">
-                <a:lumMod val="60000"/>
-                <a:lumOff val="40000"/>
-              </a:schemeClr>
-            </a:solidFill>
-            <a:ln>
-              <a:solidFill>
-                <a:schemeClr val="tx1"/>
-              </a:solidFill>
-            </a:ln>
+            <a:ln/>
           </p:spPr>
           <p:style>
-            <a:lnRef idx="2">
-              <a:schemeClr val="accent1">
-                <a:shade val="50000"/>
-              </a:schemeClr>
+            <a:lnRef idx="3">
+              <a:schemeClr val="lt1"/>
             </a:lnRef>
             <a:fillRef idx="1">
-              <a:schemeClr val="accent1"/>
+              <a:schemeClr val="accent5"/>
             </a:fillRef>
-            <a:effectRef idx="0">
-              <a:schemeClr val="accent1"/>
+            <a:effectRef idx="1">
+              <a:schemeClr val="accent5"/>
             </a:effectRef>
             <a:fontRef idx="minor">
               <a:schemeClr val="lt1"/>
@@ -7241,25 +7189,36 @@
         </p:sp>
         <p:sp>
           <p:nvSpPr>
-            <p:cNvPr id="24" name="TextBox 23"/>
+            <p:cNvPr id="104" name="TextBox 103"/>
             <p:cNvSpPr txBox="1"/>
             <p:nvPr/>
           </p:nvSpPr>
           <p:spPr>
             <a:xfrm>
-              <a:off x="3912824" y="1459281"/>
-              <a:ext cx="1172472" cy="307777"/>
+              <a:off x="3973603" y="1504106"/>
+              <a:ext cx="1050914" cy="276999"/>
             </a:xfrm>
             <a:prstGeom prst="rect">
               <a:avLst/>
             </a:prstGeom>
             <a:solidFill>
-              <a:schemeClr val="accent3">
-                <a:lumMod val="60000"/>
-                <a:lumOff val="40000"/>
-              </a:schemeClr>
+              <a:srgbClr val="33889F"/>
             </a:solidFill>
           </p:spPr>
+          <p:style>
+            <a:lnRef idx="3">
+              <a:schemeClr val="lt1"/>
+            </a:lnRef>
+            <a:fillRef idx="1">
+              <a:schemeClr val="accent5"/>
+            </a:fillRef>
+            <a:effectRef idx="1">
+              <a:schemeClr val="accent5"/>
+            </a:effectRef>
+            <a:fontRef idx="minor">
+              <a:schemeClr val="lt1"/>
+            </a:fontRef>
+          </p:style>
           <p:txBody>
             <a:bodyPr wrap="square" rtlCol="0">
               <a:spAutoFit/>
@@ -7268,23 +7227,23 @@
             <a:p>
               <a:pPr algn="ctr"/>
               <a:r>
-                <a:rPr lang="en-CA" sz="1400" b="1" dirty="0" err="1" smtClean="0"/>
+                <a:rPr lang="en-CA" sz="1200" b="1" dirty="0" err="1" smtClean="0"/>
                 <a:t>ProstateNav</a:t>
               </a:r>
-              <a:endParaRPr lang="en-CA" sz="1400" b="1" dirty="0"/>
+              <a:endParaRPr lang="en-CA" sz="1200" b="1" dirty="0"/>
             </a:p>
           </p:txBody>
         </p:sp>
         <p:sp>
           <p:nvSpPr>
-            <p:cNvPr id="54" name="TextBox 53"/>
+            <p:cNvPr id="105" name="TextBox 104"/>
             <p:cNvSpPr txBox="1"/>
             <p:nvPr/>
           </p:nvSpPr>
           <p:spPr>
             <a:xfrm>
-              <a:off x="1979712" y="1459281"/>
-              <a:ext cx="958887" cy="307777"/>
+              <a:off x="1979712" y="1486176"/>
+              <a:ext cx="958887" cy="276999"/>
             </a:xfrm>
             <a:prstGeom prst="rect">
               <a:avLst/>
@@ -7299,16 +7258,24 @@
             <a:p>
               <a:pPr algn="r"/>
               <a:r>
-                <a:rPr lang="en-CA" sz="1400" b="1" dirty="0" smtClean="0"/>
+                <a:rPr lang="en-CA" sz="1200" b="1" dirty="0" smtClean="0">
+                  <a:solidFill>
+                    <a:schemeClr val="bg1"/>
+                  </a:solidFill>
+                </a:rPr>
                 <a:t>Perk Tutor</a:t>
               </a:r>
-              <a:endParaRPr lang="en-CA" sz="1400" b="1" dirty="0"/>
+              <a:endParaRPr lang="en-CA" sz="1200" b="1" dirty="0">
+                <a:solidFill>
+                  <a:schemeClr val="bg1"/>
+                </a:solidFill>
+              </a:endParaRPr>
             </a:p>
           </p:txBody>
         </p:sp>
         <p:sp>
           <p:nvSpPr>
-            <p:cNvPr id="55" name="Rectangle 54"/>
+            <p:cNvPr id="106" name="Rectangle 105"/>
             <p:cNvSpPr/>
             <p:nvPr/>
           </p:nvSpPr>
@@ -7320,28 +7287,17 @@
             <a:prstGeom prst="rect">
               <a:avLst/>
             </a:prstGeom>
-            <a:solidFill>
-              <a:schemeClr val="bg1">
-                <a:lumMod val="85000"/>
-              </a:schemeClr>
-            </a:solidFill>
-            <a:ln>
-              <a:solidFill>
-                <a:schemeClr val="tx1"/>
-              </a:solidFill>
-            </a:ln>
+            <a:ln/>
           </p:spPr>
           <p:style>
-            <a:lnRef idx="2">
-              <a:schemeClr val="accent1">
-                <a:shade val="50000"/>
-              </a:schemeClr>
+            <a:lnRef idx="3">
+              <a:schemeClr val="lt1"/>
             </a:lnRef>
             <a:fillRef idx="1">
-              <a:schemeClr val="accent1"/>
+              <a:schemeClr val="accent3"/>
             </a:fillRef>
-            <a:effectRef idx="0">
-              <a:schemeClr val="accent1"/>
+            <a:effectRef idx="1">
+              <a:schemeClr val="accent3"/>
             </a:effectRef>
             <a:fontRef idx="minor">
               <a:schemeClr val="lt1"/>
@@ -7355,14 +7311,14 @@
               <a:r>
                 <a:rPr lang="en-CA" sz="1200" b="1" dirty="0" smtClean="0">
                   <a:solidFill>
-                    <a:schemeClr val="tx1"/>
+                    <a:schemeClr val="bg1"/>
                   </a:solidFill>
                 </a:rPr>
                 <a:t>MRI scanner</a:t>
               </a:r>
               <a:endParaRPr lang="en-CA" sz="1200" b="1" dirty="0">
                 <a:solidFill>
-                  <a:schemeClr val="tx1"/>
+                  <a:schemeClr val="bg1"/>
                 </a:solidFill>
               </a:endParaRPr>
             </a:p>
@@ -7370,9 +7326,9 @@
         </p:sp>
         <p:cxnSp>
           <p:nvCxnSpPr>
-            <p:cNvPr id="56" name="Straight Connector 55"/>
+            <p:cNvPr id="107" name="Straight Connector 106"/>
             <p:cNvCxnSpPr>
-              <a:stCxn id="15" idx="3"/>
+              <a:stCxn id="80" idx="3"/>
             </p:cNvCxnSpPr>
             <p:nvPr/>
           </p:nvCxnSpPr>
@@ -7384,7 +7340,7 @@
             <a:prstGeom prst="line">
               <a:avLst/>
             </a:prstGeom>
-            <a:ln w="38100">
+            <a:ln w="31750">
               <a:solidFill>
                 <a:schemeClr val="tx1"/>
               </a:solidFill>
@@ -7408,7 +7364,7 @@
         </p:cxnSp>
         <p:sp>
           <p:nvSpPr>
-            <p:cNvPr id="57" name="Rectangle 56"/>
+            <p:cNvPr id="108" name="Rectangle 107"/>
             <p:cNvSpPr/>
             <p:nvPr/>
           </p:nvSpPr>
@@ -7420,29 +7376,17 @@
             <a:prstGeom prst="rect">
               <a:avLst/>
             </a:prstGeom>
-            <a:solidFill>
-              <a:schemeClr val="accent3">
-                <a:lumMod val="60000"/>
-                <a:lumOff val="40000"/>
-              </a:schemeClr>
-            </a:solidFill>
-            <a:ln>
-              <a:solidFill>
-                <a:schemeClr val="tx1"/>
-              </a:solidFill>
-            </a:ln>
+            <a:ln/>
           </p:spPr>
           <p:style>
-            <a:lnRef idx="2">
-              <a:schemeClr val="accent1">
-                <a:shade val="50000"/>
-              </a:schemeClr>
+            <a:lnRef idx="3">
+              <a:schemeClr val="lt1"/>
             </a:lnRef>
             <a:fillRef idx="1">
-              <a:schemeClr val="accent1"/>
+              <a:schemeClr val="accent5"/>
             </a:fillRef>
-            <a:effectRef idx="0">
-              <a:schemeClr val="accent1"/>
+            <a:effectRef idx="1">
+              <a:schemeClr val="accent5"/>
             </a:effectRef>
             <a:fontRef idx="minor">
               <a:schemeClr val="lt1"/>
@@ -7456,14 +7400,14 @@
               <a:r>
                 <a:rPr lang="en-CA" sz="1200" b="1" dirty="0" smtClean="0">
                   <a:solidFill>
-                    <a:schemeClr val="tx1"/>
+                    <a:schemeClr val="bg1"/>
                   </a:solidFill>
                 </a:rPr>
                 <a:t>Custom needle guide</a:t>
               </a:r>
               <a:endParaRPr lang="en-CA" sz="1200" b="1" dirty="0">
                 <a:solidFill>
-                  <a:schemeClr val="tx1"/>
+                  <a:schemeClr val="bg1"/>
                 </a:solidFill>
               </a:endParaRPr>
             </a:p>
@@ -7471,9 +7415,9 @@
         </p:sp>
         <p:cxnSp>
           <p:nvCxnSpPr>
-            <p:cNvPr id="59" name="Straight Connector 58"/>
+            <p:cNvPr id="109" name="Straight Connector 108"/>
             <p:cNvCxnSpPr>
-              <a:stCxn id="55" idx="0"/>
+              <a:stCxn id="106" idx="0"/>
             </p:cNvCxnSpPr>
             <p:nvPr/>
           </p:nvCxnSpPr>
@@ -7485,7 +7429,7 @@
             <a:prstGeom prst="line">
               <a:avLst/>
             </a:prstGeom>
-            <a:ln w="38100">
+            <a:ln w="31750">
               <a:solidFill>
                 <a:schemeClr val="tx1"/>
               </a:solidFill>
@@ -7509,7 +7453,7 @@
         </p:cxnSp>
         <p:cxnSp>
           <p:nvCxnSpPr>
-            <p:cNvPr id="62" name="Straight Connector 61"/>
+            <p:cNvPr id="110" name="Straight Connector 109"/>
             <p:cNvCxnSpPr/>
             <p:nvPr/>
           </p:nvCxnSpPr>
@@ -7521,7 +7465,7 @@
             <a:prstGeom prst="line">
               <a:avLst/>
             </a:prstGeom>
-            <a:ln w="38100">
+            <a:ln w="31750">
               <a:solidFill>
                 <a:schemeClr val="tx1"/>
               </a:solidFill>
@@ -7545,41 +7489,29 @@
         </p:cxnSp>
         <p:sp>
           <p:nvSpPr>
-            <p:cNvPr id="66" name="Rectangle 65"/>
+            <p:cNvPr id="111" name="Rectangle 110"/>
             <p:cNvSpPr/>
             <p:nvPr/>
           </p:nvSpPr>
           <p:spPr>
             <a:xfrm>
-              <a:off x="7537154" y="314350"/>
+              <a:off x="7537154" y="562789"/>
               <a:ext cx="1240058" cy="569114"/>
             </a:xfrm>
             <a:prstGeom prst="rect">
               <a:avLst/>
             </a:prstGeom>
-            <a:solidFill>
-              <a:schemeClr val="accent3">
-                <a:lumMod val="60000"/>
-                <a:lumOff val="40000"/>
-              </a:schemeClr>
-            </a:solidFill>
-            <a:ln>
-              <a:solidFill>
-                <a:schemeClr val="tx1"/>
-              </a:solidFill>
-            </a:ln>
+            <a:ln/>
           </p:spPr>
           <p:style>
-            <a:lnRef idx="2">
-              <a:schemeClr val="accent1">
-                <a:shade val="50000"/>
-              </a:schemeClr>
+            <a:lnRef idx="3">
+              <a:schemeClr val="lt1"/>
             </a:lnRef>
             <a:fillRef idx="1">
-              <a:schemeClr val="accent1"/>
+              <a:schemeClr val="accent5"/>
             </a:fillRef>
-            <a:effectRef idx="0">
-              <a:schemeClr val="accent1"/>
+            <a:effectRef idx="1">
+              <a:schemeClr val="accent5"/>
             </a:effectRef>
             <a:fontRef idx="minor">
               <a:schemeClr val="lt1"/>
@@ -7596,14 +7528,14 @@
         </p:sp>
         <p:sp>
           <p:nvSpPr>
-            <p:cNvPr id="67" name="TextBox 66"/>
+            <p:cNvPr id="112" name="TextBox 111"/>
             <p:cNvSpPr txBox="1"/>
             <p:nvPr/>
           </p:nvSpPr>
           <p:spPr>
             <a:xfrm>
-              <a:off x="7537153" y="343356"/>
-              <a:ext cx="1246902" cy="523220"/>
+              <a:off x="7537153" y="618690"/>
+              <a:ext cx="1246902" cy="461665"/>
             </a:xfrm>
             <a:prstGeom prst="rect">
               <a:avLst/>
@@ -7618,53 +7550,490 @@
             <a:p>
               <a:pPr algn="ctr"/>
               <a:r>
-                <a:rPr lang="en-CA" sz="1400" b="1" i="1" dirty="0" smtClean="0"/>
+                <a:rPr lang="en-CA" sz="1200" b="1" i="1" dirty="0" smtClean="0">
+                  <a:solidFill>
+                    <a:schemeClr val="bg1"/>
+                  </a:solidFill>
+                </a:rPr>
                 <a:t>Developed in the </a:t>
               </a:r>
               <a:r>
-                <a:rPr lang="en-CA" sz="1400" b="1" i="1" dirty="0" err="1" smtClean="0"/>
+                <a:rPr lang="en-CA" sz="1200" b="1" i="1" dirty="0" err="1" smtClean="0">
+                  <a:solidFill>
+                    <a:schemeClr val="bg1"/>
+                  </a:solidFill>
+                </a:rPr>
                 <a:t>PerkLab</a:t>
               </a:r>
-              <a:endParaRPr lang="en-CA" sz="1400" b="1" i="1" dirty="0"/>
+              <a:endParaRPr lang="en-CA" sz="1200" b="1" i="1" dirty="0">
+                <a:solidFill>
+                  <a:schemeClr val="bg1"/>
+                </a:solidFill>
+              </a:endParaRPr>
             </a:p>
           </p:txBody>
         </p:sp>
         <p:sp>
           <p:nvSpPr>
-            <p:cNvPr id="68" name="Rectangle 67"/>
+            <p:cNvPr id="113" name="Rectangle 112"/>
             <p:cNvSpPr/>
             <p:nvPr/>
           </p:nvSpPr>
           <p:spPr>
             <a:xfrm>
-              <a:off x="7537153" y="965897"/>
+              <a:off x="7537153" y="1214336"/>
               <a:ext cx="1246902" cy="569114"/>
             </a:xfrm>
             <a:prstGeom prst="rect">
               <a:avLst/>
             </a:prstGeom>
-            <a:solidFill>
-              <a:schemeClr val="bg1">
-                <a:lumMod val="85000"/>
-              </a:schemeClr>
-            </a:solidFill>
-            <a:ln>
-              <a:solidFill>
-                <a:schemeClr val="tx1"/>
-              </a:solidFill>
-            </a:ln>
+            <a:ln/>
           </p:spPr>
           <p:style>
-            <a:lnRef idx="2">
-              <a:schemeClr val="accent1">
-                <a:shade val="50000"/>
-              </a:schemeClr>
+            <a:lnRef idx="3">
+              <a:schemeClr val="lt1"/>
             </a:lnRef>
             <a:fillRef idx="1">
-              <a:schemeClr val="accent1"/>
+              <a:schemeClr val="accent3"/>
             </a:fillRef>
-            <a:effectRef idx="0">
-              <a:schemeClr val="accent1"/>
+            <a:effectRef idx="1">
+              <a:schemeClr val="accent3"/>
+            </a:effectRef>
+            <a:fontRef idx="minor">
+              <a:schemeClr val="lt1"/>
+            </a:fontRef>
+          </p:style>
+          <p:txBody>
+            <a:bodyPr rtlCol="0" anchor="ctr"/>
+            <a:lstStyle/>
+            <a:p>
+              <a:pPr algn="ctr"/>
+              <a:endParaRPr lang="en-CA" sz="1200" dirty="0">
+                <a:solidFill>
+                  <a:schemeClr val="bg1"/>
+                </a:solidFill>
+              </a:endParaRPr>
+            </a:p>
+          </p:txBody>
+        </p:sp>
+        <p:sp>
+          <p:nvSpPr>
+            <p:cNvPr id="114" name="TextBox 113"/>
+            <p:cNvSpPr txBox="1"/>
+            <p:nvPr/>
+          </p:nvSpPr>
+          <p:spPr>
+            <a:xfrm>
+              <a:off x="7545192" y="1261272"/>
+              <a:ext cx="1238863" cy="461665"/>
+            </a:xfrm>
+            <a:prstGeom prst="rect">
+              <a:avLst/>
+            </a:prstGeom>
+            <a:noFill/>
+          </p:spPr>
+          <p:txBody>
+            <a:bodyPr wrap="square" rtlCol="0">
+              <a:spAutoFit/>
+            </a:bodyPr>
+            <a:lstStyle/>
+            <a:p>
+              <a:pPr algn="ctr"/>
+              <a:r>
+                <a:rPr lang="en-CA" sz="1200" b="1" i="1" dirty="0" smtClean="0">
+                  <a:solidFill>
+                    <a:schemeClr val="bg1"/>
+                  </a:solidFill>
+                </a:rPr>
+                <a:t>Developed by collaborators</a:t>
+              </a:r>
+              <a:endParaRPr lang="en-CA" sz="1200" b="1" i="1" dirty="0">
+                <a:solidFill>
+                  <a:schemeClr val="bg1"/>
+                </a:solidFill>
+              </a:endParaRPr>
+            </a:p>
+          </p:txBody>
+        </p:sp>
+        <p:sp>
+          <p:nvSpPr>
+            <p:cNvPr id="72" name="Rectangle 71"/>
+            <p:cNvSpPr/>
+            <p:nvPr/>
+          </p:nvSpPr>
+          <p:spPr>
+            <a:xfrm>
+              <a:off x="3475576" y="4883510"/>
+              <a:ext cx="1312448" cy="341236"/>
+            </a:xfrm>
+            <a:prstGeom prst="rect">
+              <a:avLst/>
+            </a:prstGeom>
+            <a:solidFill>
+              <a:srgbClr val="33889F"/>
+            </a:solidFill>
+            <a:ln/>
+          </p:spPr>
+          <p:style>
+            <a:lnRef idx="3">
+              <a:schemeClr val="lt1"/>
+            </a:lnRef>
+            <a:fillRef idx="1">
+              <a:schemeClr val="accent5"/>
+            </a:fillRef>
+            <a:effectRef idx="1">
+              <a:schemeClr val="accent5"/>
+            </a:effectRef>
+            <a:fontRef idx="minor">
+              <a:schemeClr val="lt1"/>
+            </a:fontRef>
+          </p:style>
+          <p:txBody>
+            <a:bodyPr rtlCol="0" anchor="ctr"/>
+            <a:lstStyle/>
+            <a:p>
+              <a:pPr algn="ctr"/>
+              <a:r>
+                <a:rPr lang="en-CA" sz="1200" b="1" dirty="0" smtClean="0">
+                  <a:solidFill>
+                    <a:schemeClr val="bg1"/>
+                  </a:solidFill>
+                </a:rPr>
+                <a:t>Device interface</a:t>
+              </a:r>
+              <a:endParaRPr lang="en-CA" sz="1200" b="1" dirty="0">
+                <a:solidFill>
+                  <a:schemeClr val="bg1"/>
+                </a:solidFill>
+              </a:endParaRPr>
+            </a:p>
+          </p:txBody>
+        </p:sp>
+      </p:grpSp>
+    </p:spTree>
+    <p:extLst>
+      <p:ext uri="{BB962C8B-B14F-4D97-AF65-F5344CB8AC3E}">
+        <p14:creationId xmlns:p14="http://schemas.microsoft.com/office/powerpoint/2010/main" val="2220785404"/>
+      </p:ext>
+    </p:extLst>
+  </p:cSld>
+  <p:clrMapOvr>
+    <a:masterClrMapping/>
+  </p:clrMapOvr>
+  <mc:AlternateContent xmlns:mc="http://schemas.openxmlformats.org/markup-compatibility/2006" xmlns:p14="http://schemas.microsoft.com/office/powerpoint/2010/main">
+    <mc:Choice Requires="p14">
+      <p:transition spd="slow" p14:dur="2000" advTm="3263"/>
+    </mc:Choice>
+    <mc:Fallback xmlns="">
+      <p:transition spd="slow" advTm="3263"/>
+    </mc:Fallback>
+  </mc:AlternateContent>
+  <p:timing>
+    <p:tnLst>
+      <p:par>
+        <p:cTn id="1" dur="indefinite" restart="never" nodeType="tmRoot"/>
+      </p:par>
+    </p:tnLst>
+  </p:timing>
+</p:sld>
+</file>
+
+<file path=ppt/slides/slide18.xml><?xml version="1.0" encoding="utf-8"?>
+<p:sld xmlns:a="http://schemas.openxmlformats.org/drawingml/2006/main" xmlns:r="http://schemas.openxmlformats.org/officeDocument/2006/relationships" xmlns:p="http://schemas.openxmlformats.org/presentationml/2006/main">
+  <p:cSld>
+    <p:spTree>
+      <p:nvGrpSpPr>
+        <p:cNvPr id="1" name=""/>
+        <p:cNvGrpSpPr/>
+        <p:nvPr/>
+      </p:nvGrpSpPr>
+      <p:grpSpPr>
+        <a:xfrm>
+          <a:off x="0" y="0"/>
+          <a:ext cx="0" cy="0"/>
+          <a:chOff x="0" y="0"/>
+          <a:chExt cx="0" cy="0"/>
+        </a:xfrm>
+      </p:grpSpPr>
+      <p:sp>
+        <p:nvSpPr>
+          <p:cNvPr id="120" name="Title 1"/>
+          <p:cNvSpPr txBox="1">
+            <a:spLocks/>
+          </p:cNvSpPr>
+          <p:nvPr/>
+        </p:nvSpPr>
+        <p:spPr bwMode="auto">
+          <a:xfrm>
+            <a:off x="0" y="0"/>
+            <a:ext cx="9144000" cy="1035968"/>
+          </a:xfrm>
+          <a:prstGeom prst="rect">
+            <a:avLst/>
+          </a:prstGeom>
+          <a:noFill/>
+          <a:ln w="9525">
+            <a:noFill/>
+            <a:miter lim="800000"/>
+            <a:headEnd/>
+            <a:tailEnd/>
+          </a:ln>
+        </p:spPr>
+        <p:txBody>
+          <a:bodyPr vert="horz" wrap="square" lIns="91440" tIns="45720" rIns="91440" bIns="45720" numCol="1" anchor="ctr" anchorCtr="0" compatLnSpc="1">
+            <a:prstTxWarp prst="textNoShape">
+              <a:avLst/>
+            </a:prstTxWarp>
+          </a:bodyPr>
+          <a:lstStyle>
+            <a:lvl1pPr algn="ctr" rtl="0" eaLnBrk="0" fontAlgn="base" hangingPunct="0">
+              <a:spcBef>
+                <a:spcPct val="0"/>
+              </a:spcBef>
+              <a:spcAft>
+                <a:spcPct val="0"/>
+              </a:spcAft>
+              <a:defRPr sz="4400" kern="1200">
+                <a:solidFill>
+                  <a:schemeClr val="tx1"/>
+                </a:solidFill>
+                <a:latin typeface="+mj-lt"/>
+                <a:ea typeface="+mj-ea"/>
+                <a:cs typeface="+mj-cs"/>
+              </a:defRPr>
+            </a:lvl1pPr>
+            <a:lvl2pPr algn="ctr" rtl="0" eaLnBrk="0" fontAlgn="base" hangingPunct="0">
+              <a:spcBef>
+                <a:spcPct val="0"/>
+              </a:spcBef>
+              <a:spcAft>
+                <a:spcPct val="0"/>
+              </a:spcAft>
+              <a:defRPr sz="4400">
+                <a:solidFill>
+                  <a:schemeClr val="tx1"/>
+                </a:solidFill>
+                <a:latin typeface="Calibri" pitchFamily="34" charset="0"/>
+              </a:defRPr>
+            </a:lvl2pPr>
+            <a:lvl3pPr algn="ctr" rtl="0" eaLnBrk="0" fontAlgn="base" hangingPunct="0">
+              <a:spcBef>
+                <a:spcPct val="0"/>
+              </a:spcBef>
+              <a:spcAft>
+                <a:spcPct val="0"/>
+              </a:spcAft>
+              <a:defRPr sz="4400">
+                <a:solidFill>
+                  <a:schemeClr val="tx1"/>
+                </a:solidFill>
+                <a:latin typeface="Calibri" pitchFamily="34" charset="0"/>
+              </a:defRPr>
+            </a:lvl3pPr>
+            <a:lvl4pPr algn="ctr" rtl="0" eaLnBrk="0" fontAlgn="base" hangingPunct="0">
+              <a:spcBef>
+                <a:spcPct val="0"/>
+              </a:spcBef>
+              <a:spcAft>
+                <a:spcPct val="0"/>
+              </a:spcAft>
+              <a:defRPr sz="4400">
+                <a:solidFill>
+                  <a:schemeClr val="tx1"/>
+                </a:solidFill>
+                <a:latin typeface="Calibri" pitchFamily="34" charset="0"/>
+              </a:defRPr>
+            </a:lvl4pPr>
+            <a:lvl5pPr algn="ctr" rtl="0" eaLnBrk="0" fontAlgn="base" hangingPunct="0">
+              <a:spcBef>
+                <a:spcPct val="0"/>
+              </a:spcBef>
+              <a:spcAft>
+                <a:spcPct val="0"/>
+              </a:spcAft>
+              <a:defRPr sz="4400">
+                <a:solidFill>
+                  <a:schemeClr val="tx1"/>
+                </a:solidFill>
+                <a:latin typeface="Calibri" pitchFamily="34" charset="0"/>
+              </a:defRPr>
+            </a:lvl5pPr>
+            <a:lvl6pPr marL="457200" algn="ctr" rtl="0" fontAlgn="base">
+              <a:spcBef>
+                <a:spcPct val="0"/>
+              </a:spcBef>
+              <a:spcAft>
+                <a:spcPct val="0"/>
+              </a:spcAft>
+              <a:defRPr sz="4400">
+                <a:solidFill>
+                  <a:schemeClr val="tx1"/>
+                </a:solidFill>
+                <a:latin typeface="Calibri" pitchFamily="34" charset="0"/>
+              </a:defRPr>
+            </a:lvl6pPr>
+            <a:lvl7pPr marL="914400" algn="ctr" rtl="0" fontAlgn="base">
+              <a:spcBef>
+                <a:spcPct val="0"/>
+              </a:spcBef>
+              <a:spcAft>
+                <a:spcPct val="0"/>
+              </a:spcAft>
+              <a:defRPr sz="4400">
+                <a:solidFill>
+                  <a:schemeClr val="tx1"/>
+                </a:solidFill>
+                <a:latin typeface="Calibri" pitchFamily="34" charset="0"/>
+              </a:defRPr>
+            </a:lvl7pPr>
+            <a:lvl8pPr marL="1371600" algn="ctr" rtl="0" fontAlgn="base">
+              <a:spcBef>
+                <a:spcPct val="0"/>
+              </a:spcBef>
+              <a:spcAft>
+                <a:spcPct val="0"/>
+              </a:spcAft>
+              <a:defRPr sz="4400">
+                <a:solidFill>
+                  <a:schemeClr val="tx1"/>
+                </a:solidFill>
+                <a:latin typeface="Calibri" pitchFamily="34" charset="0"/>
+              </a:defRPr>
+            </a:lvl8pPr>
+            <a:lvl9pPr marL="1828800" algn="ctr" rtl="0" fontAlgn="base">
+              <a:spcBef>
+                <a:spcPct val="0"/>
+              </a:spcBef>
+              <a:spcAft>
+                <a:spcPct val="0"/>
+              </a:spcAft>
+              <a:defRPr sz="4400">
+                <a:solidFill>
+                  <a:schemeClr val="tx1"/>
+                </a:solidFill>
+                <a:latin typeface="Calibri" pitchFamily="34" charset="0"/>
+              </a:defRPr>
+            </a:lvl9pPr>
+          </a:lstStyle>
+          <a:p>
+            <a:r>
+              <a:rPr lang="en-CA" b="1" dirty="0" smtClean="0">
+                <a:solidFill>
+                  <a:srgbClr val="800000"/>
+                </a:solidFill>
+              </a:rPr>
+              <a:t>PLUS Architecture Overview</a:t>
+            </a:r>
+            <a:endParaRPr lang="en-CA" b="1" dirty="0">
+              <a:solidFill>
+                <a:srgbClr val="800000"/>
+              </a:solidFill>
+            </a:endParaRPr>
+          </a:p>
+        </p:txBody>
+      </p:sp>
+      <p:sp>
+        <p:nvSpPr>
+          <p:cNvPr id="4" name="Slide Number Placeholder 3"/>
+          <p:cNvSpPr>
+            <a:spLocks noGrp="1"/>
+          </p:cNvSpPr>
+          <p:nvPr>
+            <p:ph type="sldNum" sz="quarter" idx="10"/>
+          </p:nvPr>
+        </p:nvSpPr>
+        <p:spPr/>
+        <p:txBody>
+          <a:bodyPr/>
+          <a:lstStyle/>
+          <a:p>
+            <a:pPr algn="ctr">
+              <a:defRPr/>
+            </a:pPr>
+            <a:r>
+              <a:rPr lang="en-US" smtClean="0"/>
+              <a:t>- </a:t>
+            </a:r>
+            <a:fld id="{CF70E430-998E-4908-836F-E9BC2B613AC2}" type="slidenum">
+              <a:rPr lang="en-US" smtClean="0"/>
+              <a:pPr algn="ctr">
+                <a:defRPr/>
+              </a:pPr>
+              <a:t>18</a:t>
+            </a:fld>
+            <a:r>
+              <a:rPr lang="en-US" smtClean="0"/>
+              <a:t> -</a:t>
+            </a:r>
+            <a:endParaRPr lang="en-US" dirty="0"/>
+          </a:p>
+        </p:txBody>
+      </p:sp>
+      <p:sp>
+        <p:nvSpPr>
+          <p:cNvPr id="5" name="Footer Placeholder 4"/>
+          <p:cNvSpPr>
+            <a:spLocks noGrp="1"/>
+          </p:cNvSpPr>
+          <p:nvPr>
+            <p:ph type="ftr" sz="quarter" idx="11"/>
+          </p:nvPr>
+        </p:nvSpPr>
+        <p:spPr/>
+        <p:txBody>
+          <a:bodyPr/>
+          <a:lstStyle/>
+          <a:p>
+            <a:pPr>
+              <a:defRPr/>
+            </a:pPr>
+            <a:r>
+              <a:rPr lang="en-US" smtClean="0"/>
+              <a:t>Laboratory for Percutaneous Surgery – Copyright © Queen’s University, 2013</a:t>
+            </a:r>
+            <a:endParaRPr lang="en-US" dirty="0"/>
+          </a:p>
+        </p:txBody>
+      </p:sp>
+      <p:grpSp>
+        <p:nvGrpSpPr>
+          <p:cNvPr id="64" name="Group 63"/>
+          <p:cNvGrpSpPr/>
+          <p:nvPr/>
+        </p:nvGrpSpPr>
+        <p:grpSpPr>
+          <a:xfrm>
+            <a:off x="1115616" y="1035969"/>
+            <a:ext cx="5437017" cy="4913311"/>
+            <a:chOff x="1151207" y="443641"/>
+            <a:chExt cx="5437017" cy="5505639"/>
+          </a:xfrm>
+        </p:grpSpPr>
+        <p:sp>
+          <p:nvSpPr>
+            <p:cNvPr id="70" name="Rectangle 69"/>
+            <p:cNvSpPr/>
+            <p:nvPr/>
+          </p:nvSpPr>
+          <p:spPr>
+            <a:xfrm>
+              <a:off x="2375343" y="443641"/>
+              <a:ext cx="4212881" cy="4767851"/>
+            </a:xfrm>
+            <a:prstGeom prst="rect">
+              <a:avLst/>
+            </a:prstGeom>
+            <a:ln/>
+          </p:spPr>
+          <p:style>
+            <a:lnRef idx="3">
+              <a:schemeClr val="lt1"/>
+            </a:lnRef>
+            <a:fillRef idx="1">
+              <a:schemeClr val="accent5"/>
+            </a:fillRef>
+            <a:effectRef idx="1">
+              <a:schemeClr val="accent5"/>
             </a:effectRef>
             <a:fontRef idx="minor">
               <a:schemeClr val="lt1"/>
@@ -7681,72 +8050,29 @@
         </p:sp>
         <p:sp>
           <p:nvSpPr>
-            <p:cNvPr id="69" name="TextBox 68"/>
-            <p:cNvSpPr txBox="1"/>
-            <p:nvPr/>
-          </p:nvSpPr>
-          <p:spPr>
-            <a:xfrm>
-              <a:off x="7545192" y="994903"/>
-              <a:ext cx="1238863" cy="523220"/>
-            </a:xfrm>
-            <a:prstGeom prst="rect">
-              <a:avLst/>
-            </a:prstGeom>
-            <a:noFill/>
-          </p:spPr>
-          <p:txBody>
-            <a:bodyPr wrap="square" rtlCol="0">
-              <a:spAutoFit/>
-            </a:bodyPr>
-            <a:lstStyle/>
-            <a:p>
-              <a:pPr algn="ctr"/>
-              <a:r>
-                <a:rPr lang="en-CA" sz="1400" b="1" i="1" dirty="0" smtClean="0"/>
-                <a:t>Developed by collaborators</a:t>
-              </a:r>
-              <a:endParaRPr lang="en-CA" sz="1400" b="1" i="1" dirty="0"/>
-            </a:p>
-          </p:txBody>
-        </p:sp>
-        <p:sp>
-          <p:nvSpPr>
-            <p:cNvPr id="60" name="Rectangle 59"/>
+            <p:cNvPr id="74" name="Rectangle 73"/>
             <p:cNvSpPr/>
             <p:nvPr/>
           </p:nvSpPr>
           <p:spPr>
             <a:xfrm>
-              <a:off x="4798842" y="6309320"/>
-              <a:ext cx="1574936" cy="314987"/>
+              <a:off x="3848117" y="5631474"/>
+              <a:ext cx="1224136" cy="317806"/>
             </a:xfrm>
             <a:prstGeom prst="rect">
               <a:avLst/>
             </a:prstGeom>
-            <a:solidFill>
-              <a:schemeClr val="accent3">
-                <a:lumMod val="60000"/>
-                <a:lumOff val="40000"/>
-              </a:schemeClr>
-            </a:solidFill>
-            <a:ln>
-              <a:solidFill>
-                <a:schemeClr val="tx1"/>
-              </a:solidFill>
-            </a:ln>
+            <a:ln/>
           </p:spPr>
           <p:style>
-            <a:lnRef idx="2">
-              <a:schemeClr val="accent1">
-                <a:shade val="50000"/>
-              </a:schemeClr>
+            <a:lnRef idx="3">
+              <a:schemeClr val="lt1"/>
             </a:lnRef>
             <a:fillRef idx="1">
-              <a:schemeClr val="accent1"/>
+              <a:schemeClr val="accent3"/>
             </a:fillRef>
-            <a:effectRef idx="0">
-              <a:schemeClr val="accent1"/>
+            <a:effectRef idx="1">
+              <a:schemeClr val="accent3"/>
             </a:effectRef>
             <a:fontRef idx="minor">
               <a:schemeClr val="lt1"/>
@@ -7760,154 +8086,117 @@
               <a:r>
                 <a:rPr lang="en-CA" sz="1200" b="1" dirty="0" smtClean="0">
                   <a:solidFill>
-                    <a:schemeClr val="tx1"/>
+                    <a:schemeClr val="bg1"/>
                   </a:solidFill>
                 </a:rPr>
-                <a:t>Custom phantoms</a:t>
+                <a:t>Hardware</a:t>
+              </a:r>
+            </a:p>
+          </p:txBody>
+        </p:sp>
+        <p:sp>
+          <p:nvSpPr>
+            <p:cNvPr id="87" name="Rectangle 86"/>
+            <p:cNvSpPr/>
+            <p:nvPr/>
+          </p:nvSpPr>
+          <p:spPr>
+            <a:xfrm>
+              <a:off x="2519359" y="1414491"/>
+              <a:ext cx="1584177" cy="258274"/>
+            </a:xfrm>
+            <a:prstGeom prst="rect">
+              <a:avLst/>
+            </a:prstGeom>
+            <a:solidFill>
+              <a:srgbClr val="33889F"/>
+            </a:solidFill>
+            <a:ln/>
+          </p:spPr>
+          <p:style>
+            <a:lnRef idx="3">
+              <a:schemeClr val="lt1"/>
+            </a:lnRef>
+            <a:fillRef idx="1">
+              <a:schemeClr val="accent5"/>
+            </a:fillRef>
+            <a:effectRef idx="1">
+              <a:schemeClr val="accent5"/>
+            </a:effectRef>
+            <a:fontRef idx="minor">
+              <a:schemeClr val="lt1"/>
+            </a:fontRef>
+          </p:style>
+          <p:txBody>
+            <a:bodyPr rtlCol="0" anchor="ctr"/>
+            <a:lstStyle/>
+            <a:p>
+              <a:pPr algn="ctr"/>
+              <a:r>
+                <a:rPr lang="en-CA" sz="1200" b="1" dirty="0" smtClean="0">
+                  <a:solidFill>
+                    <a:schemeClr val="bg1"/>
+                  </a:solidFill>
+                </a:rPr>
+                <a:t>Temporal calibration</a:t>
               </a:r>
               <a:endParaRPr lang="en-CA" sz="1200" b="1" dirty="0">
                 <a:solidFill>
-                  <a:schemeClr val="tx1"/>
+                  <a:schemeClr val="bg1"/>
                 </a:solidFill>
               </a:endParaRPr>
             </a:p>
           </p:txBody>
         </p:sp>
+        <p:sp>
+          <p:nvSpPr>
+            <p:cNvPr id="93" name="TextBox 92"/>
+            <p:cNvSpPr txBox="1"/>
+            <p:nvPr/>
+          </p:nvSpPr>
+          <p:spPr>
+            <a:xfrm>
+              <a:off x="1151207" y="4122949"/>
+              <a:ext cx="610295" cy="310393"/>
+            </a:xfrm>
+            <a:prstGeom prst="rect">
+              <a:avLst/>
+            </a:prstGeom>
+            <a:noFill/>
+          </p:spPr>
+          <p:txBody>
+            <a:bodyPr wrap="none" rtlCol="0">
+              <a:spAutoFit/>
+            </a:bodyPr>
+            <a:lstStyle/>
+            <a:p>
+              <a:pPr algn="r"/>
+              <a:r>
+                <a:rPr lang="en-CA" sz="1200" b="1" dirty="0" smtClean="0"/>
+                <a:t>Device</a:t>
+              </a:r>
+              <a:endParaRPr lang="en-CA" sz="1200" b="1" dirty="0"/>
+            </a:p>
+          </p:txBody>
+        </p:sp>
         <p:cxnSp>
           <p:nvCxnSpPr>
-            <p:cNvPr id="61" name="Straight Connector 60"/>
+            <p:cNvPr id="77" name="Straight Connector 76"/>
             <p:cNvCxnSpPr>
-              <a:stCxn id="60" idx="0"/>
-              <a:endCxn id="9" idx="2"/>
+              <a:stCxn id="40" idx="2"/>
+              <a:endCxn id="74" idx="0"/>
             </p:cNvCxnSpPr>
             <p:nvPr/>
           </p:nvCxnSpPr>
           <p:spPr>
-            <a:xfrm flipH="1" flipV="1">
-              <a:off x="3257675" y="5949280"/>
-              <a:ext cx="2328635" cy="360040"/>
+            <a:xfrm>
+              <a:off x="4460185" y="4981012"/>
+              <a:ext cx="0" cy="650461"/>
             </a:xfrm>
             <a:prstGeom prst="line">
               <a:avLst/>
             </a:prstGeom>
-            <a:ln w="38100">
-              <a:solidFill>
-                <a:schemeClr val="tx1"/>
-              </a:solidFill>
-              <a:prstDash val="solid"/>
-            </a:ln>
-          </p:spPr>
-          <p:style>
-            <a:lnRef idx="1">
-              <a:schemeClr val="accent1"/>
-            </a:lnRef>
-            <a:fillRef idx="0">
-              <a:schemeClr val="accent1"/>
-            </a:fillRef>
-            <a:effectRef idx="0">
-              <a:schemeClr val="accent1"/>
-            </a:effectRef>
-            <a:fontRef idx="minor">
-              <a:schemeClr val="tx1"/>
-            </a:fontRef>
-          </p:style>
-        </p:cxnSp>
-        <p:cxnSp>
-          <p:nvCxnSpPr>
-            <p:cNvPr id="63" name="Straight Connector 62"/>
-            <p:cNvCxnSpPr>
-              <a:stCxn id="60" idx="0"/>
-              <a:endCxn id="55" idx="2"/>
-            </p:cNvCxnSpPr>
-            <p:nvPr/>
-          </p:nvCxnSpPr>
-          <p:spPr>
-            <a:xfrm flipV="1">
-              <a:off x="5586310" y="5949280"/>
-              <a:ext cx="1082436" cy="360040"/>
-            </a:xfrm>
-            <a:prstGeom prst="line">
-              <a:avLst/>
-            </a:prstGeom>
-            <a:ln w="38100">
-              <a:solidFill>
-                <a:schemeClr val="tx1"/>
-              </a:solidFill>
-              <a:prstDash val="solid"/>
-            </a:ln>
-          </p:spPr>
-          <p:style>
-            <a:lnRef idx="1">
-              <a:schemeClr val="accent1"/>
-            </a:lnRef>
-            <a:fillRef idx="0">
-              <a:schemeClr val="accent1"/>
-            </a:fillRef>
-            <a:effectRef idx="0">
-              <a:schemeClr val="accent1"/>
-            </a:effectRef>
-            <a:fontRef idx="minor">
-              <a:schemeClr val="tx1"/>
-            </a:fontRef>
-          </p:style>
-        </p:cxnSp>
-        <p:cxnSp>
-          <p:nvCxnSpPr>
-            <p:cNvPr id="64" name="Straight Connector 63"/>
-            <p:cNvCxnSpPr>
-              <a:stCxn id="60" idx="0"/>
-              <a:endCxn id="11" idx="2"/>
-            </p:cNvCxnSpPr>
-            <p:nvPr/>
-          </p:nvCxnSpPr>
-          <p:spPr>
-            <a:xfrm flipH="1" flipV="1">
-              <a:off x="5093496" y="5949280"/>
-              <a:ext cx="492814" cy="360040"/>
-            </a:xfrm>
-            <a:prstGeom prst="line">
-              <a:avLst/>
-            </a:prstGeom>
-            <a:ln w="38100">
-              <a:solidFill>
-                <a:schemeClr val="tx1"/>
-              </a:solidFill>
-              <a:prstDash val="solid"/>
-            </a:ln>
-          </p:spPr>
-          <p:style>
-            <a:lnRef idx="1">
-              <a:schemeClr val="accent1"/>
-            </a:lnRef>
-            <a:fillRef idx="0">
-              <a:schemeClr val="accent1"/>
-            </a:fillRef>
-            <a:effectRef idx="0">
-              <a:schemeClr val="accent1"/>
-            </a:effectRef>
-            <a:fontRef idx="minor">
-              <a:schemeClr val="tx1"/>
-            </a:fontRef>
-          </p:style>
-        </p:cxnSp>
-        <p:cxnSp>
-          <p:nvCxnSpPr>
-            <p:cNvPr id="65" name="Straight Connector 64"/>
-            <p:cNvCxnSpPr>
-              <a:stCxn id="57" idx="2"/>
-              <a:endCxn id="60" idx="0"/>
-            </p:cNvCxnSpPr>
-            <p:nvPr/>
-          </p:nvCxnSpPr>
-          <p:spPr>
-            <a:xfrm flipH="1">
-              <a:off x="5586310" y="5949280"/>
-              <a:ext cx="2581470" cy="360040"/>
-            </a:xfrm>
-            <a:prstGeom prst="line">
-              <a:avLst/>
-            </a:prstGeom>
-            <a:ln w="38100">
+            <a:ln w="31750">
               <a:solidFill>
                 <a:schemeClr val="tx1"/>
               </a:solidFill>
@@ -7930,16 +8219,2379 @@
           </p:style>
         </p:cxnSp>
       </p:grpSp>
+      <p:sp>
+        <p:nvSpPr>
+          <p:cNvPr id="62" name="TextBox 61"/>
+          <p:cNvSpPr txBox="1"/>
+          <p:nvPr/>
+        </p:nvSpPr>
+        <p:spPr>
+          <a:xfrm>
+            <a:off x="971600" y="2287905"/>
+            <a:ext cx="886909" cy="276999"/>
+          </a:xfrm>
+          <a:prstGeom prst="rect">
+            <a:avLst/>
+          </a:prstGeom>
+          <a:noFill/>
+        </p:spPr>
+        <p:txBody>
+          <a:bodyPr wrap="none" rtlCol="0">
+            <a:spAutoFit/>
+          </a:bodyPr>
+          <a:lstStyle/>
+          <a:p>
+            <a:pPr algn="r"/>
+            <a:r>
+              <a:rPr lang="en-CA" sz="1200" b="1" dirty="0" smtClean="0"/>
+              <a:t>Algorithms</a:t>
+            </a:r>
+          </a:p>
+        </p:txBody>
+      </p:sp>
+      <p:sp>
+        <p:nvSpPr>
+          <p:cNvPr id="63" name="Rectangle 62"/>
+          <p:cNvSpPr/>
+          <p:nvPr/>
+        </p:nvSpPr>
+        <p:spPr>
+          <a:xfrm>
+            <a:off x="4211961" y="1916832"/>
+            <a:ext cx="1656184" cy="226389"/>
+          </a:xfrm>
+          <a:prstGeom prst="rect">
+            <a:avLst/>
+          </a:prstGeom>
+          <a:solidFill>
+            <a:srgbClr val="33889F"/>
+          </a:solidFill>
+          <a:ln/>
+        </p:spPr>
+        <p:style>
+          <a:lnRef idx="3">
+            <a:schemeClr val="lt1"/>
+          </a:lnRef>
+          <a:fillRef idx="1">
+            <a:schemeClr val="accent5"/>
+          </a:fillRef>
+          <a:effectRef idx="1">
+            <a:schemeClr val="accent5"/>
+          </a:effectRef>
+          <a:fontRef idx="minor">
+            <a:schemeClr val="lt1"/>
+          </a:fontRef>
+        </p:style>
+        <p:txBody>
+          <a:bodyPr rtlCol="0" anchor="ctr"/>
+          <a:lstStyle/>
+          <a:p>
+            <a:pPr algn="ctr"/>
+            <a:r>
+              <a:rPr lang="en-CA" sz="1200" b="1" dirty="0" smtClean="0">
+                <a:solidFill>
+                  <a:schemeClr val="bg1"/>
+                </a:solidFill>
+              </a:rPr>
+              <a:t>N-Wire calibration</a:t>
+            </a:r>
+            <a:endParaRPr lang="en-CA" sz="1200" b="1" dirty="0">
+              <a:solidFill>
+                <a:schemeClr val="bg1"/>
+              </a:solidFill>
+            </a:endParaRPr>
+          </a:p>
+        </p:txBody>
+      </p:sp>
+      <p:sp>
+        <p:nvSpPr>
+          <p:cNvPr id="73" name="Rectangle 72"/>
+          <p:cNvSpPr/>
+          <p:nvPr/>
+        </p:nvSpPr>
+        <p:spPr>
+          <a:xfrm>
+            <a:off x="4211961" y="2215896"/>
+            <a:ext cx="1656184" cy="277000"/>
+          </a:xfrm>
+          <a:prstGeom prst="rect">
+            <a:avLst/>
+          </a:prstGeom>
+          <a:solidFill>
+            <a:srgbClr val="33889F"/>
+          </a:solidFill>
+          <a:ln/>
+        </p:spPr>
+        <p:style>
+          <a:lnRef idx="3">
+            <a:schemeClr val="lt1"/>
+          </a:lnRef>
+          <a:fillRef idx="1">
+            <a:schemeClr val="accent5"/>
+          </a:fillRef>
+          <a:effectRef idx="1">
+            <a:schemeClr val="accent5"/>
+          </a:effectRef>
+          <a:fontRef idx="minor">
+            <a:schemeClr val="lt1"/>
+          </a:fontRef>
+        </p:style>
+        <p:txBody>
+          <a:bodyPr rtlCol="0" anchor="ctr"/>
+          <a:lstStyle/>
+          <a:p>
+            <a:pPr algn="ctr"/>
+            <a:r>
+              <a:rPr lang="en-CA" sz="1200" b="1" dirty="0" smtClean="0">
+                <a:solidFill>
+                  <a:schemeClr val="bg1"/>
+                </a:solidFill>
+              </a:rPr>
+              <a:t>Volume reconstruction</a:t>
+            </a:r>
+            <a:endParaRPr lang="en-CA" sz="1200" b="1" dirty="0">
+              <a:solidFill>
+                <a:schemeClr val="bg1"/>
+              </a:solidFill>
+            </a:endParaRPr>
+          </a:p>
+        </p:txBody>
+      </p:sp>
+      <p:sp>
+        <p:nvSpPr>
+          <p:cNvPr id="121" name="Rectangle 120"/>
+          <p:cNvSpPr/>
+          <p:nvPr/>
+        </p:nvSpPr>
+        <p:spPr>
+          <a:xfrm>
+            <a:off x="2483769" y="2215897"/>
+            <a:ext cx="1584177" cy="276999"/>
+          </a:xfrm>
+          <a:prstGeom prst="rect">
+            <a:avLst/>
+          </a:prstGeom>
+          <a:solidFill>
+            <a:srgbClr val="33889F"/>
+          </a:solidFill>
+          <a:ln/>
+        </p:spPr>
+        <p:style>
+          <a:lnRef idx="3">
+            <a:schemeClr val="lt1"/>
+          </a:lnRef>
+          <a:fillRef idx="1">
+            <a:schemeClr val="accent5"/>
+          </a:fillRef>
+          <a:effectRef idx="1">
+            <a:schemeClr val="accent5"/>
+          </a:effectRef>
+          <a:fontRef idx="minor">
+            <a:schemeClr val="lt1"/>
+          </a:fontRef>
+        </p:style>
+        <p:txBody>
+          <a:bodyPr rtlCol="0" anchor="ctr"/>
+          <a:lstStyle/>
+          <a:p>
+            <a:pPr algn="ctr"/>
+            <a:r>
+              <a:rPr lang="en-CA" sz="1200" b="1" dirty="0" smtClean="0">
+                <a:solidFill>
+                  <a:schemeClr val="bg1"/>
+                </a:solidFill>
+              </a:rPr>
+              <a:t>Single wall calibration</a:t>
+            </a:r>
+            <a:endParaRPr lang="en-CA" sz="1200" b="1" dirty="0">
+              <a:solidFill>
+                <a:schemeClr val="bg1"/>
+              </a:solidFill>
+            </a:endParaRPr>
+          </a:p>
+        </p:txBody>
+      </p:sp>
+      <p:sp>
+        <p:nvSpPr>
+          <p:cNvPr id="122" name="Rectangle 121"/>
+          <p:cNvSpPr/>
+          <p:nvPr/>
+        </p:nvSpPr>
+        <p:spPr>
+          <a:xfrm>
+            <a:off x="2483768" y="2564903"/>
+            <a:ext cx="1584177" cy="238265"/>
+          </a:xfrm>
+          <a:prstGeom prst="rect">
+            <a:avLst/>
+          </a:prstGeom>
+          <a:solidFill>
+            <a:srgbClr val="33889F"/>
+          </a:solidFill>
+          <a:ln/>
+        </p:spPr>
+        <p:style>
+          <a:lnRef idx="3">
+            <a:schemeClr val="lt1"/>
+          </a:lnRef>
+          <a:fillRef idx="1">
+            <a:schemeClr val="accent5"/>
+          </a:fillRef>
+          <a:effectRef idx="1">
+            <a:schemeClr val="accent5"/>
+          </a:effectRef>
+          <a:fontRef idx="minor">
+            <a:schemeClr val="lt1"/>
+          </a:fontRef>
+        </p:style>
+        <p:txBody>
+          <a:bodyPr rtlCol="0" anchor="ctr"/>
+          <a:lstStyle/>
+          <a:p>
+            <a:pPr algn="ctr"/>
+            <a:r>
+              <a:rPr lang="en-CA" sz="1200" b="1" dirty="0" smtClean="0">
+                <a:solidFill>
+                  <a:schemeClr val="bg1"/>
+                </a:solidFill>
+              </a:rPr>
+              <a:t>Line segmentation</a:t>
+            </a:r>
+            <a:endParaRPr lang="en-CA" sz="1200" b="1" dirty="0">
+              <a:solidFill>
+                <a:schemeClr val="bg1"/>
+              </a:solidFill>
+            </a:endParaRPr>
+          </a:p>
+        </p:txBody>
+      </p:sp>
+      <p:cxnSp>
+        <p:nvCxnSpPr>
+          <p:cNvPr id="123" name="Straight Connector 122"/>
+          <p:cNvCxnSpPr/>
+          <p:nvPr/>
+        </p:nvCxnSpPr>
+        <p:spPr>
+          <a:xfrm>
+            <a:off x="536389" y="2947185"/>
+            <a:ext cx="8212075" cy="0"/>
+          </a:xfrm>
+          <a:prstGeom prst="line">
+            <a:avLst/>
+          </a:prstGeom>
+          <a:ln w="28575">
+            <a:prstDash val="lgDash"/>
+          </a:ln>
+        </p:spPr>
+        <p:style>
+          <a:lnRef idx="1">
+            <a:schemeClr val="accent1"/>
+          </a:lnRef>
+          <a:fillRef idx="0">
+            <a:schemeClr val="accent1"/>
+          </a:fillRef>
+          <a:effectRef idx="0">
+            <a:schemeClr val="accent1"/>
+          </a:effectRef>
+          <a:fontRef idx="minor">
+            <a:schemeClr val="tx1"/>
+          </a:fontRef>
+        </p:style>
+      </p:cxnSp>
+      <p:sp>
+        <p:nvSpPr>
+          <p:cNvPr id="124" name="TextBox 123"/>
+          <p:cNvSpPr txBox="1"/>
+          <p:nvPr/>
+        </p:nvSpPr>
+        <p:spPr>
+          <a:xfrm>
+            <a:off x="1187624" y="3091201"/>
+            <a:ext cx="483146" cy="276999"/>
+          </a:xfrm>
+          <a:prstGeom prst="rect">
+            <a:avLst/>
+          </a:prstGeom>
+          <a:noFill/>
+        </p:spPr>
+        <p:txBody>
+          <a:bodyPr wrap="none" rtlCol="0">
+            <a:spAutoFit/>
+          </a:bodyPr>
+          <a:lstStyle/>
+          <a:p>
+            <a:pPr algn="r"/>
+            <a:r>
+              <a:rPr lang="en-CA" sz="1200" b="1" dirty="0" smtClean="0"/>
+              <a:t>Data</a:t>
+            </a:r>
+          </a:p>
+        </p:txBody>
+      </p:sp>
+      <p:sp>
+        <p:nvSpPr>
+          <p:cNvPr id="125" name="Rectangle 124"/>
+          <p:cNvSpPr/>
+          <p:nvPr/>
+        </p:nvSpPr>
+        <p:spPr>
+          <a:xfrm>
+            <a:off x="3635894" y="3019193"/>
+            <a:ext cx="1584177" cy="376532"/>
+          </a:xfrm>
+          <a:prstGeom prst="rect">
+            <a:avLst/>
+          </a:prstGeom>
+          <a:solidFill>
+            <a:srgbClr val="33889F"/>
+          </a:solidFill>
+          <a:ln/>
+        </p:spPr>
+        <p:style>
+          <a:lnRef idx="3">
+            <a:schemeClr val="lt1"/>
+          </a:lnRef>
+          <a:fillRef idx="1">
+            <a:schemeClr val="accent5"/>
+          </a:fillRef>
+          <a:effectRef idx="1">
+            <a:schemeClr val="accent5"/>
+          </a:effectRef>
+          <a:fontRef idx="minor">
+            <a:schemeClr val="lt1"/>
+          </a:fontRef>
+        </p:style>
+        <p:txBody>
+          <a:bodyPr rtlCol="0" anchor="ctr"/>
+          <a:lstStyle/>
+          <a:p>
+            <a:pPr algn="ctr"/>
+            <a:r>
+              <a:rPr lang="en-CA" sz="1200" b="1" dirty="0" smtClean="0">
+                <a:solidFill>
+                  <a:schemeClr val="bg1"/>
+                </a:solidFill>
+              </a:rPr>
+              <a:t>Tracked frame</a:t>
+            </a:r>
+            <a:endParaRPr lang="en-CA" sz="1200" b="1" dirty="0">
+              <a:solidFill>
+                <a:schemeClr val="bg1"/>
+              </a:solidFill>
+            </a:endParaRPr>
+          </a:p>
+        </p:txBody>
+      </p:sp>
+      <p:cxnSp>
+        <p:nvCxnSpPr>
+          <p:cNvPr id="126" name="Straight Connector 125"/>
+          <p:cNvCxnSpPr/>
+          <p:nvPr/>
+        </p:nvCxnSpPr>
+        <p:spPr>
+          <a:xfrm>
+            <a:off x="539552" y="3523249"/>
+            <a:ext cx="8212075" cy="0"/>
+          </a:xfrm>
+          <a:prstGeom prst="line">
+            <a:avLst/>
+          </a:prstGeom>
+          <a:ln w="28575">
+            <a:prstDash val="lgDash"/>
+          </a:ln>
+        </p:spPr>
+        <p:style>
+          <a:lnRef idx="1">
+            <a:schemeClr val="accent1"/>
+          </a:lnRef>
+          <a:fillRef idx="0">
+            <a:schemeClr val="accent1"/>
+          </a:fillRef>
+          <a:effectRef idx="0">
+            <a:schemeClr val="accent1"/>
+          </a:effectRef>
+          <a:fontRef idx="minor">
+            <a:schemeClr val="tx1"/>
+          </a:fontRef>
+        </p:style>
+      </p:cxnSp>
+      <p:sp>
+        <p:nvSpPr>
+          <p:cNvPr id="129" name="Rectangle 128"/>
+          <p:cNvSpPr/>
+          <p:nvPr/>
+        </p:nvSpPr>
+        <p:spPr>
+          <a:xfrm>
+            <a:off x="3786692" y="3739273"/>
+            <a:ext cx="1289363" cy="337799"/>
+          </a:xfrm>
+          <a:prstGeom prst="rect">
+            <a:avLst/>
+          </a:prstGeom>
+          <a:solidFill>
+            <a:srgbClr val="33889F"/>
+          </a:solidFill>
+          <a:ln/>
+        </p:spPr>
+        <p:style>
+          <a:lnRef idx="3">
+            <a:schemeClr val="lt1"/>
+          </a:lnRef>
+          <a:fillRef idx="1">
+            <a:schemeClr val="accent5"/>
+          </a:fillRef>
+          <a:effectRef idx="1">
+            <a:schemeClr val="accent5"/>
+          </a:effectRef>
+          <a:fontRef idx="minor">
+            <a:schemeClr val="lt1"/>
+          </a:fontRef>
+        </p:style>
+        <p:txBody>
+          <a:bodyPr rtlCol="0" anchor="ctr"/>
+          <a:lstStyle/>
+          <a:p>
+            <a:pPr algn="ctr"/>
+            <a:r>
+              <a:rPr lang="en-CA" sz="1200" b="1" dirty="0" smtClean="0">
+                <a:solidFill>
+                  <a:schemeClr val="bg1"/>
+                </a:solidFill>
+              </a:rPr>
+              <a:t>Channel</a:t>
+            </a:r>
+          </a:p>
+        </p:txBody>
+      </p:sp>
+      <p:sp>
+        <p:nvSpPr>
+          <p:cNvPr id="130" name="Rectangle 129"/>
+          <p:cNvSpPr/>
+          <p:nvPr/>
+        </p:nvSpPr>
+        <p:spPr>
+          <a:xfrm>
+            <a:off x="3786692" y="4243329"/>
+            <a:ext cx="1289363" cy="308027"/>
+          </a:xfrm>
+          <a:prstGeom prst="rect">
+            <a:avLst/>
+          </a:prstGeom>
+          <a:solidFill>
+            <a:srgbClr val="33889F"/>
+          </a:solidFill>
+          <a:ln/>
+        </p:spPr>
+        <p:style>
+          <a:lnRef idx="3">
+            <a:schemeClr val="lt1"/>
+          </a:lnRef>
+          <a:fillRef idx="1">
+            <a:schemeClr val="accent5"/>
+          </a:fillRef>
+          <a:effectRef idx="1">
+            <a:schemeClr val="accent5"/>
+          </a:effectRef>
+          <a:fontRef idx="minor">
+            <a:schemeClr val="lt1"/>
+          </a:fontRef>
+        </p:style>
+        <p:txBody>
+          <a:bodyPr rtlCol="0" anchor="ctr"/>
+          <a:lstStyle/>
+          <a:p>
+            <a:pPr algn="ctr"/>
+            <a:r>
+              <a:rPr lang="en-CA" sz="1200" b="1" dirty="0" smtClean="0">
+                <a:solidFill>
+                  <a:schemeClr val="bg1"/>
+                </a:solidFill>
+              </a:rPr>
+              <a:t>Data sources</a:t>
+            </a:r>
+          </a:p>
+        </p:txBody>
+      </p:sp>
+      <p:sp>
+        <p:nvSpPr>
+          <p:cNvPr id="131" name="TextBox 130"/>
+          <p:cNvSpPr txBox="1"/>
+          <p:nvPr/>
+        </p:nvSpPr>
+        <p:spPr>
+          <a:xfrm>
+            <a:off x="5142426" y="2564904"/>
+            <a:ext cx="293670" cy="276999"/>
+          </a:xfrm>
+          <a:prstGeom prst="rect">
+            <a:avLst/>
+          </a:prstGeom>
+          <a:noFill/>
+        </p:spPr>
+        <p:txBody>
+          <a:bodyPr wrap="none" rtlCol="0">
+            <a:spAutoFit/>
+          </a:bodyPr>
+          <a:lstStyle/>
+          <a:p>
+            <a:pPr algn="r"/>
+            <a:r>
+              <a:rPr lang="en-CA" sz="1200" b="1" dirty="0" smtClean="0"/>
+              <a:t>…</a:t>
+            </a:r>
+          </a:p>
+        </p:txBody>
+      </p:sp>
+      <p:sp>
+        <p:nvSpPr>
+          <p:cNvPr id="40" name="Rectangle 39"/>
+          <p:cNvSpPr/>
+          <p:nvPr/>
+        </p:nvSpPr>
+        <p:spPr>
+          <a:xfrm>
+            <a:off x="3707904" y="4747385"/>
+            <a:ext cx="1433380" cy="337799"/>
+          </a:xfrm>
+          <a:prstGeom prst="rect">
+            <a:avLst/>
+          </a:prstGeom>
+          <a:solidFill>
+            <a:srgbClr val="33889F"/>
+          </a:solidFill>
+          <a:ln/>
+        </p:spPr>
+        <p:style>
+          <a:lnRef idx="3">
+            <a:schemeClr val="lt1"/>
+          </a:lnRef>
+          <a:fillRef idx="1">
+            <a:schemeClr val="accent5"/>
+          </a:fillRef>
+          <a:effectRef idx="1">
+            <a:schemeClr val="accent5"/>
+          </a:effectRef>
+          <a:fontRef idx="minor">
+            <a:schemeClr val="lt1"/>
+          </a:fontRef>
+        </p:style>
+        <p:txBody>
+          <a:bodyPr rtlCol="0" anchor="ctr"/>
+          <a:lstStyle/>
+          <a:p>
+            <a:pPr algn="ctr"/>
+            <a:r>
+              <a:rPr lang="en-CA" sz="1200" b="1" dirty="0" smtClean="0">
+                <a:solidFill>
+                  <a:schemeClr val="bg1"/>
+                </a:solidFill>
+              </a:rPr>
+              <a:t>Device Specific SDK</a:t>
+            </a:r>
+          </a:p>
+        </p:txBody>
+      </p:sp>
+      <p:cxnSp>
+        <p:nvCxnSpPr>
+          <p:cNvPr id="47" name="Straight Connector 46"/>
+          <p:cNvCxnSpPr/>
+          <p:nvPr/>
+        </p:nvCxnSpPr>
+        <p:spPr>
+          <a:xfrm>
+            <a:off x="539552" y="1772816"/>
+            <a:ext cx="5472608" cy="0"/>
+          </a:xfrm>
+          <a:prstGeom prst="line">
+            <a:avLst/>
+          </a:prstGeom>
+          <a:ln w="28575">
+            <a:prstDash val="lgDash"/>
+          </a:ln>
+        </p:spPr>
+        <p:style>
+          <a:lnRef idx="1">
+            <a:schemeClr val="accent1"/>
+          </a:lnRef>
+          <a:fillRef idx="0">
+            <a:schemeClr val="accent1"/>
+          </a:fillRef>
+          <a:effectRef idx="0">
+            <a:schemeClr val="accent1"/>
+          </a:effectRef>
+          <a:fontRef idx="minor">
+            <a:schemeClr val="tx1"/>
+          </a:fontRef>
+        </p:style>
+      </p:cxnSp>
+      <p:sp>
+        <p:nvSpPr>
+          <p:cNvPr id="50" name="TextBox 49"/>
+          <p:cNvSpPr txBox="1"/>
+          <p:nvPr/>
+        </p:nvSpPr>
+        <p:spPr>
+          <a:xfrm>
+            <a:off x="940473" y="1268760"/>
+            <a:ext cx="977447" cy="276999"/>
+          </a:xfrm>
+          <a:prstGeom prst="rect">
+            <a:avLst/>
+          </a:prstGeom>
+          <a:noFill/>
+        </p:spPr>
+        <p:txBody>
+          <a:bodyPr wrap="none" rtlCol="0">
+            <a:spAutoFit/>
+          </a:bodyPr>
+          <a:lstStyle/>
+          <a:p>
+            <a:pPr algn="r"/>
+            <a:r>
+              <a:rPr lang="en-CA" sz="1200" b="1" dirty="0" smtClean="0"/>
+              <a:t>Applications</a:t>
+            </a:r>
+          </a:p>
+        </p:txBody>
+      </p:sp>
+      <p:sp>
+        <p:nvSpPr>
+          <p:cNvPr id="51" name="Rectangle 50"/>
+          <p:cNvSpPr/>
+          <p:nvPr/>
+        </p:nvSpPr>
+        <p:spPr>
+          <a:xfrm>
+            <a:off x="2699793" y="1254297"/>
+            <a:ext cx="720080" cy="230487"/>
+          </a:xfrm>
+          <a:prstGeom prst="rect">
+            <a:avLst/>
+          </a:prstGeom>
+          <a:solidFill>
+            <a:srgbClr val="33889F"/>
+          </a:solidFill>
+          <a:ln/>
+        </p:spPr>
+        <p:style>
+          <a:lnRef idx="3">
+            <a:schemeClr val="lt1"/>
+          </a:lnRef>
+          <a:fillRef idx="1">
+            <a:schemeClr val="accent5"/>
+          </a:fillRef>
+          <a:effectRef idx="1">
+            <a:schemeClr val="accent5"/>
+          </a:effectRef>
+          <a:fontRef idx="minor">
+            <a:schemeClr val="lt1"/>
+          </a:fontRef>
+        </p:style>
+        <p:txBody>
+          <a:bodyPr rtlCol="0" anchor="ctr"/>
+          <a:lstStyle/>
+          <a:p>
+            <a:pPr algn="ctr"/>
+            <a:r>
+              <a:rPr lang="en-CA" sz="1200" b="1" dirty="0" err="1" smtClean="0">
+                <a:solidFill>
+                  <a:schemeClr val="bg1"/>
+                </a:solidFill>
+              </a:rPr>
+              <a:t>fCal</a:t>
+            </a:r>
+            <a:endParaRPr lang="en-CA" sz="1200" b="1" dirty="0">
+              <a:solidFill>
+                <a:schemeClr val="bg1"/>
+              </a:solidFill>
+            </a:endParaRPr>
+          </a:p>
+        </p:txBody>
+      </p:sp>
+      <p:sp>
+        <p:nvSpPr>
+          <p:cNvPr id="52" name="Rectangle 51"/>
+          <p:cNvSpPr/>
+          <p:nvPr/>
+        </p:nvSpPr>
+        <p:spPr>
+          <a:xfrm>
+            <a:off x="3563887" y="1254298"/>
+            <a:ext cx="867485" cy="230486"/>
+          </a:xfrm>
+          <a:prstGeom prst="rect">
+            <a:avLst/>
+          </a:prstGeom>
+          <a:solidFill>
+            <a:srgbClr val="33889F"/>
+          </a:solidFill>
+          <a:ln/>
+        </p:spPr>
+        <p:style>
+          <a:lnRef idx="3">
+            <a:schemeClr val="lt1"/>
+          </a:lnRef>
+          <a:fillRef idx="1">
+            <a:schemeClr val="accent5"/>
+          </a:fillRef>
+          <a:effectRef idx="1">
+            <a:schemeClr val="accent5"/>
+          </a:effectRef>
+          <a:fontRef idx="minor">
+            <a:schemeClr val="lt1"/>
+          </a:fontRef>
+        </p:style>
+        <p:txBody>
+          <a:bodyPr rtlCol="0" anchor="ctr"/>
+          <a:lstStyle/>
+          <a:p>
+            <a:pPr algn="ctr"/>
+            <a:r>
+              <a:rPr lang="en-CA" sz="1200" b="1" dirty="0" err="1" smtClean="0">
+                <a:solidFill>
+                  <a:schemeClr val="bg1"/>
+                </a:solidFill>
+              </a:rPr>
+              <a:t>PlusServer</a:t>
+            </a:r>
+            <a:endParaRPr lang="en-CA" sz="1200" b="1" dirty="0">
+              <a:solidFill>
+                <a:schemeClr val="bg1"/>
+              </a:solidFill>
+            </a:endParaRPr>
+          </a:p>
+        </p:txBody>
+      </p:sp>
+      <p:sp>
+        <p:nvSpPr>
+          <p:cNvPr id="53" name="Rectangle 52"/>
+          <p:cNvSpPr/>
+          <p:nvPr/>
+        </p:nvSpPr>
+        <p:spPr>
+          <a:xfrm>
+            <a:off x="4568611" y="1254297"/>
+            <a:ext cx="573815" cy="230487"/>
+          </a:xfrm>
+          <a:prstGeom prst="rect">
+            <a:avLst/>
+          </a:prstGeom>
+          <a:solidFill>
+            <a:srgbClr val="33889F"/>
+          </a:solidFill>
+          <a:ln/>
+        </p:spPr>
+        <p:style>
+          <a:lnRef idx="3">
+            <a:schemeClr val="lt1"/>
+          </a:lnRef>
+          <a:fillRef idx="1">
+            <a:schemeClr val="accent5"/>
+          </a:fillRef>
+          <a:effectRef idx="1">
+            <a:schemeClr val="accent5"/>
+          </a:effectRef>
+          <a:fontRef idx="minor">
+            <a:schemeClr val="lt1"/>
+          </a:fontRef>
+        </p:style>
+        <p:txBody>
+          <a:bodyPr rtlCol="0" anchor="ctr"/>
+          <a:lstStyle/>
+          <a:p>
+            <a:pPr algn="ctr"/>
+            <a:r>
+              <a:rPr lang="en-CA" sz="1200" b="1" dirty="0" smtClean="0">
+                <a:solidFill>
+                  <a:schemeClr val="bg1"/>
+                </a:solidFill>
+              </a:rPr>
+              <a:t>iCal</a:t>
+            </a:r>
+            <a:endParaRPr lang="en-CA" sz="1200" b="1" dirty="0">
+              <a:solidFill>
+                <a:schemeClr val="bg1"/>
+              </a:solidFill>
+            </a:endParaRPr>
+          </a:p>
+        </p:txBody>
+      </p:sp>
+      <p:sp>
+        <p:nvSpPr>
+          <p:cNvPr id="54" name="TextBox 53"/>
+          <p:cNvSpPr txBox="1"/>
+          <p:nvPr/>
+        </p:nvSpPr>
+        <p:spPr>
+          <a:xfrm>
+            <a:off x="5574474" y="1279793"/>
+            <a:ext cx="293670" cy="276999"/>
+          </a:xfrm>
+          <a:prstGeom prst="rect">
+            <a:avLst/>
+          </a:prstGeom>
+          <a:noFill/>
+        </p:spPr>
+        <p:txBody>
+          <a:bodyPr wrap="none" rtlCol="0">
+            <a:spAutoFit/>
+          </a:bodyPr>
+          <a:lstStyle/>
+          <a:p>
+            <a:pPr algn="r"/>
+            <a:r>
+              <a:rPr lang="en-CA" sz="1200" b="1" dirty="0" smtClean="0"/>
+              <a:t>…</a:t>
+            </a:r>
+          </a:p>
+        </p:txBody>
+      </p:sp>
+      <p:cxnSp>
+        <p:nvCxnSpPr>
+          <p:cNvPr id="31" name="Straight Connector 30"/>
+          <p:cNvCxnSpPr/>
+          <p:nvPr/>
+        </p:nvCxnSpPr>
+        <p:spPr>
+          <a:xfrm flipV="1">
+            <a:off x="6012160" y="1772816"/>
+            <a:ext cx="0" cy="1174370"/>
+          </a:xfrm>
+          <a:prstGeom prst="line">
+            <a:avLst/>
+          </a:prstGeom>
+          <a:ln w="28575">
+            <a:prstDash val="lgDash"/>
+          </a:ln>
+        </p:spPr>
+        <p:style>
+          <a:lnRef idx="1">
+            <a:schemeClr val="accent1"/>
+          </a:lnRef>
+          <a:fillRef idx="0">
+            <a:schemeClr val="accent1"/>
+          </a:fillRef>
+          <a:effectRef idx="0">
+            <a:schemeClr val="accent1"/>
+          </a:effectRef>
+          <a:fontRef idx="minor">
+            <a:schemeClr val="tx1"/>
+          </a:fontRef>
+        </p:style>
+      </p:cxnSp>
     </p:spTree>
     <p:extLst>
       <p:ext uri="{BB962C8B-B14F-4D97-AF65-F5344CB8AC3E}">
-        <p14:creationId xmlns:p14="http://schemas.microsoft.com/office/powerpoint/2010/main" val="2540664509"/>
+        <p14:creationId xmlns:p14="http://schemas.microsoft.com/office/powerpoint/2010/main" val="882725520"/>
       </p:ext>
     </p:extLst>
   </p:cSld>
   <p:clrMapOvr>
     <a:masterClrMapping/>
   </p:clrMapOvr>
+  <mc:AlternateContent xmlns:mc="http://schemas.openxmlformats.org/markup-compatibility/2006" xmlns:p14="http://schemas.microsoft.com/office/powerpoint/2010/main">
+    <mc:Choice Requires="p14">
+      <p:transition spd="slow" p14:dur="2000" advTm="3263"/>
+    </mc:Choice>
+    <mc:Fallback xmlns="">
+      <p:transition spd="slow" advTm="3263"/>
+    </mc:Fallback>
+  </mc:AlternateContent>
+  <p:timing>
+    <p:tnLst>
+      <p:par>
+        <p:cTn id="1" dur="indefinite" restart="never" nodeType="tmRoot"/>
+      </p:par>
+    </p:tnLst>
+  </p:timing>
+</p:sld>
+</file>
+
+<file path=ppt/slides/slide19.xml><?xml version="1.0" encoding="utf-8"?>
+<p:sld xmlns:a="http://schemas.openxmlformats.org/drawingml/2006/main" xmlns:r="http://schemas.openxmlformats.org/officeDocument/2006/relationships" xmlns:p="http://schemas.openxmlformats.org/presentationml/2006/main">
+  <p:cSld>
+    <p:spTree>
+      <p:nvGrpSpPr>
+        <p:cNvPr id="1" name=""/>
+        <p:cNvGrpSpPr/>
+        <p:nvPr/>
+      </p:nvGrpSpPr>
+      <p:grpSpPr>
+        <a:xfrm>
+          <a:off x="0" y="0"/>
+          <a:ext cx="0" cy="0"/>
+          <a:chOff x="0" y="0"/>
+          <a:chExt cx="0" cy="0"/>
+        </a:xfrm>
+      </p:grpSpPr>
+      <p:sp>
+        <p:nvSpPr>
+          <p:cNvPr id="120" name="Title 1"/>
+          <p:cNvSpPr txBox="1">
+            <a:spLocks/>
+          </p:cNvSpPr>
+          <p:nvPr/>
+        </p:nvSpPr>
+        <p:spPr bwMode="auto">
+          <a:xfrm>
+            <a:off x="0" y="0"/>
+            <a:ext cx="9144000" cy="1035968"/>
+          </a:xfrm>
+          <a:prstGeom prst="rect">
+            <a:avLst/>
+          </a:prstGeom>
+          <a:noFill/>
+          <a:ln w="9525">
+            <a:noFill/>
+            <a:miter lim="800000"/>
+            <a:headEnd/>
+            <a:tailEnd/>
+          </a:ln>
+        </p:spPr>
+        <p:txBody>
+          <a:bodyPr vert="horz" wrap="square" lIns="91440" tIns="45720" rIns="91440" bIns="45720" numCol="1" anchor="ctr" anchorCtr="0" compatLnSpc="1">
+            <a:prstTxWarp prst="textNoShape">
+              <a:avLst/>
+            </a:prstTxWarp>
+          </a:bodyPr>
+          <a:lstStyle>
+            <a:lvl1pPr algn="ctr" rtl="0" eaLnBrk="0" fontAlgn="base" hangingPunct="0">
+              <a:spcBef>
+                <a:spcPct val="0"/>
+              </a:spcBef>
+              <a:spcAft>
+                <a:spcPct val="0"/>
+              </a:spcAft>
+              <a:defRPr sz="4400" kern="1200">
+                <a:solidFill>
+                  <a:schemeClr val="tx1"/>
+                </a:solidFill>
+                <a:latin typeface="+mj-lt"/>
+                <a:ea typeface="+mj-ea"/>
+                <a:cs typeface="+mj-cs"/>
+              </a:defRPr>
+            </a:lvl1pPr>
+            <a:lvl2pPr algn="ctr" rtl="0" eaLnBrk="0" fontAlgn="base" hangingPunct="0">
+              <a:spcBef>
+                <a:spcPct val="0"/>
+              </a:spcBef>
+              <a:spcAft>
+                <a:spcPct val="0"/>
+              </a:spcAft>
+              <a:defRPr sz="4400">
+                <a:solidFill>
+                  <a:schemeClr val="tx1"/>
+                </a:solidFill>
+                <a:latin typeface="Calibri" pitchFamily="34" charset="0"/>
+              </a:defRPr>
+            </a:lvl2pPr>
+            <a:lvl3pPr algn="ctr" rtl="0" eaLnBrk="0" fontAlgn="base" hangingPunct="0">
+              <a:spcBef>
+                <a:spcPct val="0"/>
+              </a:spcBef>
+              <a:spcAft>
+                <a:spcPct val="0"/>
+              </a:spcAft>
+              <a:defRPr sz="4400">
+                <a:solidFill>
+                  <a:schemeClr val="tx1"/>
+                </a:solidFill>
+                <a:latin typeface="Calibri" pitchFamily="34" charset="0"/>
+              </a:defRPr>
+            </a:lvl3pPr>
+            <a:lvl4pPr algn="ctr" rtl="0" eaLnBrk="0" fontAlgn="base" hangingPunct="0">
+              <a:spcBef>
+                <a:spcPct val="0"/>
+              </a:spcBef>
+              <a:spcAft>
+                <a:spcPct val="0"/>
+              </a:spcAft>
+              <a:defRPr sz="4400">
+                <a:solidFill>
+                  <a:schemeClr val="tx1"/>
+                </a:solidFill>
+                <a:latin typeface="Calibri" pitchFamily="34" charset="0"/>
+              </a:defRPr>
+            </a:lvl4pPr>
+            <a:lvl5pPr algn="ctr" rtl="0" eaLnBrk="0" fontAlgn="base" hangingPunct="0">
+              <a:spcBef>
+                <a:spcPct val="0"/>
+              </a:spcBef>
+              <a:spcAft>
+                <a:spcPct val="0"/>
+              </a:spcAft>
+              <a:defRPr sz="4400">
+                <a:solidFill>
+                  <a:schemeClr val="tx1"/>
+                </a:solidFill>
+                <a:latin typeface="Calibri" pitchFamily="34" charset="0"/>
+              </a:defRPr>
+            </a:lvl5pPr>
+            <a:lvl6pPr marL="457200" algn="ctr" rtl="0" fontAlgn="base">
+              <a:spcBef>
+                <a:spcPct val="0"/>
+              </a:spcBef>
+              <a:spcAft>
+                <a:spcPct val="0"/>
+              </a:spcAft>
+              <a:defRPr sz="4400">
+                <a:solidFill>
+                  <a:schemeClr val="tx1"/>
+                </a:solidFill>
+                <a:latin typeface="Calibri" pitchFamily="34" charset="0"/>
+              </a:defRPr>
+            </a:lvl6pPr>
+            <a:lvl7pPr marL="914400" algn="ctr" rtl="0" fontAlgn="base">
+              <a:spcBef>
+                <a:spcPct val="0"/>
+              </a:spcBef>
+              <a:spcAft>
+                <a:spcPct val="0"/>
+              </a:spcAft>
+              <a:defRPr sz="4400">
+                <a:solidFill>
+                  <a:schemeClr val="tx1"/>
+                </a:solidFill>
+                <a:latin typeface="Calibri" pitchFamily="34" charset="0"/>
+              </a:defRPr>
+            </a:lvl7pPr>
+            <a:lvl8pPr marL="1371600" algn="ctr" rtl="0" fontAlgn="base">
+              <a:spcBef>
+                <a:spcPct val="0"/>
+              </a:spcBef>
+              <a:spcAft>
+                <a:spcPct val="0"/>
+              </a:spcAft>
+              <a:defRPr sz="4400">
+                <a:solidFill>
+                  <a:schemeClr val="tx1"/>
+                </a:solidFill>
+                <a:latin typeface="Calibri" pitchFamily="34" charset="0"/>
+              </a:defRPr>
+            </a:lvl8pPr>
+            <a:lvl9pPr marL="1828800" algn="ctr" rtl="0" fontAlgn="base">
+              <a:spcBef>
+                <a:spcPct val="0"/>
+              </a:spcBef>
+              <a:spcAft>
+                <a:spcPct val="0"/>
+              </a:spcAft>
+              <a:defRPr sz="4400">
+                <a:solidFill>
+                  <a:schemeClr val="tx1"/>
+                </a:solidFill>
+                <a:latin typeface="Calibri" pitchFamily="34" charset="0"/>
+              </a:defRPr>
+            </a:lvl9pPr>
+          </a:lstStyle>
+          <a:p>
+            <a:r>
+              <a:rPr lang="en-CA" b="1" dirty="0" smtClean="0">
+                <a:solidFill>
+                  <a:srgbClr val="800000"/>
+                </a:solidFill>
+              </a:rPr>
+              <a:t>PLUS Data Pipeline</a:t>
+            </a:r>
+            <a:endParaRPr lang="en-CA" b="1" dirty="0">
+              <a:solidFill>
+                <a:srgbClr val="800000"/>
+              </a:solidFill>
+            </a:endParaRPr>
+          </a:p>
+        </p:txBody>
+      </p:sp>
+      <p:sp>
+        <p:nvSpPr>
+          <p:cNvPr id="4" name="Slide Number Placeholder 3"/>
+          <p:cNvSpPr>
+            <a:spLocks noGrp="1"/>
+          </p:cNvSpPr>
+          <p:nvPr>
+            <p:ph type="sldNum" sz="quarter" idx="10"/>
+          </p:nvPr>
+        </p:nvSpPr>
+        <p:spPr/>
+        <p:txBody>
+          <a:bodyPr/>
+          <a:lstStyle/>
+          <a:p>
+            <a:pPr algn="ctr">
+              <a:defRPr/>
+            </a:pPr>
+            <a:r>
+              <a:rPr lang="en-US" smtClean="0"/>
+              <a:t>- </a:t>
+            </a:r>
+            <a:fld id="{CF70E430-998E-4908-836F-E9BC2B613AC2}" type="slidenum">
+              <a:rPr lang="en-US" smtClean="0"/>
+              <a:pPr algn="ctr">
+                <a:defRPr/>
+              </a:pPr>
+              <a:t>19</a:t>
+            </a:fld>
+            <a:r>
+              <a:rPr lang="en-US" smtClean="0"/>
+              <a:t> -</a:t>
+            </a:r>
+            <a:endParaRPr lang="en-US" dirty="0"/>
+          </a:p>
+        </p:txBody>
+      </p:sp>
+      <p:sp>
+        <p:nvSpPr>
+          <p:cNvPr id="5" name="Footer Placeholder 4"/>
+          <p:cNvSpPr>
+            <a:spLocks noGrp="1"/>
+          </p:cNvSpPr>
+          <p:nvPr>
+            <p:ph type="ftr" sz="quarter" idx="11"/>
+          </p:nvPr>
+        </p:nvSpPr>
+        <p:spPr/>
+        <p:txBody>
+          <a:bodyPr/>
+          <a:lstStyle/>
+          <a:p>
+            <a:pPr>
+              <a:defRPr/>
+            </a:pPr>
+            <a:r>
+              <a:rPr lang="en-US" smtClean="0"/>
+              <a:t>Laboratory for Percutaneous Surgery – Copyright © Queen’s University, 2013</a:t>
+            </a:r>
+            <a:endParaRPr lang="en-US" dirty="0"/>
+          </a:p>
+        </p:txBody>
+      </p:sp>
+      <p:grpSp>
+        <p:nvGrpSpPr>
+          <p:cNvPr id="64" name="Group 63"/>
+          <p:cNvGrpSpPr/>
+          <p:nvPr/>
+        </p:nvGrpSpPr>
+        <p:grpSpPr>
+          <a:xfrm>
+            <a:off x="627922" y="1556792"/>
+            <a:ext cx="6536366" cy="1692437"/>
+            <a:chOff x="647151" y="774077"/>
+            <a:chExt cx="6536366" cy="1896470"/>
+          </a:xfrm>
+        </p:grpSpPr>
+        <p:sp>
+          <p:nvSpPr>
+            <p:cNvPr id="70" name="Rectangle 69"/>
+            <p:cNvSpPr/>
+            <p:nvPr/>
+          </p:nvSpPr>
+          <p:spPr>
+            <a:xfrm>
+              <a:off x="647151" y="774077"/>
+              <a:ext cx="6536366" cy="1896470"/>
+            </a:xfrm>
+            <a:prstGeom prst="rect">
+              <a:avLst/>
+            </a:prstGeom>
+            <a:ln/>
+          </p:spPr>
+          <p:style>
+            <a:lnRef idx="3">
+              <a:schemeClr val="lt1"/>
+            </a:lnRef>
+            <a:fillRef idx="1">
+              <a:schemeClr val="accent5"/>
+            </a:fillRef>
+            <a:effectRef idx="1">
+              <a:schemeClr val="accent5"/>
+            </a:effectRef>
+            <a:fontRef idx="minor">
+              <a:schemeClr val="lt1"/>
+            </a:fontRef>
+          </p:style>
+          <p:txBody>
+            <a:bodyPr rtlCol="0" anchor="ctr"/>
+            <a:lstStyle/>
+            <a:p>
+              <a:pPr algn="ctr"/>
+              <a:endParaRPr lang="en-CA" sz="1200" dirty="0"/>
+            </a:p>
+          </p:txBody>
+        </p:sp>
+        <p:sp>
+          <p:nvSpPr>
+            <p:cNvPr id="74" name="Rectangle 73"/>
+            <p:cNvSpPr/>
+            <p:nvPr/>
+          </p:nvSpPr>
+          <p:spPr>
+            <a:xfrm>
+              <a:off x="774805" y="976079"/>
+              <a:ext cx="1008111" cy="314138"/>
+            </a:xfrm>
+            <a:prstGeom prst="rect">
+              <a:avLst/>
+            </a:prstGeom>
+            <a:gradFill>
+              <a:gsLst>
+                <a:gs pos="0">
+                  <a:schemeClr val="accent5">
+                    <a:lumMod val="75000"/>
+                  </a:schemeClr>
+                </a:gs>
+                <a:gs pos="100000">
+                  <a:schemeClr val="accent3"/>
+                </a:gs>
+              </a:gsLst>
+              <a:lin ang="5400000" scaled="0"/>
+            </a:gradFill>
+            <a:ln/>
+          </p:spPr>
+          <p:style>
+            <a:lnRef idx="3">
+              <a:schemeClr val="lt1"/>
+            </a:lnRef>
+            <a:fillRef idx="1">
+              <a:schemeClr val="accent3"/>
+            </a:fillRef>
+            <a:effectRef idx="1">
+              <a:schemeClr val="accent3"/>
+            </a:effectRef>
+            <a:fontRef idx="minor">
+              <a:schemeClr val="lt1"/>
+            </a:fontRef>
+          </p:style>
+          <p:txBody>
+            <a:bodyPr rtlCol="0" anchor="ctr"/>
+            <a:lstStyle/>
+            <a:p>
+              <a:pPr algn="ctr"/>
+              <a:r>
+                <a:rPr lang="en-CA" sz="1200" b="1" dirty="0" smtClean="0">
+                  <a:solidFill>
+                    <a:schemeClr val="bg1"/>
+                  </a:solidFill>
+                </a:rPr>
+                <a:t>EM Tracker</a:t>
+              </a:r>
+              <a:endParaRPr lang="en-CA" sz="1200" b="1" dirty="0">
+                <a:solidFill>
+                  <a:schemeClr val="bg1"/>
+                </a:solidFill>
+              </a:endParaRPr>
+            </a:p>
+          </p:txBody>
+        </p:sp>
+      </p:grpSp>
+      <p:sp>
+        <p:nvSpPr>
+          <p:cNvPr id="32" name="Rectangle 31"/>
+          <p:cNvSpPr/>
+          <p:nvPr/>
+        </p:nvSpPr>
+        <p:spPr>
+          <a:xfrm>
+            <a:off x="755576" y="2385133"/>
+            <a:ext cx="1008111" cy="283615"/>
+          </a:xfrm>
+          <a:prstGeom prst="rect">
+            <a:avLst/>
+          </a:prstGeom>
+          <a:gradFill>
+            <a:gsLst>
+              <a:gs pos="0">
+                <a:schemeClr val="accent5">
+                  <a:lumMod val="75000"/>
+                </a:schemeClr>
+              </a:gs>
+              <a:gs pos="100000">
+                <a:schemeClr val="accent3"/>
+              </a:gs>
+            </a:gsLst>
+            <a:lin ang="5400000" scaled="0"/>
+          </a:gradFill>
+          <a:ln/>
+        </p:spPr>
+        <p:style>
+          <a:lnRef idx="3">
+            <a:schemeClr val="lt1"/>
+          </a:lnRef>
+          <a:fillRef idx="1">
+            <a:schemeClr val="accent3"/>
+          </a:fillRef>
+          <a:effectRef idx="1">
+            <a:schemeClr val="accent3"/>
+          </a:effectRef>
+          <a:fontRef idx="minor">
+            <a:schemeClr val="lt1"/>
+          </a:fontRef>
+        </p:style>
+        <p:txBody>
+          <a:bodyPr rtlCol="0" anchor="ctr"/>
+          <a:lstStyle/>
+          <a:p>
+            <a:pPr algn="ctr"/>
+            <a:r>
+              <a:rPr lang="en-CA" sz="1200" b="1" dirty="0" smtClean="0">
+                <a:solidFill>
+                  <a:schemeClr val="bg1"/>
+                </a:solidFill>
+              </a:rPr>
+              <a:t>Ultrasound</a:t>
+            </a:r>
+            <a:endParaRPr lang="en-CA" sz="1200" b="1" dirty="0">
+              <a:solidFill>
+                <a:schemeClr val="bg1"/>
+              </a:solidFill>
+            </a:endParaRPr>
+          </a:p>
+        </p:txBody>
+      </p:sp>
+      <p:cxnSp>
+        <p:nvCxnSpPr>
+          <p:cNvPr id="53" name="Straight Connector 52"/>
+          <p:cNvCxnSpPr>
+            <a:stCxn id="46" idx="1"/>
+            <a:endCxn id="129" idx="3"/>
+          </p:cNvCxnSpPr>
+          <p:nvPr/>
+        </p:nvCxnSpPr>
+        <p:spPr>
+          <a:xfrm flipH="1">
+            <a:off x="2747027" y="1877232"/>
+            <a:ext cx="672846" cy="150070"/>
+          </a:xfrm>
+          <a:prstGeom prst="line">
+            <a:avLst/>
+          </a:prstGeom>
+          <a:ln w="31750">
+            <a:solidFill>
+              <a:schemeClr val="tx1"/>
+            </a:solidFill>
+            <a:prstDash val="solid"/>
+          </a:ln>
+        </p:spPr>
+        <p:style>
+          <a:lnRef idx="1">
+            <a:schemeClr val="accent1"/>
+          </a:lnRef>
+          <a:fillRef idx="0">
+            <a:schemeClr val="accent1"/>
+          </a:fillRef>
+          <a:effectRef idx="0">
+            <a:schemeClr val="accent1"/>
+          </a:effectRef>
+          <a:fontRef idx="minor">
+            <a:schemeClr val="tx1"/>
+          </a:fontRef>
+        </p:style>
+      </p:cxnSp>
+      <p:cxnSp>
+        <p:nvCxnSpPr>
+          <p:cNvPr id="54" name="Straight Connector 53"/>
+          <p:cNvCxnSpPr>
+            <a:stCxn id="46" idx="1"/>
+            <a:endCxn id="43" idx="3"/>
+          </p:cNvCxnSpPr>
+          <p:nvPr/>
+        </p:nvCxnSpPr>
+        <p:spPr>
+          <a:xfrm flipH="1">
+            <a:off x="3059832" y="1877232"/>
+            <a:ext cx="360041" cy="793725"/>
+          </a:xfrm>
+          <a:prstGeom prst="line">
+            <a:avLst/>
+          </a:prstGeom>
+          <a:ln w="31750">
+            <a:solidFill>
+              <a:schemeClr val="tx1"/>
+            </a:solidFill>
+            <a:prstDash val="solid"/>
+          </a:ln>
+        </p:spPr>
+        <p:style>
+          <a:lnRef idx="1">
+            <a:schemeClr val="accent1"/>
+          </a:lnRef>
+          <a:fillRef idx="0">
+            <a:schemeClr val="accent1"/>
+          </a:fillRef>
+          <a:effectRef idx="0">
+            <a:schemeClr val="accent1"/>
+          </a:effectRef>
+          <a:fontRef idx="minor">
+            <a:schemeClr val="tx1"/>
+          </a:fontRef>
+        </p:style>
+      </p:cxnSp>
+      <p:cxnSp>
+        <p:nvCxnSpPr>
+          <p:cNvPr id="57" name="Straight Connector 56"/>
+          <p:cNvCxnSpPr>
+            <a:stCxn id="47" idx="1"/>
+            <a:endCxn id="129" idx="3"/>
+          </p:cNvCxnSpPr>
+          <p:nvPr/>
+        </p:nvCxnSpPr>
+        <p:spPr>
+          <a:xfrm flipH="1" flipV="1">
+            <a:off x="2747027" y="2027302"/>
+            <a:ext cx="672845" cy="577700"/>
+          </a:xfrm>
+          <a:prstGeom prst="line">
+            <a:avLst/>
+          </a:prstGeom>
+          <a:ln w="31750">
+            <a:solidFill>
+              <a:schemeClr val="tx1"/>
+            </a:solidFill>
+            <a:prstDash val="solid"/>
+          </a:ln>
+        </p:spPr>
+        <p:style>
+          <a:lnRef idx="1">
+            <a:schemeClr val="accent1"/>
+          </a:lnRef>
+          <a:fillRef idx="0">
+            <a:schemeClr val="accent1"/>
+          </a:fillRef>
+          <a:effectRef idx="0">
+            <a:schemeClr val="accent1"/>
+          </a:effectRef>
+          <a:fontRef idx="minor">
+            <a:schemeClr val="tx1"/>
+          </a:fontRef>
+        </p:style>
+      </p:cxnSp>
+      <p:cxnSp>
+        <p:nvCxnSpPr>
+          <p:cNvPr id="60" name="Straight Connector 59"/>
+          <p:cNvCxnSpPr>
+            <a:stCxn id="47" idx="1"/>
+            <a:endCxn id="45" idx="3"/>
+          </p:cNvCxnSpPr>
+          <p:nvPr/>
+        </p:nvCxnSpPr>
+        <p:spPr>
+          <a:xfrm flipH="1">
+            <a:off x="3059832" y="2605002"/>
+            <a:ext cx="360040" cy="353987"/>
+          </a:xfrm>
+          <a:prstGeom prst="line">
+            <a:avLst/>
+          </a:prstGeom>
+          <a:ln w="31750">
+            <a:solidFill>
+              <a:schemeClr val="tx1"/>
+            </a:solidFill>
+            <a:prstDash val="solid"/>
+          </a:ln>
+        </p:spPr>
+        <p:style>
+          <a:lnRef idx="1">
+            <a:schemeClr val="accent1"/>
+          </a:lnRef>
+          <a:fillRef idx="0">
+            <a:schemeClr val="accent1"/>
+          </a:fillRef>
+          <a:effectRef idx="0">
+            <a:schemeClr val="accent1"/>
+          </a:effectRef>
+          <a:fontRef idx="minor">
+            <a:schemeClr val="tx1"/>
+          </a:fontRef>
+        </p:style>
+      </p:cxnSp>
+      <p:sp>
+        <p:nvSpPr>
+          <p:cNvPr id="43" name="Rectangle 42"/>
+          <p:cNvSpPr/>
+          <p:nvPr/>
+        </p:nvSpPr>
+        <p:spPr>
+          <a:xfrm>
+            <a:off x="1691680" y="2529149"/>
+            <a:ext cx="1368152" cy="283615"/>
+          </a:xfrm>
+          <a:prstGeom prst="rect">
+            <a:avLst/>
+          </a:prstGeom>
+          <a:solidFill>
+            <a:srgbClr val="33889F"/>
+          </a:solidFill>
+          <a:ln/>
+        </p:spPr>
+        <p:style>
+          <a:lnRef idx="3">
+            <a:schemeClr val="lt1"/>
+          </a:lnRef>
+          <a:fillRef idx="1">
+            <a:schemeClr val="accent5"/>
+          </a:fillRef>
+          <a:effectRef idx="1">
+            <a:schemeClr val="accent5"/>
+          </a:effectRef>
+          <a:fontRef idx="minor">
+            <a:schemeClr val="lt1"/>
+          </a:fontRef>
+        </p:style>
+        <p:txBody>
+          <a:bodyPr rtlCol="0" anchor="ctr"/>
+          <a:lstStyle/>
+          <a:p>
+            <a:pPr algn="ctr"/>
+            <a:r>
+              <a:rPr lang="en-CA" sz="1200" b="1" dirty="0" smtClean="0">
+                <a:solidFill>
+                  <a:schemeClr val="bg1"/>
+                </a:solidFill>
+              </a:rPr>
+              <a:t>B-mode Channel</a:t>
+            </a:r>
+          </a:p>
+        </p:txBody>
+      </p:sp>
+      <p:sp>
+        <p:nvSpPr>
+          <p:cNvPr id="129" name="Rectangle 128"/>
+          <p:cNvSpPr/>
+          <p:nvPr/>
+        </p:nvSpPr>
+        <p:spPr>
+          <a:xfrm>
+            <a:off x="1691680" y="1885494"/>
+            <a:ext cx="1055347" cy="283615"/>
+          </a:xfrm>
+          <a:prstGeom prst="rect">
+            <a:avLst/>
+          </a:prstGeom>
+          <a:solidFill>
+            <a:srgbClr val="33889F"/>
+          </a:solidFill>
+          <a:ln/>
+        </p:spPr>
+        <p:style>
+          <a:lnRef idx="3">
+            <a:schemeClr val="lt1"/>
+          </a:lnRef>
+          <a:fillRef idx="1">
+            <a:schemeClr val="accent5"/>
+          </a:fillRef>
+          <a:effectRef idx="1">
+            <a:schemeClr val="accent5"/>
+          </a:effectRef>
+          <a:fontRef idx="minor">
+            <a:schemeClr val="lt1"/>
+          </a:fontRef>
+        </p:style>
+        <p:txBody>
+          <a:bodyPr rtlCol="0" anchor="ctr"/>
+          <a:lstStyle/>
+          <a:p>
+            <a:pPr algn="ctr"/>
+            <a:r>
+              <a:rPr lang="en-CA" sz="1200" b="1" dirty="0" smtClean="0">
+                <a:solidFill>
+                  <a:schemeClr val="bg1"/>
+                </a:solidFill>
+              </a:rPr>
+              <a:t>Channel</a:t>
+            </a:r>
+          </a:p>
+        </p:txBody>
+      </p:sp>
+      <p:sp>
+        <p:nvSpPr>
+          <p:cNvPr id="45" name="Rectangle 44"/>
+          <p:cNvSpPr/>
+          <p:nvPr/>
+        </p:nvSpPr>
+        <p:spPr>
+          <a:xfrm>
+            <a:off x="1691680" y="2817181"/>
+            <a:ext cx="1368152" cy="283615"/>
+          </a:xfrm>
+          <a:prstGeom prst="rect">
+            <a:avLst/>
+          </a:prstGeom>
+          <a:solidFill>
+            <a:srgbClr val="33889F"/>
+          </a:solidFill>
+          <a:ln/>
+        </p:spPr>
+        <p:style>
+          <a:lnRef idx="3">
+            <a:schemeClr val="lt1"/>
+          </a:lnRef>
+          <a:fillRef idx="1">
+            <a:schemeClr val="accent5"/>
+          </a:fillRef>
+          <a:effectRef idx="1">
+            <a:schemeClr val="accent5"/>
+          </a:effectRef>
+          <a:fontRef idx="minor">
+            <a:schemeClr val="lt1"/>
+          </a:fontRef>
+        </p:style>
+        <p:txBody>
+          <a:bodyPr rtlCol="0" anchor="ctr"/>
+          <a:lstStyle/>
+          <a:p>
+            <a:pPr algn="ctr"/>
+            <a:r>
+              <a:rPr lang="en-CA" sz="1200" b="1" dirty="0" err="1" smtClean="0">
+                <a:solidFill>
+                  <a:schemeClr val="bg1"/>
+                </a:solidFill>
+              </a:rPr>
+              <a:t>Rf</a:t>
+            </a:r>
+            <a:r>
+              <a:rPr lang="en-CA" sz="1200" b="1" dirty="0" smtClean="0">
+                <a:solidFill>
+                  <a:schemeClr val="bg1"/>
+                </a:solidFill>
+              </a:rPr>
+              <a:t>-mode Channel</a:t>
+            </a:r>
+          </a:p>
+        </p:txBody>
+      </p:sp>
+      <p:cxnSp>
+        <p:nvCxnSpPr>
+          <p:cNvPr id="71" name="Straight Connector 70"/>
+          <p:cNvCxnSpPr>
+            <a:stCxn id="78" idx="3"/>
+            <a:endCxn id="63" idx="1"/>
+          </p:cNvCxnSpPr>
+          <p:nvPr/>
+        </p:nvCxnSpPr>
+        <p:spPr>
+          <a:xfrm flipV="1">
+            <a:off x="5267307" y="1878869"/>
+            <a:ext cx="384813" cy="216024"/>
+          </a:xfrm>
+          <a:prstGeom prst="line">
+            <a:avLst/>
+          </a:prstGeom>
+          <a:ln w="31750">
+            <a:solidFill>
+              <a:schemeClr val="tx1"/>
+            </a:solidFill>
+            <a:prstDash val="solid"/>
+          </a:ln>
+        </p:spPr>
+        <p:style>
+          <a:lnRef idx="1">
+            <a:schemeClr val="accent1"/>
+          </a:lnRef>
+          <a:fillRef idx="0">
+            <a:schemeClr val="accent1"/>
+          </a:fillRef>
+          <a:effectRef idx="0">
+            <a:schemeClr val="accent1"/>
+          </a:effectRef>
+          <a:fontRef idx="minor">
+            <a:schemeClr val="tx1"/>
+          </a:fontRef>
+        </p:style>
+      </p:cxnSp>
+      <p:sp>
+        <p:nvSpPr>
+          <p:cNvPr id="46" name="Rectangle 45"/>
+          <p:cNvSpPr/>
+          <p:nvPr/>
+        </p:nvSpPr>
+        <p:spPr>
+          <a:xfrm>
+            <a:off x="3419873" y="1737061"/>
+            <a:ext cx="1296143" cy="280341"/>
+          </a:xfrm>
+          <a:prstGeom prst="rect">
+            <a:avLst/>
+          </a:prstGeom>
+          <a:gradFill>
+            <a:gsLst>
+              <a:gs pos="0">
+                <a:schemeClr val="accent5">
+                  <a:lumMod val="75000"/>
+                </a:schemeClr>
+              </a:gs>
+              <a:gs pos="100000">
+                <a:schemeClr val="accent3"/>
+              </a:gs>
+            </a:gsLst>
+            <a:lin ang="5400000" scaled="0"/>
+          </a:gradFill>
+          <a:ln/>
+        </p:spPr>
+        <p:style>
+          <a:lnRef idx="3">
+            <a:schemeClr val="lt1"/>
+          </a:lnRef>
+          <a:fillRef idx="1">
+            <a:schemeClr val="accent3"/>
+          </a:fillRef>
+          <a:effectRef idx="1">
+            <a:schemeClr val="accent3"/>
+          </a:effectRef>
+          <a:fontRef idx="minor">
+            <a:schemeClr val="lt1"/>
+          </a:fontRef>
+        </p:style>
+        <p:txBody>
+          <a:bodyPr rtlCol="0" anchor="ctr"/>
+          <a:lstStyle/>
+          <a:p>
+            <a:pPr algn="ctr"/>
+            <a:r>
+              <a:rPr lang="en-CA" sz="1200" b="1" dirty="0" smtClean="0">
+                <a:solidFill>
+                  <a:schemeClr val="bg1"/>
+                </a:solidFill>
+              </a:rPr>
+              <a:t>B Virtual Mixer</a:t>
+            </a:r>
+            <a:endParaRPr lang="en-CA" sz="1200" b="1" dirty="0">
+              <a:solidFill>
+                <a:schemeClr val="bg1"/>
+              </a:solidFill>
+            </a:endParaRPr>
+          </a:p>
+        </p:txBody>
+      </p:sp>
+      <p:cxnSp>
+        <p:nvCxnSpPr>
+          <p:cNvPr id="75" name="Straight Connector 74"/>
+          <p:cNvCxnSpPr>
+            <a:stCxn id="67" idx="1"/>
+            <a:endCxn id="81" idx="3"/>
+          </p:cNvCxnSpPr>
+          <p:nvPr/>
+        </p:nvCxnSpPr>
+        <p:spPr>
+          <a:xfrm flipH="1" flipV="1">
+            <a:off x="5267307" y="2814973"/>
+            <a:ext cx="384813" cy="150070"/>
+          </a:xfrm>
+          <a:prstGeom prst="line">
+            <a:avLst/>
+          </a:prstGeom>
+          <a:ln w="31750">
+            <a:solidFill>
+              <a:schemeClr val="tx1"/>
+            </a:solidFill>
+            <a:prstDash val="solid"/>
+          </a:ln>
+        </p:spPr>
+        <p:style>
+          <a:lnRef idx="1">
+            <a:schemeClr val="accent1"/>
+          </a:lnRef>
+          <a:fillRef idx="0">
+            <a:schemeClr val="accent1"/>
+          </a:fillRef>
+          <a:effectRef idx="0">
+            <a:schemeClr val="accent1"/>
+          </a:effectRef>
+          <a:fontRef idx="minor">
+            <a:schemeClr val="tx1"/>
+          </a:fontRef>
+        </p:style>
+      </p:cxnSp>
+      <p:sp>
+        <p:nvSpPr>
+          <p:cNvPr id="47" name="Rectangle 46"/>
+          <p:cNvSpPr/>
+          <p:nvPr/>
+        </p:nvSpPr>
+        <p:spPr>
+          <a:xfrm>
+            <a:off x="3419872" y="2464831"/>
+            <a:ext cx="1296143" cy="280341"/>
+          </a:xfrm>
+          <a:prstGeom prst="rect">
+            <a:avLst/>
+          </a:prstGeom>
+          <a:gradFill>
+            <a:gsLst>
+              <a:gs pos="0">
+                <a:schemeClr val="accent5">
+                  <a:lumMod val="75000"/>
+                </a:schemeClr>
+              </a:gs>
+              <a:gs pos="100000">
+                <a:schemeClr val="accent3"/>
+              </a:gs>
+            </a:gsLst>
+            <a:lin ang="5400000" scaled="0"/>
+          </a:gradFill>
+          <a:ln/>
+        </p:spPr>
+        <p:style>
+          <a:lnRef idx="3">
+            <a:schemeClr val="lt1"/>
+          </a:lnRef>
+          <a:fillRef idx="1">
+            <a:schemeClr val="accent3"/>
+          </a:fillRef>
+          <a:effectRef idx="1">
+            <a:schemeClr val="accent3"/>
+          </a:effectRef>
+          <a:fontRef idx="minor">
+            <a:schemeClr val="lt1"/>
+          </a:fontRef>
+        </p:style>
+        <p:txBody>
+          <a:bodyPr rtlCol="0" anchor="ctr"/>
+          <a:lstStyle/>
+          <a:p>
+            <a:pPr algn="ctr"/>
+            <a:r>
+              <a:rPr lang="en-CA" sz="1200" b="1" dirty="0" err="1" smtClean="0">
+                <a:solidFill>
+                  <a:schemeClr val="bg1"/>
+                </a:solidFill>
+              </a:rPr>
+              <a:t>Rf</a:t>
+            </a:r>
+            <a:r>
+              <a:rPr lang="en-CA" sz="1200" b="1" dirty="0" smtClean="0">
+                <a:solidFill>
+                  <a:schemeClr val="bg1"/>
+                </a:solidFill>
+              </a:rPr>
+              <a:t> Virtual Mixer</a:t>
+            </a:r>
+            <a:endParaRPr lang="en-CA" sz="1200" b="1" dirty="0">
+              <a:solidFill>
+                <a:schemeClr val="bg1"/>
+              </a:solidFill>
+            </a:endParaRPr>
+          </a:p>
+        </p:txBody>
+      </p:sp>
+      <p:cxnSp>
+        <p:nvCxnSpPr>
+          <p:cNvPr id="88" name="Straight Connector 87"/>
+          <p:cNvCxnSpPr>
+            <a:stCxn id="83" idx="1"/>
+            <a:endCxn id="81" idx="3"/>
+          </p:cNvCxnSpPr>
+          <p:nvPr/>
+        </p:nvCxnSpPr>
+        <p:spPr>
+          <a:xfrm flipH="1">
+            <a:off x="5267307" y="2385133"/>
+            <a:ext cx="2137778" cy="429840"/>
+          </a:xfrm>
+          <a:prstGeom prst="line">
+            <a:avLst/>
+          </a:prstGeom>
+          <a:ln w="31750">
+            <a:solidFill>
+              <a:schemeClr val="tx1"/>
+            </a:solidFill>
+            <a:prstDash val="solid"/>
+          </a:ln>
+        </p:spPr>
+        <p:style>
+          <a:lnRef idx="1">
+            <a:schemeClr val="accent1"/>
+          </a:lnRef>
+          <a:fillRef idx="0">
+            <a:schemeClr val="accent1"/>
+          </a:fillRef>
+          <a:effectRef idx="0">
+            <a:schemeClr val="accent1"/>
+          </a:effectRef>
+          <a:fontRef idx="minor">
+            <a:schemeClr val="tx1"/>
+          </a:fontRef>
+        </p:style>
+      </p:cxnSp>
+      <p:sp>
+        <p:nvSpPr>
+          <p:cNvPr id="67" name="Rectangle 66"/>
+          <p:cNvSpPr/>
+          <p:nvPr/>
+        </p:nvSpPr>
+        <p:spPr>
+          <a:xfrm>
+            <a:off x="5652120" y="2824872"/>
+            <a:ext cx="1368152" cy="280341"/>
+          </a:xfrm>
+          <a:prstGeom prst="rect">
+            <a:avLst/>
+          </a:prstGeom>
+          <a:gradFill>
+            <a:gsLst>
+              <a:gs pos="0">
+                <a:schemeClr val="accent5">
+                  <a:lumMod val="75000"/>
+                </a:schemeClr>
+              </a:gs>
+              <a:gs pos="100000">
+                <a:schemeClr val="accent3"/>
+              </a:gs>
+            </a:gsLst>
+            <a:lin ang="5400000" scaled="0"/>
+          </a:gradFill>
+          <a:ln/>
+        </p:spPr>
+        <p:style>
+          <a:lnRef idx="3">
+            <a:schemeClr val="lt1"/>
+          </a:lnRef>
+          <a:fillRef idx="1">
+            <a:schemeClr val="accent3"/>
+          </a:fillRef>
+          <a:effectRef idx="1">
+            <a:schemeClr val="accent3"/>
+          </a:effectRef>
+          <a:fontRef idx="minor">
+            <a:schemeClr val="lt1"/>
+          </a:fontRef>
+        </p:style>
+        <p:txBody>
+          <a:bodyPr rtlCol="0" anchor="ctr"/>
+          <a:lstStyle/>
+          <a:p>
+            <a:pPr algn="ctr"/>
+            <a:r>
+              <a:rPr lang="en-CA" sz="1200" b="1" dirty="0" err="1" smtClean="0">
+                <a:solidFill>
+                  <a:schemeClr val="bg1"/>
+                </a:solidFill>
+              </a:rPr>
+              <a:t>Rf</a:t>
+            </a:r>
+            <a:r>
+              <a:rPr lang="en-CA" sz="1200" b="1" dirty="0" smtClean="0">
+                <a:solidFill>
+                  <a:schemeClr val="bg1"/>
+                </a:solidFill>
+              </a:rPr>
+              <a:t> Virtual Capture</a:t>
+            </a:r>
+            <a:endParaRPr lang="en-CA" sz="1200" b="1" dirty="0">
+              <a:solidFill>
+                <a:schemeClr val="bg1"/>
+              </a:solidFill>
+            </a:endParaRPr>
+          </a:p>
+        </p:txBody>
+      </p:sp>
+      <p:sp>
+        <p:nvSpPr>
+          <p:cNvPr id="63" name="Rectangle 62"/>
+          <p:cNvSpPr/>
+          <p:nvPr/>
+        </p:nvSpPr>
+        <p:spPr>
+          <a:xfrm>
+            <a:off x="5652120" y="1738698"/>
+            <a:ext cx="1296144" cy="280341"/>
+          </a:xfrm>
+          <a:prstGeom prst="rect">
+            <a:avLst/>
+          </a:prstGeom>
+          <a:gradFill>
+            <a:gsLst>
+              <a:gs pos="0">
+                <a:schemeClr val="accent5">
+                  <a:lumMod val="75000"/>
+                </a:schemeClr>
+              </a:gs>
+              <a:gs pos="100000">
+                <a:schemeClr val="accent3"/>
+              </a:gs>
+            </a:gsLst>
+            <a:lin ang="5400000" scaled="0"/>
+          </a:gradFill>
+          <a:ln/>
+        </p:spPr>
+        <p:style>
+          <a:lnRef idx="3">
+            <a:schemeClr val="lt1"/>
+          </a:lnRef>
+          <a:fillRef idx="1">
+            <a:schemeClr val="accent3"/>
+          </a:fillRef>
+          <a:effectRef idx="1">
+            <a:schemeClr val="accent3"/>
+          </a:effectRef>
+          <a:fontRef idx="minor">
+            <a:schemeClr val="lt1"/>
+          </a:fontRef>
+        </p:style>
+        <p:txBody>
+          <a:bodyPr rtlCol="0" anchor="ctr"/>
+          <a:lstStyle/>
+          <a:p>
+            <a:pPr algn="ctr"/>
+            <a:r>
+              <a:rPr lang="en-CA" sz="1200" b="1" dirty="0" smtClean="0">
+                <a:solidFill>
+                  <a:schemeClr val="bg1"/>
+                </a:solidFill>
+              </a:rPr>
+              <a:t>B Virtual Capture</a:t>
+            </a:r>
+            <a:endParaRPr lang="en-CA" sz="1200" b="1" dirty="0">
+              <a:solidFill>
+                <a:schemeClr val="bg1"/>
+              </a:solidFill>
+            </a:endParaRPr>
+          </a:p>
+        </p:txBody>
+      </p:sp>
+      <p:sp>
+        <p:nvSpPr>
+          <p:cNvPr id="91" name="TextBox 90"/>
+          <p:cNvSpPr txBox="1"/>
+          <p:nvPr/>
+        </p:nvSpPr>
+        <p:spPr>
+          <a:xfrm>
+            <a:off x="4142177" y="3537261"/>
+            <a:ext cx="825867" cy="276999"/>
+          </a:xfrm>
+          <a:prstGeom prst="rect">
+            <a:avLst/>
+          </a:prstGeom>
+          <a:noFill/>
+        </p:spPr>
+        <p:txBody>
+          <a:bodyPr wrap="none" rtlCol="0">
+            <a:spAutoFit/>
+          </a:bodyPr>
+          <a:lstStyle/>
+          <a:p>
+            <a:pPr algn="r"/>
+            <a:r>
+              <a:rPr lang="en-CA" sz="1200" b="1" dirty="0" smtClean="0"/>
+              <a:t>Data Flow</a:t>
+            </a:r>
+          </a:p>
+        </p:txBody>
+      </p:sp>
+      <p:cxnSp>
+        <p:nvCxnSpPr>
+          <p:cNvPr id="80" name="Straight Arrow Connector 79"/>
+          <p:cNvCxnSpPr/>
+          <p:nvPr/>
+        </p:nvCxnSpPr>
+        <p:spPr>
+          <a:xfrm>
+            <a:off x="3311860" y="3465253"/>
+            <a:ext cx="2484276" cy="0"/>
+          </a:xfrm>
+          <a:prstGeom prst="straightConnector1">
+            <a:avLst/>
+          </a:prstGeom>
+          <a:ln w="19050">
+            <a:solidFill>
+              <a:schemeClr val="tx1"/>
+            </a:solidFill>
+            <a:tailEnd type="arrow"/>
+          </a:ln>
+        </p:spPr>
+        <p:style>
+          <a:lnRef idx="1">
+            <a:schemeClr val="accent1"/>
+          </a:lnRef>
+          <a:fillRef idx="0">
+            <a:schemeClr val="accent1"/>
+          </a:fillRef>
+          <a:effectRef idx="0">
+            <a:schemeClr val="accent1"/>
+          </a:effectRef>
+          <a:fontRef idx="minor">
+            <a:schemeClr val="tx1"/>
+          </a:fontRef>
+        </p:style>
+      </p:cxnSp>
+      <p:cxnSp>
+        <p:nvCxnSpPr>
+          <p:cNvPr id="84" name="Straight Connector 83"/>
+          <p:cNvCxnSpPr>
+            <a:stCxn id="83" idx="1"/>
+            <a:endCxn id="78" idx="3"/>
+          </p:cNvCxnSpPr>
+          <p:nvPr/>
+        </p:nvCxnSpPr>
+        <p:spPr>
+          <a:xfrm flipH="1" flipV="1">
+            <a:off x="5267307" y="2094893"/>
+            <a:ext cx="2137778" cy="290240"/>
+          </a:xfrm>
+          <a:prstGeom prst="line">
+            <a:avLst/>
+          </a:prstGeom>
+          <a:ln w="31750">
+            <a:solidFill>
+              <a:schemeClr val="tx1"/>
+            </a:solidFill>
+            <a:prstDash val="solid"/>
+          </a:ln>
+        </p:spPr>
+        <p:style>
+          <a:lnRef idx="1">
+            <a:schemeClr val="accent1"/>
+          </a:lnRef>
+          <a:fillRef idx="0">
+            <a:schemeClr val="accent1"/>
+          </a:fillRef>
+          <a:effectRef idx="0">
+            <a:schemeClr val="accent1"/>
+          </a:effectRef>
+          <a:fontRef idx="minor">
+            <a:schemeClr val="tx1"/>
+          </a:fontRef>
+        </p:style>
+      </p:cxnSp>
+      <p:sp>
+        <p:nvSpPr>
+          <p:cNvPr id="78" name="Rectangle 77"/>
+          <p:cNvSpPr/>
+          <p:nvPr/>
+        </p:nvSpPr>
+        <p:spPr>
+          <a:xfrm>
+            <a:off x="4211960" y="1953085"/>
+            <a:ext cx="1055347" cy="283615"/>
+          </a:xfrm>
+          <a:prstGeom prst="rect">
+            <a:avLst/>
+          </a:prstGeom>
+          <a:solidFill>
+            <a:srgbClr val="33889F"/>
+          </a:solidFill>
+          <a:ln/>
+        </p:spPr>
+        <p:style>
+          <a:lnRef idx="3">
+            <a:schemeClr val="lt1"/>
+          </a:lnRef>
+          <a:fillRef idx="1">
+            <a:schemeClr val="accent5"/>
+          </a:fillRef>
+          <a:effectRef idx="1">
+            <a:schemeClr val="accent5"/>
+          </a:effectRef>
+          <a:fontRef idx="minor">
+            <a:schemeClr val="lt1"/>
+          </a:fontRef>
+        </p:style>
+        <p:txBody>
+          <a:bodyPr rtlCol="0" anchor="ctr"/>
+          <a:lstStyle/>
+          <a:p>
+            <a:pPr algn="ctr"/>
+            <a:r>
+              <a:rPr lang="en-CA" sz="1200" b="1" dirty="0" smtClean="0">
+                <a:solidFill>
+                  <a:schemeClr val="bg1"/>
+                </a:solidFill>
+              </a:rPr>
+              <a:t>Channel</a:t>
+            </a:r>
+          </a:p>
+        </p:txBody>
+      </p:sp>
+      <p:sp>
+        <p:nvSpPr>
+          <p:cNvPr id="81" name="Rectangle 80"/>
+          <p:cNvSpPr/>
+          <p:nvPr/>
+        </p:nvSpPr>
+        <p:spPr>
+          <a:xfrm>
+            <a:off x="4211960" y="2673165"/>
+            <a:ext cx="1055347" cy="283615"/>
+          </a:xfrm>
+          <a:prstGeom prst="rect">
+            <a:avLst/>
+          </a:prstGeom>
+          <a:solidFill>
+            <a:schemeClr val="accent5">
+              <a:lumMod val="75000"/>
+            </a:schemeClr>
+          </a:solidFill>
+          <a:ln/>
+        </p:spPr>
+        <p:style>
+          <a:lnRef idx="3">
+            <a:schemeClr val="lt1"/>
+          </a:lnRef>
+          <a:fillRef idx="1">
+            <a:schemeClr val="accent5"/>
+          </a:fillRef>
+          <a:effectRef idx="1">
+            <a:schemeClr val="accent5"/>
+          </a:effectRef>
+          <a:fontRef idx="minor">
+            <a:schemeClr val="lt1"/>
+          </a:fontRef>
+        </p:style>
+        <p:txBody>
+          <a:bodyPr rtlCol="0" anchor="ctr"/>
+          <a:lstStyle/>
+          <a:p>
+            <a:pPr algn="ctr"/>
+            <a:r>
+              <a:rPr lang="en-CA" sz="1200" b="1" dirty="0" smtClean="0">
+                <a:solidFill>
+                  <a:schemeClr val="bg1"/>
+                </a:solidFill>
+              </a:rPr>
+              <a:t>Channel</a:t>
+            </a:r>
+          </a:p>
+        </p:txBody>
+      </p:sp>
+      <p:sp>
+        <p:nvSpPr>
+          <p:cNvPr id="83" name="Rectangle 82"/>
+          <p:cNvSpPr/>
+          <p:nvPr/>
+        </p:nvSpPr>
+        <p:spPr>
+          <a:xfrm>
+            <a:off x="7405085" y="2169109"/>
+            <a:ext cx="1343379" cy="432048"/>
+          </a:xfrm>
+          <a:prstGeom prst="rect">
+            <a:avLst/>
+          </a:prstGeom>
+          <a:solidFill>
+            <a:srgbClr val="33889F"/>
+          </a:solidFill>
+          <a:ln/>
+        </p:spPr>
+        <p:style>
+          <a:lnRef idx="3">
+            <a:schemeClr val="lt1"/>
+          </a:lnRef>
+          <a:fillRef idx="1">
+            <a:schemeClr val="accent5"/>
+          </a:fillRef>
+          <a:effectRef idx="1">
+            <a:schemeClr val="accent5"/>
+          </a:effectRef>
+          <a:fontRef idx="minor">
+            <a:schemeClr val="lt1"/>
+          </a:fontRef>
+        </p:style>
+        <p:txBody>
+          <a:bodyPr rtlCol="0" anchor="ctr"/>
+          <a:lstStyle/>
+          <a:p>
+            <a:pPr algn="ctr"/>
+            <a:r>
+              <a:rPr lang="en-CA" sz="1200" b="1" dirty="0" smtClean="0">
+                <a:solidFill>
+                  <a:schemeClr val="bg1"/>
+                </a:solidFill>
+              </a:rPr>
+              <a:t>Visualization Client</a:t>
+            </a:r>
+          </a:p>
+        </p:txBody>
+      </p:sp>
+      <p:sp>
+        <p:nvSpPr>
+          <p:cNvPr id="90" name="TextBox 89"/>
+          <p:cNvSpPr txBox="1"/>
+          <p:nvPr/>
+        </p:nvSpPr>
+        <p:spPr>
+          <a:xfrm>
+            <a:off x="467544" y="3933056"/>
+            <a:ext cx="8424936" cy="1938992"/>
+          </a:xfrm>
+          <a:prstGeom prst="rect">
+            <a:avLst/>
+          </a:prstGeom>
+          <a:noFill/>
+        </p:spPr>
+        <p:txBody>
+          <a:bodyPr wrap="square" rtlCol="0">
+            <a:spAutoFit/>
+          </a:bodyPr>
+          <a:lstStyle/>
+          <a:p>
+            <a:pPr marL="285750" indent="-285750">
+              <a:buFont typeface="Arial" pitchFamily="34" charset="0"/>
+              <a:buChar char="•"/>
+            </a:pPr>
+            <a:r>
+              <a:rPr lang="en-US" sz="2400" dirty="0" smtClean="0"/>
+              <a:t>Devices are the creation point of data</a:t>
+            </a:r>
+          </a:p>
+          <a:p>
+            <a:pPr marL="742950" lvl="1" indent="-285750">
+              <a:buFont typeface="Arial" pitchFamily="34" charset="0"/>
+              <a:buChar char="•"/>
+            </a:pPr>
+            <a:r>
+              <a:rPr lang="en-US" sz="2400" dirty="0" smtClean="0"/>
+              <a:t>Recorded data from world</a:t>
+            </a:r>
+          </a:p>
+          <a:p>
+            <a:pPr marL="742950" lvl="1" indent="-285750">
+              <a:buFont typeface="Arial" pitchFamily="34" charset="0"/>
+              <a:buChar char="•"/>
+            </a:pPr>
+            <a:r>
+              <a:rPr lang="en-US" sz="2400" dirty="0" smtClean="0"/>
+              <a:t>Simulated data, processed data</a:t>
+            </a:r>
+          </a:p>
+          <a:p>
+            <a:pPr marL="285750" indent="-285750">
+              <a:buFont typeface="Arial" pitchFamily="34" charset="0"/>
+              <a:buChar char="•"/>
+            </a:pPr>
+            <a:r>
+              <a:rPr lang="en-US" sz="2400" dirty="0" smtClean="0"/>
+              <a:t>Channels are the communication point between devices</a:t>
+            </a:r>
+          </a:p>
+          <a:p>
+            <a:pPr marL="742950" lvl="1" indent="-285750">
+              <a:buFont typeface="Arial" pitchFamily="34" charset="0"/>
+              <a:buChar char="•"/>
+            </a:pPr>
+            <a:r>
+              <a:rPr lang="en-US" sz="2400" dirty="0" smtClean="0"/>
+              <a:t>Outputs tracked frames for client consumption</a:t>
+            </a:r>
+          </a:p>
+        </p:txBody>
+      </p:sp>
+    </p:spTree>
+    <p:extLst>
+      <p:ext uri="{BB962C8B-B14F-4D97-AF65-F5344CB8AC3E}">
+        <p14:creationId xmlns:p14="http://schemas.microsoft.com/office/powerpoint/2010/main" val="1845245203"/>
+      </p:ext>
+    </p:extLst>
+  </p:cSld>
+  <p:clrMapOvr>
+    <a:masterClrMapping/>
+  </p:clrMapOvr>
+  <mc:AlternateContent xmlns:mc="http://schemas.openxmlformats.org/markup-compatibility/2006" xmlns:p14="http://schemas.microsoft.com/office/powerpoint/2010/main">
+    <mc:Choice Requires="p14">
+      <p:transition spd="slow" p14:dur="2000" advTm="3263"/>
+    </mc:Choice>
+    <mc:Fallback xmlns="">
+      <p:transition spd="slow" advTm="3263"/>
+    </mc:Fallback>
+  </mc:AlternateContent>
   <p:timing>
     <p:tnLst>
       <p:par>
@@ -10185,6 +12837,491 @@
       </p:grpSpPr>
       <p:sp>
         <p:nvSpPr>
+          <p:cNvPr id="5" name="Footer Placeholder 4"/>
+          <p:cNvSpPr>
+            <a:spLocks noGrp="1"/>
+          </p:cNvSpPr>
+          <p:nvPr>
+            <p:ph type="ftr" sz="quarter" idx="11"/>
+          </p:nvPr>
+        </p:nvSpPr>
+        <p:spPr/>
+        <p:txBody>
+          <a:bodyPr/>
+          <a:lstStyle/>
+          <a:p>
+            <a:r>
+              <a:rPr lang="en-US" dirty="0" smtClean="0"/>
+              <a:t>Laboratory for Percutaneous Surgery (The Perk Lab) – Copyright © Queen’s University, 2012</a:t>
+            </a:r>
+          </a:p>
+        </p:txBody>
+      </p:sp>
+      <p:sp>
+        <p:nvSpPr>
+          <p:cNvPr id="7" name="TextBox 6"/>
+          <p:cNvSpPr txBox="1"/>
+          <p:nvPr/>
+        </p:nvSpPr>
+        <p:spPr>
+          <a:xfrm>
+            <a:off x="611560" y="3379926"/>
+            <a:ext cx="7842403" cy="2923877"/>
+          </a:xfrm>
+          <a:prstGeom prst="rect">
+            <a:avLst/>
+          </a:prstGeom>
+          <a:noFill/>
+        </p:spPr>
+        <p:txBody>
+          <a:bodyPr wrap="none">
+            <a:spAutoFit/>
+          </a:bodyPr>
+          <a:lstStyle/>
+          <a:p>
+            <a:pPr>
+              <a:spcBef>
+                <a:spcPts val="600"/>
+              </a:spcBef>
+              <a:spcAft>
+                <a:spcPts val="600"/>
+              </a:spcAft>
+              <a:tabLst>
+                <a:tab pos="1257300" algn="l"/>
+              </a:tabLst>
+              <a:defRPr/>
+            </a:pPr>
+            <a:r>
+              <a:rPr lang="en-US" sz="2400" b="1" dirty="0" smtClean="0"/>
+              <a:t>PLUS: </a:t>
+            </a:r>
+            <a:r>
+              <a:rPr lang="en-US" sz="2400" b="1" dirty="0"/>
+              <a:t>	</a:t>
+            </a:r>
+            <a:r>
+              <a:rPr lang="en-US" sz="2400" b="1" dirty="0" smtClean="0"/>
+              <a:t>	</a:t>
+            </a:r>
+            <a:r>
+              <a:rPr lang="en-CA" sz="2400" b="1" dirty="0" smtClean="0">
+                <a:hlinkClick r:id="rId2"/>
+              </a:rPr>
+              <a:t>https</a:t>
+            </a:r>
+            <a:r>
+              <a:rPr lang="en-CA" sz="2400" b="1" dirty="0">
+                <a:hlinkClick r:id="rId2"/>
+              </a:rPr>
+              <a:t>://</a:t>
+            </a:r>
+            <a:r>
+              <a:rPr lang="en-CA" sz="2400" b="1" dirty="0" smtClean="0">
+                <a:hlinkClick r:id="rId2"/>
+              </a:rPr>
+              <a:t>www.assembla.com/spaces/plus</a:t>
+            </a:r>
+            <a:r>
+              <a:rPr lang="en-CA" sz="2400" dirty="0"/>
+              <a:t> </a:t>
+            </a:r>
+            <a:endParaRPr lang="en-CA" sz="2400" dirty="0" smtClean="0"/>
+          </a:p>
+          <a:p>
+            <a:pPr>
+              <a:spcBef>
+                <a:spcPts val="600"/>
+              </a:spcBef>
+              <a:spcAft>
+                <a:spcPts val="600"/>
+              </a:spcAft>
+              <a:tabLst>
+                <a:tab pos="1257300" algn="l"/>
+              </a:tabLst>
+              <a:defRPr/>
+            </a:pPr>
+            <a:r>
+              <a:rPr lang="en-CA" sz="2400" dirty="0" smtClean="0"/>
+              <a:t>Source code, binary releases, documentations, tutorials, etc.</a:t>
+            </a:r>
+          </a:p>
+          <a:p>
+            <a:pPr>
+              <a:spcBef>
+                <a:spcPts val="600"/>
+              </a:spcBef>
+              <a:spcAft>
+                <a:spcPts val="600"/>
+              </a:spcAft>
+              <a:tabLst>
+                <a:tab pos="1257300" algn="l"/>
+              </a:tabLst>
+              <a:defRPr/>
+            </a:pPr>
+            <a:r>
+              <a:rPr lang="en-US" sz="2400" b="1" dirty="0" smtClean="0"/>
+              <a:t>Slicer IGT: 	</a:t>
+            </a:r>
+            <a:r>
+              <a:rPr lang="en-CA" sz="2400" b="1" dirty="0" smtClean="0">
+                <a:hlinkClick r:id="rId3"/>
+              </a:rPr>
+              <a:t>https</a:t>
+            </a:r>
+            <a:r>
+              <a:rPr lang="en-CA" sz="2400" b="1" dirty="0">
+                <a:hlinkClick r:id="rId3"/>
+              </a:rPr>
+              <a:t>://</a:t>
+            </a:r>
+            <a:r>
+              <a:rPr lang="en-CA" sz="2400" b="1" dirty="0" smtClean="0">
+                <a:hlinkClick r:id="rId3"/>
+              </a:rPr>
+              <a:t>www.assembla.com/spaces/SlicerIGT</a:t>
+            </a:r>
+            <a:endParaRPr lang="en-CA" sz="2400" b="1" dirty="0" smtClean="0"/>
+          </a:p>
+          <a:p>
+            <a:pPr>
+              <a:spcBef>
+                <a:spcPts val="600"/>
+              </a:spcBef>
+              <a:spcAft>
+                <a:spcPts val="600"/>
+              </a:spcAft>
+              <a:tabLst>
+                <a:tab pos="1257300" algn="l"/>
+              </a:tabLst>
+              <a:defRPr/>
+            </a:pPr>
+            <a:r>
+              <a:rPr lang="en-CA" sz="2400" dirty="0" smtClean="0"/>
+              <a:t>3D Slicer extensions for additional visualization and analysis.</a:t>
+            </a:r>
+            <a:r>
+              <a:rPr lang="en-CA" sz="2400" b="1" dirty="0" smtClean="0"/>
+              <a:t> </a:t>
+            </a:r>
+            <a:endParaRPr lang="en-US" sz="2400" b="1" dirty="0" smtClean="0"/>
+          </a:p>
+          <a:p>
+            <a:pPr>
+              <a:spcBef>
+                <a:spcPts val="600"/>
+              </a:spcBef>
+              <a:spcAft>
+                <a:spcPts val="600"/>
+              </a:spcAft>
+              <a:tabLst>
+                <a:tab pos="1257300" algn="l"/>
+              </a:tabLst>
+              <a:defRPr/>
+            </a:pPr>
+            <a:r>
+              <a:rPr lang="en-US" sz="2400" b="1" dirty="0" smtClean="0"/>
+              <a:t>Contact</a:t>
+            </a:r>
+            <a:r>
+              <a:rPr lang="en-US" sz="2400" dirty="0" smtClean="0"/>
+              <a:t>:</a:t>
+            </a:r>
+            <a:r>
+              <a:rPr lang="en-US" sz="2400" dirty="0"/>
+              <a:t>	</a:t>
+            </a:r>
+            <a:r>
+              <a:rPr lang="en-US" sz="2400" dirty="0" smtClean="0"/>
+              <a:t>	Andras Lasso (lasso@cs.queensu.ca)</a:t>
+            </a:r>
+            <a:br>
+              <a:rPr lang="en-US" sz="2400" dirty="0" smtClean="0"/>
+            </a:br>
+            <a:r>
+              <a:rPr lang="en-US" sz="2400" dirty="0" smtClean="0"/>
+              <a:t>		</a:t>
+            </a:r>
+            <a:r>
+              <a:rPr lang="en-US" sz="2400" b="1" dirty="0" smtClean="0">
+                <a:hlinkClick r:id="rId4"/>
+              </a:rPr>
+              <a:t>http</a:t>
+            </a:r>
+            <a:r>
+              <a:rPr lang="en-US" sz="2400" b="1" dirty="0">
+                <a:hlinkClick r:id="rId4"/>
+              </a:rPr>
+              <a:t>://</a:t>
+            </a:r>
+            <a:r>
+              <a:rPr lang="en-US" sz="2400" b="1" dirty="0" smtClean="0">
+                <a:hlinkClick r:id="rId4"/>
+              </a:rPr>
+              <a:t>perk.cs.queensu.ca</a:t>
+            </a:r>
+            <a:endParaRPr lang="en-US" sz="2400" b="1" dirty="0"/>
+          </a:p>
+        </p:txBody>
+      </p:sp>
+      <p:sp>
+        <p:nvSpPr>
+          <p:cNvPr id="8" name="Title 1"/>
+          <p:cNvSpPr txBox="1">
+            <a:spLocks/>
+          </p:cNvSpPr>
+          <p:nvPr/>
+        </p:nvSpPr>
+        <p:spPr>
+          <a:xfrm>
+            <a:off x="457200" y="260648"/>
+            <a:ext cx="8229600" cy="922114"/>
+          </a:xfrm>
+          <a:prstGeom prst="rect">
+            <a:avLst/>
+          </a:prstGeom>
+        </p:spPr>
+        <p:txBody>
+          <a:bodyPr/>
+          <a:lstStyle>
+            <a:lvl1pPr algn="ctr" defTabSz="914400" rtl="0" eaLnBrk="1" latinLnBrk="0" hangingPunct="1">
+              <a:spcBef>
+                <a:spcPct val="0"/>
+              </a:spcBef>
+              <a:buNone/>
+              <a:defRPr sz="4400" kern="1200">
+                <a:solidFill>
+                  <a:srgbClr val="800000"/>
+                </a:solidFill>
+                <a:latin typeface="+mj-lt"/>
+                <a:ea typeface="+mj-ea"/>
+                <a:cs typeface="+mj-cs"/>
+              </a:defRPr>
+            </a:lvl1pPr>
+          </a:lstStyle>
+          <a:p>
+            <a:r>
+              <a:rPr lang="en-CA" dirty="0" smtClean="0"/>
+              <a:t>Thank you!</a:t>
+            </a:r>
+            <a:endParaRPr lang="en-CA" dirty="0"/>
+          </a:p>
+        </p:txBody>
+      </p:sp>
+      <p:pic>
+        <p:nvPicPr>
+          <p:cNvPr id="9" name="Picture 2"/>
+          <p:cNvPicPr>
+            <a:picLocks noChangeAspect="1" noChangeArrowheads="1"/>
+          </p:cNvPicPr>
+          <p:nvPr/>
+        </p:nvPicPr>
+        <p:blipFill rotWithShape="1">
+          <a:blip r:embed="rId5" cstate="print">
+            <a:extLst>
+              <a:ext uri="{28A0092B-C50C-407E-A947-70E740481C1C}">
+                <a14:useLocalDpi xmlns:a14="http://schemas.microsoft.com/office/drawing/2010/main"/>
+              </a:ext>
+            </a:extLst>
+          </a:blip>
+          <a:srcRect/>
+          <a:stretch/>
+        </p:blipFill>
+        <p:spPr bwMode="auto">
+          <a:xfrm>
+            <a:off x="4961497" y="1154116"/>
+            <a:ext cx="3138895" cy="1959956"/>
+          </a:xfrm>
+          <a:prstGeom prst="rect">
+            <a:avLst/>
+          </a:prstGeom>
+          <a:noFill/>
+          <a:effectLst>
+            <a:outerShdw blurRad="50800" dist="38100" dir="2700000" sx="102000" sy="102000" algn="tl" rotWithShape="0">
+              <a:prstClr val="black">
+                <a:alpha val="46000"/>
+              </a:prstClr>
+            </a:outerShdw>
+          </a:effectLst>
+          <a:extLst>
+            <a:ext uri="{909E8E84-426E-40DD-AFC4-6F175D3DCCD1}">
+              <a14:hiddenFill xmlns:a14="http://schemas.microsoft.com/office/drawing/2010/main">
+                <a:solidFill>
+                  <a:schemeClr val="accent1"/>
+                </a:solidFill>
+              </a14:hiddenFill>
+            </a:ext>
+            <a:ext uri="{91240B29-F687-4F45-9708-019B960494DF}">
+              <a14:hiddenLine xmlns:a14="http://schemas.microsoft.com/office/drawing/2010/main" w="9525">
+                <a:solidFill>
+                  <a:schemeClr val="tx1"/>
+                </a:solidFill>
+                <a:miter lim="800000"/>
+                <a:headEnd/>
+                <a:tailEnd/>
+              </a14:hiddenLine>
+            </a:ext>
+          </a:extLst>
+        </p:spPr>
+      </p:pic>
+      <p:pic>
+        <p:nvPicPr>
+          <p:cNvPr id="12" name="Picture 5"/>
+          <p:cNvPicPr>
+            <a:picLocks noChangeAspect="1" noChangeArrowheads="1"/>
+          </p:cNvPicPr>
+          <p:nvPr/>
+        </p:nvPicPr>
+        <p:blipFill>
+          <a:blip r:embed="rId6" cstate="print">
+            <a:extLst>
+              <a:ext uri="{28A0092B-C50C-407E-A947-70E740481C1C}">
+                <a14:useLocalDpi xmlns:a14="http://schemas.microsoft.com/office/drawing/2010/main" val="0"/>
+              </a:ext>
+            </a:extLst>
+          </a:blip>
+          <a:srcRect/>
+          <a:stretch>
+            <a:fillRect/>
+          </a:stretch>
+        </p:blipFill>
+        <p:spPr bwMode="auto">
+          <a:xfrm>
+            <a:off x="891908" y="1154116"/>
+            <a:ext cx="3608084" cy="1957386"/>
+          </a:xfrm>
+          <a:prstGeom prst="rect">
+            <a:avLst/>
+          </a:prstGeom>
+          <a:noFill/>
+          <a:effectLst>
+            <a:outerShdw blurRad="50800" dist="38100" dir="2700000" sx="102000" sy="102000" algn="tl" rotWithShape="0">
+              <a:prstClr val="black">
+                <a:alpha val="46000"/>
+              </a:prstClr>
+            </a:outerShdw>
+          </a:effectLst>
+          <a:extLst>
+            <a:ext uri="{909E8E84-426E-40DD-AFC4-6F175D3DCCD1}">
+              <a14:hiddenFill xmlns:a14="http://schemas.microsoft.com/office/drawing/2010/main">
+                <a:solidFill>
+                  <a:schemeClr val="accent1"/>
+                </a:solidFill>
+              </a14:hiddenFill>
+            </a:ext>
+            <a:ext uri="{91240B29-F687-4F45-9708-019B960494DF}">
+              <a14:hiddenLine xmlns:a14="http://schemas.microsoft.com/office/drawing/2010/main" w="9525">
+                <a:solidFill>
+                  <a:schemeClr val="tx1"/>
+                </a:solidFill>
+                <a:miter lim="800000"/>
+                <a:headEnd/>
+                <a:tailEnd/>
+              </a14:hiddenLine>
+            </a:ext>
+          </a:extLst>
+        </p:spPr>
+      </p:pic>
+    </p:spTree>
+    <p:extLst>
+      <p:ext uri="{BB962C8B-B14F-4D97-AF65-F5344CB8AC3E}">
+        <p14:creationId xmlns:p14="http://schemas.microsoft.com/office/powerpoint/2010/main" val="172801846"/>
+      </p:ext>
+    </p:extLst>
+  </p:cSld>
+  <p:clrMapOvr>
+    <a:masterClrMapping/>
+  </p:clrMapOvr>
+  <p:timing>
+    <p:tnLst>
+      <p:par>
+        <p:cTn id="1" dur="indefinite" restart="never" nodeType="tmRoot"/>
+      </p:par>
+    </p:tnLst>
+  </p:timing>
+</p:sld>
+</file>
+
+<file path=ppt/slides/slide21.xml><?xml version="1.0" encoding="utf-8"?>
+<p:sld xmlns:a="http://schemas.openxmlformats.org/drawingml/2006/main" xmlns:r="http://schemas.openxmlformats.org/officeDocument/2006/relationships" xmlns:p="http://schemas.openxmlformats.org/presentationml/2006/main">
+  <p:cSld>
+    <p:spTree>
+      <p:nvGrpSpPr>
+        <p:cNvPr id="1" name=""/>
+        <p:cNvGrpSpPr/>
+        <p:nvPr/>
+      </p:nvGrpSpPr>
+      <p:grpSpPr>
+        <a:xfrm>
+          <a:off x="0" y="0"/>
+          <a:ext cx="0" cy="0"/>
+          <a:chOff x="0" y="0"/>
+          <a:chExt cx="0" cy="0"/>
+        </a:xfrm>
+      </p:grpSpPr>
+      <p:sp>
+        <p:nvSpPr>
+          <p:cNvPr id="2" name="Title 1"/>
+          <p:cNvSpPr>
+            <a:spLocks noGrp="1"/>
+          </p:cNvSpPr>
+          <p:nvPr>
+            <p:ph type="title"/>
+          </p:nvPr>
+        </p:nvSpPr>
+        <p:spPr/>
+        <p:txBody>
+          <a:bodyPr>
+            <a:normAutofit/>
+          </a:bodyPr>
+          <a:lstStyle/>
+          <a:p>
+            <a:r>
+              <a:rPr lang="en-CA" dirty="0" smtClean="0"/>
+              <a:t>Appendix</a:t>
+            </a:r>
+            <a:endParaRPr lang="en-CA" dirty="0"/>
+          </a:p>
+        </p:txBody>
+      </p:sp>
+    </p:spTree>
+    <p:extLst>
+      <p:ext uri="{BB962C8B-B14F-4D97-AF65-F5344CB8AC3E}">
+        <p14:creationId xmlns:p14="http://schemas.microsoft.com/office/powerpoint/2010/main" val="3998015071"/>
+      </p:ext>
+    </p:extLst>
+  </p:cSld>
+  <p:clrMapOvr>
+    <a:masterClrMapping/>
+  </p:clrMapOvr>
+  <p:timing>
+    <p:tnLst>
+      <p:par>
+        <p:cTn id="1" dur="indefinite" restart="never" nodeType="tmRoot"/>
+      </p:par>
+    </p:tnLst>
+  </p:timing>
+</p:sld>
+</file>
+
+<file path=ppt/slides/slide22.xml><?xml version="1.0" encoding="utf-8"?>
+<p:sld xmlns:a="http://schemas.openxmlformats.org/drawingml/2006/main" xmlns:r="http://schemas.openxmlformats.org/officeDocument/2006/relationships" xmlns:p="http://schemas.openxmlformats.org/presentationml/2006/main">
+  <p:cSld>
+    <p:spTree>
+      <p:nvGrpSpPr>
+        <p:cNvPr id="1" name=""/>
+        <p:cNvGrpSpPr/>
+        <p:nvPr/>
+      </p:nvGrpSpPr>
+      <p:grpSpPr>
+        <a:xfrm>
+          <a:off x="0" y="0"/>
+          <a:ext cx="0" cy="0"/>
+          <a:chOff x="0" y="0"/>
+          <a:chExt cx="0" cy="0"/>
+        </a:xfrm>
+      </p:grpSpPr>
+      <p:sp>
+        <p:nvSpPr>
           <p:cNvPr id="3" name="Content Placeholder 2"/>
           <p:cNvSpPr>
             <a:spLocks noGrp="1"/>
@@ -10336,13 +13473,8 @@
           <a:p>
             <a:r>
               <a:rPr lang="en-US" dirty="0" smtClean="0"/>
-              <a:t>Data </a:t>
-            </a:r>
-            <a:r>
-              <a:rPr lang="en-US" dirty="0" smtClean="0"/>
-              <a:t>acquisition - tracking</a:t>
-            </a:r>
-            <a:endParaRPr lang="en-US" dirty="0" smtClean="0"/>
+              <a:t>Data acquisition - tracking</a:t>
+            </a:r>
           </a:p>
         </p:txBody>
       </p:sp>
@@ -10801,11 +13933,7 @@
             </a:pPr>
             <a:r>
               <a:rPr lang="en-US" dirty="0" smtClean="0"/>
-              <a:t>Ascension </a:t>
-            </a:r>
-            <a:r>
-              <a:rPr lang="en-US" dirty="0" smtClean="0"/>
-              <a:t>EM tracker</a:t>
+              <a:t>Ascension EM tracker</a:t>
             </a:r>
           </a:p>
           <a:p>
@@ -10833,20 +13961,12 @@
               <a:rPr lang="en-US" dirty="0" smtClean="0"/>
               <a:t> </a:t>
             </a:r>
-            <a:r>
-              <a:rPr lang="en-US" dirty="0" smtClean="0"/>
-              <a:t/>
-            </a:r>
             <a:br>
               <a:rPr lang="en-US" dirty="0" smtClean="0"/>
             </a:br>
             <a:r>
               <a:rPr lang="en-US" dirty="0" smtClean="0"/>
-              <a:t>optical and electromagnetic </a:t>
-            </a:r>
-            <a:r>
-              <a:rPr lang="en-US" dirty="0" smtClean="0"/>
-              <a:t>trackers</a:t>
+              <a:t>optical and electromagnetic trackers</a:t>
             </a:r>
           </a:p>
           <a:p>
@@ -10908,20 +14028,12 @@
               <a:rPr lang="en-US" dirty="0" smtClean="0"/>
               <a:t>, </a:t>
             </a:r>
-            <a:r>
-              <a:rPr lang="en-US" dirty="0" smtClean="0"/>
-              <a:t/>
-            </a:r>
             <a:br>
               <a:rPr lang="en-US" dirty="0" smtClean="0"/>
             </a:br>
             <a:r>
               <a:rPr lang="en-US" dirty="0" smtClean="0"/>
-              <a:t>Burdette </a:t>
-            </a:r>
-            <a:r>
-              <a:rPr lang="en-US" dirty="0" smtClean="0"/>
-              <a:t>Medical systems, CIVCO)</a:t>
+              <a:t>Burdette Medical systems, CIVCO)</a:t>
             </a:r>
           </a:p>
           <a:p>
@@ -11053,19 +14165,7 @@
             </a:pPr>
             <a:r>
               <a:rPr lang="en-US" dirty="0" smtClean="0"/>
-              <a:t>Software </a:t>
-            </a:r>
-            <a:r>
-              <a:rPr lang="en-US" dirty="0" smtClean="0"/>
-              <a:t>devices</a:t>
-            </a:r>
-            <a:r>
-              <a:rPr lang="en-US" dirty="0" smtClean="0"/>
-              <a:t>: </a:t>
-            </a:r>
-            <a:r>
-              <a:rPr lang="en-US" dirty="0" smtClean="0"/>
-              <a:t>file source, US simulator</a:t>
+              <a:t>Software devices: file source, US simulator</a:t>
             </a:r>
             <a:endParaRPr lang="en-US" dirty="0"/>
           </a:p>
@@ -11168,13 +14268,8 @@
           <a:p>
             <a:r>
               <a:rPr lang="en-US" dirty="0" smtClean="0"/>
-              <a:t>Data </a:t>
-            </a:r>
-            <a:r>
-              <a:rPr lang="en-US" dirty="0" smtClean="0"/>
-              <a:t>acquisition - imaging</a:t>
-            </a:r>
-            <a:endParaRPr lang="en-US" dirty="0" smtClean="0"/>
+              <a:t>Data acquisition - imaging</a:t>
+            </a:r>
           </a:p>
         </p:txBody>
       </p:sp>
@@ -11220,20 +14315,12 @@
               <a:rPr lang="en-US" sz="2400" dirty="0" smtClean="0"/>
               <a:t>: B-mode &amp; RF </a:t>
             </a:r>
-            <a:r>
-              <a:rPr lang="en-US" sz="2400" dirty="0" smtClean="0"/>
-              <a:t/>
-            </a:r>
             <a:br>
               <a:rPr lang="en-US" sz="2400" dirty="0" smtClean="0"/>
             </a:br>
             <a:r>
               <a:rPr lang="en-US" sz="2400" dirty="0" smtClean="0"/>
-              <a:t>(</a:t>
-            </a:r>
-            <a:r>
-              <a:rPr lang="en-US" sz="2400" dirty="0" smtClean="0"/>
-              <a:t>through research interface)</a:t>
+              <a:t>(through research interface)</a:t>
             </a:r>
           </a:p>
           <a:p>
@@ -11274,11 +14361,7 @@
             </a:br>
             <a:r>
               <a:rPr lang="en-US" sz="2400" dirty="0" smtClean="0"/>
-              <a:t>(</a:t>
-            </a:r>
-            <a:r>
-              <a:rPr lang="en-US" sz="2400" dirty="0" smtClean="0"/>
-              <a:t>through research interface)</a:t>
+              <a:t>(through research interface)</a:t>
             </a:r>
           </a:p>
           <a:p>
@@ -11350,11 +14433,7 @@
             </a:pPr>
             <a:r>
               <a:rPr lang="en-US" sz="2400" dirty="0" smtClean="0"/>
-              <a:t>Video for Windows </a:t>
-            </a:r>
-            <a:r>
-              <a:rPr lang="en-US" sz="2400" dirty="0" smtClean="0"/>
-              <a:t>devices</a:t>
+              <a:t>Video for Windows devices</a:t>
             </a:r>
           </a:p>
           <a:p>
@@ -11398,15 +14477,7 @@
             </a:pPr>
             <a:r>
               <a:rPr lang="en-US" sz="2400" dirty="0" smtClean="0"/>
-              <a:t>Other software devices:</a:t>
-            </a:r>
-            <a:r>
-              <a:rPr lang="en-US" sz="2400" dirty="0" smtClean="0"/>
-              <a:t> file </a:t>
-            </a:r>
-            <a:r>
-              <a:rPr lang="en-US" sz="2400" dirty="0" smtClean="0"/>
-              <a:t>source, US simulator</a:t>
+              <a:t>Other software devices: file source, US simulator</a:t>
             </a:r>
             <a:endParaRPr lang="en-US" sz="2400" dirty="0"/>
           </a:p>
